--- a/读书笔记/JavaScript高级程序设计第四版 ppt版本/第十四章 DOM.pptx
+++ b/读书笔记/JavaScript高级程序设计第四版 ppt版本/第十四章 DOM.pptx
@@ -4,6 +4,9 @@
   <p:sldMasterIdLst>
     <p:sldMasterId id="2147483648" r:id="rId1"/>
   </p:sldMasterIdLst>
+  <p:notesMasterIdLst>
+    <p:notesMasterId r:id="rId12"/>
+  </p:notesMasterIdLst>
   <p:sldIdLst>
     <p:sldId id="256" r:id="rId3"/>
     <p:sldId id="257" r:id="rId4"/>
@@ -13,9 +16,17 @@
     <p:sldId id="261" r:id="rId8"/>
     <p:sldId id="262" r:id="rId9"/>
     <p:sldId id="263" r:id="rId10"/>
-    <p:sldId id="264" r:id="rId11"/>
-    <p:sldId id="265" r:id="rId12"/>
-    <p:sldId id="266" r:id="rId13"/>
+    <p:sldId id="268" r:id="rId11"/>
+    <p:sldId id="264" r:id="rId13"/>
+    <p:sldId id="265" r:id="rId14"/>
+    <p:sldId id="266" r:id="rId15"/>
+    <p:sldId id="269" r:id="rId16"/>
+    <p:sldId id="270" r:id="rId17"/>
+    <p:sldId id="271" r:id="rId18"/>
+    <p:sldId id="273" r:id="rId19"/>
+    <p:sldId id="272" r:id="rId20"/>
+    <p:sldId id="274" r:id="rId21"/>
+    <p:sldId id="275" r:id="rId22"/>
   </p:sldIdLst>
   <p:sldSz cx="12192000" cy="6858000"/>
   <p:notesSz cx="6858000" cy="9144000"/>
@@ -115,6 +126,749 @@
     </a:lvl9pPr>
   </p:defaultTextStyle>
 </p:presentation>
+</file>
+
+<file path=ppt/notesMasters/notesMaster1.xml><?xml version="1.0" encoding="utf-8"?>
+<p:notesMaster xmlns:a="http://schemas.openxmlformats.org/drawingml/2006/main" xmlns:r="http://schemas.openxmlformats.org/officeDocument/2006/relationships" xmlns:p="http://schemas.openxmlformats.org/presentationml/2006/main">
+  <p:cSld>
+    <p:bg>
+      <p:bgRef idx="1001">
+        <a:schemeClr val="bg1"/>
+      </p:bgRef>
+    </p:bg>
+    <p:spTree>
+      <p:nvGrpSpPr>
+        <p:cNvPr id="1" name=""/>
+        <p:cNvGrpSpPr/>
+        <p:nvPr/>
+      </p:nvGrpSpPr>
+      <p:grpSpPr>
+        <a:xfrm>
+          <a:off x="0" y="0"/>
+          <a:ext cx="0" cy="0"/>
+          <a:chOff x="0" y="0"/>
+          <a:chExt cx="0" cy="0"/>
+        </a:xfrm>
+      </p:grpSpPr>
+      <p:sp>
+        <p:nvSpPr>
+          <p:cNvPr id="2" name="页眉占位符 1"/>
+          <p:cNvSpPr>
+            <a:spLocks noGrp="1"/>
+          </p:cNvSpPr>
+          <p:nvPr>
+            <p:ph type="hdr" sz="quarter"/>
+          </p:nvPr>
+        </p:nvSpPr>
+        <p:spPr>
+          <a:xfrm>
+            <a:off x="0" y="0"/>
+            <a:ext cx="2971800" cy="458788"/>
+          </a:xfrm>
+          <a:prstGeom prst="rect">
+            <a:avLst/>
+          </a:prstGeom>
+        </p:spPr>
+        <p:txBody>
+          <a:bodyPr vert="horz" lIns="91440" tIns="45720" rIns="91440" bIns="45720" rtlCol="0"/>
+          <a:lstStyle>
+            <a:lvl1pPr algn="l">
+              <a:defRPr sz="1200"/>
+            </a:lvl1pPr>
+          </a:lstStyle>
+          <a:p>
+            <a:endParaRPr lang="zh-CN" altLang="en-US"/>
+          </a:p>
+        </p:txBody>
+      </p:sp>
+      <p:sp>
+        <p:nvSpPr>
+          <p:cNvPr id="3" name="日期占位符 2"/>
+          <p:cNvSpPr>
+            <a:spLocks noGrp="1"/>
+          </p:cNvSpPr>
+          <p:nvPr>
+            <p:ph type="dt" idx="1"/>
+          </p:nvPr>
+        </p:nvSpPr>
+        <p:spPr>
+          <a:xfrm>
+            <a:off x="3884613" y="0"/>
+            <a:ext cx="2971800" cy="458788"/>
+          </a:xfrm>
+          <a:prstGeom prst="rect">
+            <a:avLst/>
+          </a:prstGeom>
+        </p:spPr>
+        <p:txBody>
+          <a:bodyPr vert="horz" lIns="91440" tIns="45720" rIns="91440" bIns="45720" rtlCol="0"/>
+          <a:lstStyle>
+            <a:lvl1pPr algn="r">
+              <a:defRPr sz="1200"/>
+            </a:lvl1pPr>
+          </a:lstStyle>
+          <a:p>
+            <a:fld id="{D2A48B96-639E-45A3-A0BA-2464DFDB1FAA}" type="datetimeFigureOut">
+              <a:rPr lang="zh-CN" altLang="en-US" smtClean="0"/>
+            </a:fld>
+            <a:endParaRPr lang="zh-CN" altLang="en-US"/>
+          </a:p>
+        </p:txBody>
+      </p:sp>
+      <p:sp>
+        <p:nvSpPr>
+          <p:cNvPr id="4" name="幻灯片图像占位符 3"/>
+          <p:cNvSpPr>
+            <a:spLocks noGrp="1" noRot="1" noChangeAspect="1"/>
+          </p:cNvSpPr>
+          <p:nvPr>
+            <p:ph type="sldImg" idx="2"/>
+          </p:nvPr>
+        </p:nvSpPr>
+        <p:spPr>
+          <a:xfrm>
+            <a:off x="685800" y="1143000"/>
+            <a:ext cx="5486400" cy="3086100"/>
+          </a:xfrm>
+          <a:prstGeom prst="rect">
+            <a:avLst/>
+          </a:prstGeom>
+          <a:noFill/>
+          <a:ln w="12700">
+            <a:solidFill>
+              <a:prstClr val="black"/>
+            </a:solidFill>
+          </a:ln>
+        </p:spPr>
+        <p:txBody>
+          <a:bodyPr vert="horz" lIns="91440" tIns="45720" rIns="91440" bIns="45720" rtlCol="0" anchor="ctr"/>
+          <a:lstStyle/>
+          <a:p>
+            <a:endParaRPr lang="zh-CN" altLang="en-US"/>
+          </a:p>
+        </p:txBody>
+      </p:sp>
+      <p:sp>
+        <p:nvSpPr>
+          <p:cNvPr id="5" name="备注占位符 4"/>
+          <p:cNvSpPr>
+            <a:spLocks noGrp="1"/>
+          </p:cNvSpPr>
+          <p:nvPr>
+            <p:ph type="body" sz="quarter" idx="3"/>
+          </p:nvPr>
+        </p:nvSpPr>
+        <p:spPr>
+          <a:xfrm>
+            <a:off x="685800" y="4400550"/>
+            <a:ext cx="5486400" cy="3600450"/>
+          </a:xfrm>
+          <a:prstGeom prst="rect">
+            <a:avLst/>
+          </a:prstGeom>
+        </p:spPr>
+        <p:txBody>
+          <a:bodyPr vert="horz" lIns="91440" tIns="45720" rIns="91440" bIns="45720" rtlCol="0"/>
+          <a:lstStyle/>
+          <a:p>
+            <a:pPr lvl="0"/>
+            <a:r>
+              <a:rPr lang="zh-CN" altLang="en-US" smtClean="0"/>
+              <a:t>单击此处编辑母版文本样式</a:t>
+            </a:r>
+            <a:endParaRPr lang="zh-CN" altLang="en-US" smtClean="0"/>
+          </a:p>
+          <a:p>
+            <a:pPr lvl="1"/>
+            <a:r>
+              <a:rPr lang="zh-CN" altLang="en-US" smtClean="0"/>
+              <a:t>第二级</a:t>
+            </a:r>
+            <a:endParaRPr lang="zh-CN" altLang="en-US" smtClean="0"/>
+          </a:p>
+          <a:p>
+            <a:pPr lvl="2"/>
+            <a:r>
+              <a:rPr lang="zh-CN" altLang="en-US" smtClean="0"/>
+              <a:t>第三级</a:t>
+            </a:r>
+            <a:endParaRPr lang="zh-CN" altLang="en-US" smtClean="0"/>
+          </a:p>
+          <a:p>
+            <a:pPr lvl="3"/>
+            <a:r>
+              <a:rPr lang="zh-CN" altLang="en-US" smtClean="0"/>
+              <a:t>第四级</a:t>
+            </a:r>
+            <a:endParaRPr lang="zh-CN" altLang="en-US" smtClean="0"/>
+          </a:p>
+          <a:p>
+            <a:pPr lvl="4"/>
+            <a:r>
+              <a:rPr lang="zh-CN" altLang="en-US" smtClean="0"/>
+              <a:t>第五级</a:t>
+            </a:r>
+            <a:endParaRPr lang="zh-CN" altLang="en-US"/>
+          </a:p>
+        </p:txBody>
+      </p:sp>
+      <p:sp>
+        <p:nvSpPr>
+          <p:cNvPr id="6" name="页脚占位符 5"/>
+          <p:cNvSpPr>
+            <a:spLocks noGrp="1"/>
+          </p:cNvSpPr>
+          <p:nvPr>
+            <p:ph type="ftr" sz="quarter" idx="4"/>
+          </p:nvPr>
+        </p:nvSpPr>
+        <p:spPr>
+          <a:xfrm>
+            <a:off x="0" y="8685213"/>
+            <a:ext cx="2971800" cy="458787"/>
+          </a:xfrm>
+          <a:prstGeom prst="rect">
+            <a:avLst/>
+          </a:prstGeom>
+        </p:spPr>
+        <p:txBody>
+          <a:bodyPr vert="horz" lIns="91440" tIns="45720" rIns="91440" bIns="45720" rtlCol="0" anchor="b"/>
+          <a:lstStyle>
+            <a:lvl1pPr algn="l">
+              <a:defRPr sz="1200"/>
+            </a:lvl1pPr>
+          </a:lstStyle>
+          <a:p>
+            <a:endParaRPr lang="zh-CN" altLang="en-US"/>
+          </a:p>
+        </p:txBody>
+      </p:sp>
+      <p:sp>
+        <p:nvSpPr>
+          <p:cNvPr id="7" name="灯片编号占位符 6"/>
+          <p:cNvSpPr>
+            <a:spLocks noGrp="1"/>
+          </p:cNvSpPr>
+          <p:nvPr>
+            <p:ph type="sldNum" sz="quarter" idx="5"/>
+          </p:nvPr>
+        </p:nvSpPr>
+        <p:spPr>
+          <a:xfrm>
+            <a:off x="3884613" y="8685213"/>
+            <a:ext cx="2971800" cy="458787"/>
+          </a:xfrm>
+          <a:prstGeom prst="rect">
+            <a:avLst/>
+          </a:prstGeom>
+        </p:spPr>
+        <p:txBody>
+          <a:bodyPr vert="horz" lIns="91440" tIns="45720" rIns="91440" bIns="45720" rtlCol="0" anchor="b"/>
+          <a:lstStyle>
+            <a:lvl1pPr algn="r">
+              <a:defRPr sz="1200"/>
+            </a:lvl1pPr>
+          </a:lstStyle>
+          <a:p>
+            <a:fld id="{A6837353-30EB-4A48-80EB-173D804AEFBD}" type="slidenum">
+              <a:rPr lang="zh-CN" altLang="en-US" smtClean="0"/>
+            </a:fld>
+            <a:endParaRPr lang="zh-CN" altLang="en-US"/>
+          </a:p>
+        </p:txBody>
+      </p:sp>
+    </p:spTree>
+  </p:cSld>
+  <p:clrMap bg1="lt1" tx1="dk1" bg2="lt2" tx2="dk2" accent1="accent1" accent2="accent2" accent3="accent3" accent4="accent4" accent5="accent5" accent6="accent6" hlink="hlink" folHlink="folHlink"/>
+  <p:notesStyle>
+    <a:lvl1pPr marL="0" algn="l" defTabSz="914400" rtl="0" eaLnBrk="1" latinLnBrk="0" hangingPunct="1">
+      <a:defRPr sz="1200" kern="1200">
+        <a:solidFill>
+          <a:schemeClr val="tx1"/>
+        </a:solidFill>
+        <a:latin typeface="+mn-lt"/>
+        <a:ea typeface="+mn-ea"/>
+        <a:cs typeface="+mn-cs"/>
+      </a:defRPr>
+    </a:lvl1pPr>
+    <a:lvl2pPr marL="457200" algn="l" defTabSz="914400" rtl="0" eaLnBrk="1" latinLnBrk="0" hangingPunct="1">
+      <a:defRPr sz="1200" kern="1200">
+        <a:solidFill>
+          <a:schemeClr val="tx1"/>
+        </a:solidFill>
+        <a:latin typeface="+mn-lt"/>
+        <a:ea typeface="+mn-ea"/>
+        <a:cs typeface="+mn-cs"/>
+      </a:defRPr>
+    </a:lvl2pPr>
+    <a:lvl3pPr marL="914400" algn="l" defTabSz="914400" rtl="0" eaLnBrk="1" latinLnBrk="0" hangingPunct="1">
+      <a:defRPr sz="1200" kern="1200">
+        <a:solidFill>
+          <a:schemeClr val="tx1"/>
+        </a:solidFill>
+        <a:latin typeface="+mn-lt"/>
+        <a:ea typeface="+mn-ea"/>
+        <a:cs typeface="+mn-cs"/>
+      </a:defRPr>
+    </a:lvl3pPr>
+    <a:lvl4pPr marL="1371600" algn="l" defTabSz="914400" rtl="0" eaLnBrk="1" latinLnBrk="0" hangingPunct="1">
+      <a:defRPr sz="1200" kern="1200">
+        <a:solidFill>
+          <a:schemeClr val="tx1"/>
+        </a:solidFill>
+        <a:latin typeface="+mn-lt"/>
+        <a:ea typeface="+mn-ea"/>
+        <a:cs typeface="+mn-cs"/>
+      </a:defRPr>
+    </a:lvl4pPr>
+    <a:lvl5pPr marL="1828800" algn="l" defTabSz="914400" rtl="0" eaLnBrk="1" latinLnBrk="0" hangingPunct="1">
+      <a:defRPr sz="1200" kern="1200">
+        <a:solidFill>
+          <a:schemeClr val="tx1"/>
+        </a:solidFill>
+        <a:latin typeface="+mn-lt"/>
+        <a:ea typeface="+mn-ea"/>
+        <a:cs typeface="+mn-cs"/>
+      </a:defRPr>
+    </a:lvl5pPr>
+    <a:lvl6pPr marL="2286000" algn="l" defTabSz="914400" rtl="0" eaLnBrk="1" latinLnBrk="0" hangingPunct="1">
+      <a:defRPr sz="1200" kern="1200">
+        <a:solidFill>
+          <a:schemeClr val="tx1"/>
+        </a:solidFill>
+        <a:latin typeface="+mn-lt"/>
+        <a:ea typeface="+mn-ea"/>
+        <a:cs typeface="+mn-cs"/>
+      </a:defRPr>
+    </a:lvl6pPr>
+    <a:lvl7pPr marL="2743200" algn="l" defTabSz="914400" rtl="0" eaLnBrk="1" latinLnBrk="0" hangingPunct="1">
+      <a:defRPr sz="1200" kern="1200">
+        <a:solidFill>
+          <a:schemeClr val="tx1"/>
+        </a:solidFill>
+        <a:latin typeface="+mn-lt"/>
+        <a:ea typeface="+mn-ea"/>
+        <a:cs typeface="+mn-cs"/>
+      </a:defRPr>
+    </a:lvl7pPr>
+    <a:lvl8pPr marL="3200400" algn="l" defTabSz="914400" rtl="0" eaLnBrk="1" latinLnBrk="0" hangingPunct="1">
+      <a:defRPr sz="1200" kern="1200">
+        <a:solidFill>
+          <a:schemeClr val="tx1"/>
+        </a:solidFill>
+        <a:latin typeface="+mn-lt"/>
+        <a:ea typeface="+mn-ea"/>
+        <a:cs typeface="+mn-cs"/>
+      </a:defRPr>
+    </a:lvl8pPr>
+    <a:lvl9pPr marL="3657600" algn="l" defTabSz="914400" rtl="0" eaLnBrk="1" latinLnBrk="0" hangingPunct="1">
+      <a:defRPr sz="1200" kern="1200">
+        <a:solidFill>
+          <a:schemeClr val="tx1"/>
+        </a:solidFill>
+        <a:latin typeface="+mn-lt"/>
+        <a:ea typeface="+mn-ea"/>
+        <a:cs typeface="+mn-cs"/>
+      </a:defRPr>
+    </a:lvl9pPr>
+  </p:notesStyle>
+</p:notesMaster>
+</file>
+
+<file path=ppt/notesSlides/notesSlide1.xml><?xml version="1.0" encoding="utf-8"?>
+<p:notes xmlns:a="http://schemas.openxmlformats.org/drawingml/2006/main" xmlns:r="http://schemas.openxmlformats.org/officeDocument/2006/relationships" xmlns:p="http://schemas.openxmlformats.org/presentationml/2006/main">
+  <p:cSld>
+    <p:spTree>
+      <p:nvGrpSpPr>
+        <p:cNvPr id="1" name=""/>
+        <p:cNvGrpSpPr/>
+        <p:nvPr/>
+      </p:nvGrpSpPr>
+      <p:grpSpPr/>
+      <p:sp>
+        <p:nvSpPr>
+          <p:cNvPr id="2" name="幻灯片图像占位符 1"/>
+          <p:cNvSpPr/>
+          <p:nvPr>
+            <p:ph type="sldImg" idx="2"/>
+          </p:nvPr>
+        </p:nvSpPr>
+        <p:spPr/>
+      </p:sp>
+      <p:sp>
+        <p:nvSpPr>
+          <p:cNvPr id="3" name="文本占位符 2"/>
+          <p:cNvSpPr/>
+          <p:nvPr>
+            <p:ph type="body" idx="3"/>
+          </p:nvPr>
+        </p:nvSpPr>
+        <p:spPr/>
+        <p:txBody>
+          <a:bodyPr/>
+          <a:p>
+            <a:endParaRPr lang="zh-CN" altLang="en-US"/>
+          </a:p>
+        </p:txBody>
+      </p:sp>
+    </p:spTree>
+  </p:cSld>
+  <p:clrMapOvr>
+    <a:masterClrMapping/>
+  </p:clrMapOvr>
+</p:notes>
+</file>
+
+<file path=ppt/notesSlides/notesSlide2.xml><?xml version="1.0" encoding="utf-8"?>
+<p:notes xmlns:a="http://schemas.openxmlformats.org/drawingml/2006/main" xmlns:r="http://schemas.openxmlformats.org/officeDocument/2006/relationships" xmlns:p="http://schemas.openxmlformats.org/presentationml/2006/main">
+  <p:cSld>
+    <p:spTree>
+      <p:nvGrpSpPr>
+        <p:cNvPr id="1" name=""/>
+        <p:cNvGrpSpPr/>
+        <p:nvPr/>
+      </p:nvGrpSpPr>
+      <p:grpSpPr/>
+      <p:sp>
+        <p:nvSpPr>
+          <p:cNvPr id="2" name="幻灯片图像占位符 1"/>
+          <p:cNvSpPr/>
+          <p:nvPr>
+            <p:ph type="sldImg" idx="2"/>
+          </p:nvPr>
+        </p:nvSpPr>
+        <p:spPr/>
+      </p:sp>
+      <p:sp>
+        <p:nvSpPr>
+          <p:cNvPr id="3" name="文本占位符 2"/>
+          <p:cNvSpPr/>
+          <p:nvPr>
+            <p:ph type="body" idx="3"/>
+          </p:nvPr>
+        </p:nvSpPr>
+        <p:spPr/>
+        <p:txBody>
+          <a:bodyPr/>
+          <a:p>
+            <a:endParaRPr lang="zh-CN" altLang="en-US"/>
+          </a:p>
+        </p:txBody>
+      </p:sp>
+    </p:spTree>
+  </p:cSld>
+  <p:clrMapOvr>
+    <a:masterClrMapping/>
+  </p:clrMapOvr>
+</p:notes>
+</file>
+
+<file path=ppt/notesSlides/notesSlide3.xml><?xml version="1.0" encoding="utf-8"?>
+<p:notes xmlns:a="http://schemas.openxmlformats.org/drawingml/2006/main" xmlns:r="http://schemas.openxmlformats.org/officeDocument/2006/relationships" xmlns:p="http://schemas.openxmlformats.org/presentationml/2006/main">
+  <p:cSld>
+    <p:spTree>
+      <p:nvGrpSpPr>
+        <p:cNvPr id="1" name=""/>
+        <p:cNvGrpSpPr/>
+        <p:nvPr/>
+      </p:nvGrpSpPr>
+      <p:grpSpPr/>
+      <p:sp>
+        <p:nvSpPr>
+          <p:cNvPr id="2" name="幻灯片图像占位符 1"/>
+          <p:cNvSpPr/>
+          <p:nvPr>
+            <p:ph type="sldImg" idx="2"/>
+          </p:nvPr>
+        </p:nvSpPr>
+        <p:spPr/>
+      </p:sp>
+      <p:sp>
+        <p:nvSpPr>
+          <p:cNvPr id="3" name="文本占位符 2"/>
+          <p:cNvSpPr/>
+          <p:nvPr>
+            <p:ph type="body" idx="3"/>
+          </p:nvPr>
+        </p:nvSpPr>
+        <p:spPr/>
+        <p:txBody>
+          <a:bodyPr/>
+          <a:p>
+            <a:endParaRPr lang="zh-CN" altLang="en-US"/>
+          </a:p>
+        </p:txBody>
+      </p:sp>
+    </p:spTree>
+  </p:cSld>
+  <p:clrMapOvr>
+    <a:masterClrMapping/>
+  </p:clrMapOvr>
+</p:notes>
+</file>
+
+<file path=ppt/notesSlides/notesSlide4.xml><?xml version="1.0" encoding="utf-8"?>
+<p:notes xmlns:a="http://schemas.openxmlformats.org/drawingml/2006/main" xmlns:r="http://schemas.openxmlformats.org/officeDocument/2006/relationships" xmlns:p="http://schemas.openxmlformats.org/presentationml/2006/main">
+  <p:cSld>
+    <p:spTree>
+      <p:nvGrpSpPr>
+        <p:cNvPr id="1" name=""/>
+        <p:cNvGrpSpPr/>
+        <p:nvPr/>
+      </p:nvGrpSpPr>
+      <p:grpSpPr/>
+      <p:sp>
+        <p:nvSpPr>
+          <p:cNvPr id="2" name="幻灯片图像占位符 1"/>
+          <p:cNvSpPr/>
+          <p:nvPr>
+            <p:ph type="sldImg" idx="2"/>
+          </p:nvPr>
+        </p:nvSpPr>
+        <p:spPr/>
+      </p:sp>
+      <p:sp>
+        <p:nvSpPr>
+          <p:cNvPr id="3" name="文本占位符 2"/>
+          <p:cNvSpPr/>
+          <p:nvPr>
+            <p:ph type="body" idx="3"/>
+          </p:nvPr>
+        </p:nvSpPr>
+        <p:spPr/>
+        <p:txBody>
+          <a:bodyPr/>
+          <a:p>
+            <a:endParaRPr lang="zh-CN" altLang="en-US"/>
+          </a:p>
+        </p:txBody>
+      </p:sp>
+    </p:spTree>
+  </p:cSld>
+  <p:clrMapOvr>
+    <a:masterClrMapping/>
+  </p:clrMapOvr>
+</p:notes>
+</file>
+
+<file path=ppt/notesSlides/notesSlide5.xml><?xml version="1.0" encoding="utf-8"?>
+<p:notes xmlns:a="http://schemas.openxmlformats.org/drawingml/2006/main" xmlns:r="http://schemas.openxmlformats.org/officeDocument/2006/relationships" xmlns:p="http://schemas.openxmlformats.org/presentationml/2006/main">
+  <p:cSld>
+    <p:spTree>
+      <p:nvGrpSpPr>
+        <p:cNvPr id="1" name=""/>
+        <p:cNvGrpSpPr/>
+        <p:nvPr/>
+      </p:nvGrpSpPr>
+      <p:grpSpPr/>
+      <p:sp>
+        <p:nvSpPr>
+          <p:cNvPr id="2" name="幻灯片图像占位符 1"/>
+          <p:cNvSpPr/>
+          <p:nvPr>
+            <p:ph type="sldImg" idx="2"/>
+          </p:nvPr>
+        </p:nvSpPr>
+        <p:spPr/>
+      </p:sp>
+      <p:sp>
+        <p:nvSpPr>
+          <p:cNvPr id="3" name="文本占位符 2"/>
+          <p:cNvSpPr/>
+          <p:nvPr>
+            <p:ph type="body" idx="3"/>
+          </p:nvPr>
+        </p:nvSpPr>
+        <p:spPr/>
+        <p:txBody>
+          <a:bodyPr/>
+          <a:p>
+            <a:endParaRPr lang="zh-CN" altLang="en-US"/>
+          </a:p>
+        </p:txBody>
+      </p:sp>
+    </p:spTree>
+  </p:cSld>
+  <p:clrMapOvr>
+    <a:masterClrMapping/>
+  </p:clrMapOvr>
+</p:notes>
+</file>
+
+<file path=ppt/notesSlides/notesSlide6.xml><?xml version="1.0" encoding="utf-8"?>
+<p:notes xmlns:a="http://schemas.openxmlformats.org/drawingml/2006/main" xmlns:r="http://schemas.openxmlformats.org/officeDocument/2006/relationships" xmlns:p="http://schemas.openxmlformats.org/presentationml/2006/main">
+  <p:cSld>
+    <p:spTree>
+      <p:nvGrpSpPr>
+        <p:cNvPr id="1" name=""/>
+        <p:cNvGrpSpPr/>
+        <p:nvPr/>
+      </p:nvGrpSpPr>
+      <p:grpSpPr/>
+      <p:sp>
+        <p:nvSpPr>
+          <p:cNvPr id="2" name="幻灯片图像占位符 1"/>
+          <p:cNvSpPr/>
+          <p:nvPr>
+            <p:ph type="sldImg" idx="2"/>
+          </p:nvPr>
+        </p:nvSpPr>
+        <p:spPr/>
+      </p:sp>
+      <p:sp>
+        <p:nvSpPr>
+          <p:cNvPr id="3" name="文本占位符 2"/>
+          <p:cNvSpPr/>
+          <p:nvPr>
+            <p:ph type="body" idx="3"/>
+          </p:nvPr>
+        </p:nvSpPr>
+        <p:spPr/>
+        <p:txBody>
+          <a:bodyPr/>
+          <a:p>
+            <a:endParaRPr lang="zh-CN" altLang="en-US"/>
+          </a:p>
+        </p:txBody>
+      </p:sp>
+    </p:spTree>
+  </p:cSld>
+  <p:clrMapOvr>
+    <a:masterClrMapping/>
+  </p:clrMapOvr>
+</p:notes>
+</file>
+
+<file path=ppt/notesSlides/notesSlide7.xml><?xml version="1.0" encoding="utf-8"?>
+<p:notes xmlns:a="http://schemas.openxmlformats.org/drawingml/2006/main" xmlns:r="http://schemas.openxmlformats.org/officeDocument/2006/relationships" xmlns:p="http://schemas.openxmlformats.org/presentationml/2006/main">
+  <p:cSld>
+    <p:spTree>
+      <p:nvGrpSpPr>
+        <p:cNvPr id="1" name=""/>
+        <p:cNvGrpSpPr/>
+        <p:nvPr/>
+      </p:nvGrpSpPr>
+      <p:grpSpPr/>
+      <p:sp>
+        <p:nvSpPr>
+          <p:cNvPr id="2" name="幻灯片图像占位符 1"/>
+          <p:cNvSpPr/>
+          <p:nvPr>
+            <p:ph type="sldImg" idx="2"/>
+          </p:nvPr>
+        </p:nvSpPr>
+        <p:spPr/>
+      </p:sp>
+      <p:sp>
+        <p:nvSpPr>
+          <p:cNvPr id="3" name="文本占位符 2"/>
+          <p:cNvSpPr/>
+          <p:nvPr>
+            <p:ph type="body" idx="3"/>
+          </p:nvPr>
+        </p:nvSpPr>
+        <p:spPr/>
+        <p:txBody>
+          <a:bodyPr/>
+          <a:p>
+            <a:endParaRPr lang="zh-CN" altLang="en-US"/>
+          </a:p>
+        </p:txBody>
+      </p:sp>
+    </p:spTree>
+  </p:cSld>
+  <p:clrMapOvr>
+    <a:masterClrMapping/>
+  </p:clrMapOvr>
+</p:notes>
+</file>
+
+<file path=ppt/notesSlides/notesSlide8.xml><?xml version="1.0" encoding="utf-8"?>
+<p:notes xmlns:a="http://schemas.openxmlformats.org/drawingml/2006/main" xmlns:r="http://schemas.openxmlformats.org/officeDocument/2006/relationships" xmlns:p="http://schemas.openxmlformats.org/presentationml/2006/main">
+  <p:cSld>
+    <p:spTree>
+      <p:nvGrpSpPr>
+        <p:cNvPr id="1" name=""/>
+        <p:cNvGrpSpPr/>
+        <p:nvPr/>
+      </p:nvGrpSpPr>
+      <p:grpSpPr/>
+      <p:sp>
+        <p:nvSpPr>
+          <p:cNvPr id="2" name="幻灯片图像占位符 1"/>
+          <p:cNvSpPr/>
+          <p:nvPr>
+            <p:ph type="sldImg" idx="2"/>
+          </p:nvPr>
+        </p:nvSpPr>
+        <p:spPr/>
+      </p:sp>
+      <p:sp>
+        <p:nvSpPr>
+          <p:cNvPr id="3" name="文本占位符 2"/>
+          <p:cNvSpPr/>
+          <p:nvPr>
+            <p:ph type="body" idx="3"/>
+          </p:nvPr>
+        </p:nvSpPr>
+        <p:spPr/>
+        <p:txBody>
+          <a:bodyPr/>
+          <a:p>
+            <a:endParaRPr lang="zh-CN" altLang="en-US"/>
+          </a:p>
+        </p:txBody>
+      </p:sp>
+    </p:spTree>
+  </p:cSld>
+  <p:clrMapOvr>
+    <a:masterClrMapping/>
+  </p:clrMapOvr>
+</p:notes>
+</file>
+
+<file path=ppt/notesSlides/notesSlide9.xml><?xml version="1.0" encoding="utf-8"?>
+<p:notes xmlns:a="http://schemas.openxmlformats.org/drawingml/2006/main" xmlns:r="http://schemas.openxmlformats.org/officeDocument/2006/relationships" xmlns:p="http://schemas.openxmlformats.org/presentationml/2006/main">
+  <p:cSld>
+    <p:spTree>
+      <p:nvGrpSpPr>
+        <p:cNvPr id="1" name=""/>
+        <p:cNvGrpSpPr/>
+        <p:nvPr/>
+      </p:nvGrpSpPr>
+      <p:grpSpPr/>
+      <p:sp>
+        <p:nvSpPr>
+          <p:cNvPr id="2" name="幻灯片图像占位符 1"/>
+          <p:cNvSpPr/>
+          <p:nvPr>
+            <p:ph type="sldImg" idx="2"/>
+          </p:nvPr>
+        </p:nvSpPr>
+        <p:spPr/>
+      </p:sp>
+      <p:sp>
+        <p:nvSpPr>
+          <p:cNvPr id="3" name="文本占位符 2"/>
+          <p:cNvSpPr/>
+          <p:nvPr>
+            <p:ph type="body" idx="3"/>
+          </p:nvPr>
+        </p:nvSpPr>
+        <p:spPr/>
+        <p:txBody>
+          <a:bodyPr/>
+          <a:p>
+            <a:endParaRPr lang="zh-CN" altLang="en-US"/>
+          </a:p>
+        </p:txBody>
+      </p:sp>
+    </p:spTree>
+  </p:cSld>
+  <p:clrMapOvr>
+    <a:masterClrMapping/>
+  </p:clrMapOvr>
+</p:notes>
 </file>
 
 <file path=ppt/slideLayouts/slideLayout1.xml><?xml version="1.0" encoding="utf-8"?>
@@ -3031,7 +3785,7 @@
                   </a:outerShdw>
                 </a:effectLst>
               </a:rPr>
-              <a:t>1</a:t>
+              <a:t>2</a:t>
             </a:r>
             <a:r>
               <a:rPr lang="zh-CN" sz="2800" b="1">
@@ -3124,10 +3878,10 @@
         </p:nvGrpSpPr>
         <p:grpSpPr>
           <a:xfrm>
-            <a:off x="662940" y="1664970"/>
-            <a:ext cx="5180330" cy="3952240"/>
-            <a:chOff x="434" y="5216"/>
-            <a:chExt cx="7504" cy="3537"/>
+            <a:off x="1077595" y="1565275"/>
+            <a:ext cx="4765040" cy="2111375"/>
+            <a:chOff x="434" y="5459"/>
+            <a:chExt cx="7504" cy="3325"/>
           </a:xfrm>
         </p:grpSpPr>
         <p:sp>
@@ -3138,25 +3892,74 @@
           </p:nvSpPr>
           <p:spPr>
             <a:xfrm>
-              <a:off x="662" y="5216"/>
-              <a:ext cx="7083" cy="1726"/>
+              <a:off x="2968" y="5459"/>
+              <a:ext cx="2434" cy="1021"/>
             </a:xfrm>
             <a:prstGeom prst="roundRect">
               <a:avLst/>
             </a:prstGeom>
           </p:spPr>
           <p:style>
-            <a:lnRef idx="3">
-              <a:schemeClr val="lt1"/>
+            <a:lnRef idx="2">
+              <a:schemeClr val="accent2"/>
             </a:lnRef>
             <a:fillRef idx="1">
+              <a:schemeClr val="lt1"/>
+            </a:fillRef>
+            <a:effectRef idx="0">
+              <a:schemeClr val="accent2"/>
+            </a:effectRef>
+            <a:fontRef idx="minor">
+              <a:schemeClr val="dk1"/>
+            </a:fontRef>
+          </p:style>
+          <p:txBody>
+            <a:bodyPr rtlCol="0" anchor="ctr"/>
+            <a:p>
+              <a:pPr algn="l">
+                <a:lnSpc>
+                  <a:spcPct val="150000"/>
+                </a:lnSpc>
+              </a:pPr>
+              <a:r>
+                <a:rPr lang="en-US" altLang="zh-CN" sz="1400" b="1"/>
+                <a:t>1</a:t>
+              </a:r>
+              <a:r>
+                <a:rPr lang="zh-CN" altLang="en-US" sz="1400" b="1"/>
+                <a:t>、appendChild()</a:t>
+              </a:r>
+              <a:endParaRPr lang="zh-CN" altLang="en-US" sz="1400"/>
+            </a:p>
+          </p:txBody>
+        </p:sp>
+        <p:sp>
+          <p:nvSpPr>
+            <p:cNvPr id="7" name="矩形 6"/>
+            <p:cNvSpPr/>
+            <p:nvPr/>
+          </p:nvSpPr>
+          <p:spPr>
+            <a:xfrm>
+              <a:off x="434" y="6480"/>
+              <a:ext cx="7504" cy="2304"/>
+            </a:xfrm>
+            <a:prstGeom prst="rect">
+              <a:avLst/>
+            </a:prstGeom>
+          </p:spPr>
+          <p:style>
+            <a:lnRef idx="2">
               <a:schemeClr val="accent6"/>
+            </a:lnRef>
+            <a:fillRef idx="1">
+              <a:schemeClr val="lt1"/>
             </a:fillRef>
-            <a:effectRef idx="1">
+            <a:effectRef idx="0">
               <a:schemeClr val="accent6"/>
             </a:effectRef>
             <a:fontRef idx="minor">
-              <a:schemeClr val="lt1"/>
+              <a:schemeClr val="dk1"/>
             </a:fontRef>
           </p:style>
           <p:txBody>
@@ -3169,7 +3972,646 @@
               </a:pPr>
               <a:r>
                 <a:rPr lang="zh-CN" altLang="en-US" sz="1400"/>
-                <a:t>cloneNode()，会返回与调用它的节点一模一样的节点。cloneNode()方法接收一个布尔值参数，表示是否深复制。在传入 true 参数时，会进行深复制，即复制节点及其整个子 DOM 树。如果传入 false，则只会复制调用该方法的节点。</a:t>
+                <a:t>let returnedNode = someNode.appendChild(newNode);</a:t>
+              </a:r>
+              <a:endParaRPr lang="zh-CN" altLang="en-US" sz="1400"/>
+            </a:p>
+            <a:p>
+              <a:pPr algn="l">
+                <a:lnSpc>
+                  <a:spcPct val="150000"/>
+                </a:lnSpc>
+              </a:pPr>
+              <a:r>
+                <a:rPr lang="zh-CN" altLang="en-US" sz="1400"/>
+                <a:t>alert(returnedNode == newNode); // true</a:t>
+              </a:r>
+              <a:endParaRPr lang="zh-CN" altLang="en-US" sz="1400"/>
+            </a:p>
+            <a:p>
+              <a:pPr algn="l">
+                <a:lnSpc>
+                  <a:spcPct val="150000"/>
+                </a:lnSpc>
+              </a:pPr>
+              <a:r>
+                <a:rPr lang="zh-CN" altLang="en-US" sz="1400"/>
+                <a:t>alert(someNode.lastChild == newNode); // true</a:t>
+              </a:r>
+              <a:endParaRPr lang="zh-CN" altLang="en-US" sz="1400"/>
+            </a:p>
+          </p:txBody>
+        </p:sp>
+      </p:grpSp>
+      <p:grpSp>
+        <p:nvGrpSpPr>
+          <p:cNvPr id="9" name="组合 8"/>
+          <p:cNvGrpSpPr/>
+          <p:nvPr/>
+        </p:nvGrpSpPr>
+        <p:grpSpPr>
+          <a:xfrm>
+            <a:off x="6543675" y="637540"/>
+            <a:ext cx="4765040" cy="2766695"/>
+            <a:chOff x="434" y="5579"/>
+            <a:chExt cx="7504" cy="4357"/>
+          </a:xfrm>
+        </p:grpSpPr>
+        <p:sp>
+          <p:nvSpPr>
+            <p:cNvPr id="10" name="圆角矩形 9"/>
+            <p:cNvSpPr/>
+            <p:nvPr/>
+          </p:nvSpPr>
+          <p:spPr>
+            <a:xfrm>
+              <a:off x="2977" y="5579"/>
+              <a:ext cx="2418" cy="901"/>
+            </a:xfrm>
+            <a:prstGeom prst="roundRect">
+              <a:avLst/>
+            </a:prstGeom>
+          </p:spPr>
+          <p:style>
+            <a:lnRef idx="2">
+              <a:schemeClr val="accent2"/>
+            </a:lnRef>
+            <a:fillRef idx="1">
+              <a:schemeClr val="lt1"/>
+            </a:fillRef>
+            <a:effectRef idx="0">
+              <a:schemeClr val="accent2"/>
+            </a:effectRef>
+            <a:fontRef idx="minor">
+              <a:schemeClr val="dk1"/>
+            </a:fontRef>
+          </p:style>
+          <p:txBody>
+            <a:bodyPr rtlCol="0" anchor="ctr"/>
+            <a:p>
+              <a:pPr algn="l">
+                <a:lnSpc>
+                  <a:spcPct val="150000"/>
+                </a:lnSpc>
+              </a:pPr>
+              <a:r>
+                <a:rPr lang="en-US" altLang="zh-CN" sz="1400" b="1"/>
+                <a:t>2</a:t>
+              </a:r>
+              <a:r>
+                <a:rPr lang="zh-CN" altLang="en-US" sz="1400" b="1"/>
+                <a:t>、insertBefore()</a:t>
+              </a:r>
+              <a:endParaRPr lang="zh-CN" altLang="en-US" sz="1400"/>
+            </a:p>
+          </p:txBody>
+        </p:sp>
+        <p:sp>
+          <p:nvSpPr>
+            <p:cNvPr id="11" name="矩形 10"/>
+            <p:cNvSpPr/>
+            <p:nvPr/>
+          </p:nvSpPr>
+          <p:spPr>
+            <a:xfrm>
+              <a:off x="434" y="6488"/>
+              <a:ext cx="7504" cy="3448"/>
+            </a:xfrm>
+            <a:prstGeom prst="rect">
+              <a:avLst/>
+            </a:prstGeom>
+          </p:spPr>
+          <p:style>
+            <a:lnRef idx="2">
+              <a:schemeClr val="accent6"/>
+            </a:lnRef>
+            <a:fillRef idx="1">
+              <a:schemeClr val="lt1"/>
+            </a:fillRef>
+            <a:effectRef idx="0">
+              <a:schemeClr val="accent6"/>
+            </a:effectRef>
+            <a:fontRef idx="minor">
+              <a:schemeClr val="dk1"/>
+            </a:fontRef>
+          </p:style>
+          <p:txBody>
+            <a:bodyPr rtlCol="0" anchor="ctr"/>
+            <a:p>
+              <a:pPr algn="l">
+                <a:lnSpc>
+                  <a:spcPct val="150000"/>
+                </a:lnSpc>
+              </a:pPr>
+              <a:r>
+                <a:rPr lang="zh-CN" altLang="en-US" sz="1400"/>
+                <a:t>// 作为新的第一个子节点插入</a:t>
+              </a:r>
+              <a:endParaRPr lang="zh-CN" altLang="en-US" sz="1400"/>
+            </a:p>
+            <a:p>
+              <a:pPr algn="l">
+                <a:lnSpc>
+                  <a:spcPct val="150000"/>
+                </a:lnSpc>
+              </a:pPr>
+              <a:r>
+                <a:rPr lang="zh-CN" altLang="en-US" sz="1400"/>
+                <a:t>returnedNode = someNode.insertBefore(newNode, someNode.firstChild);</a:t>
+              </a:r>
+              <a:endParaRPr lang="zh-CN" altLang="en-US" sz="1400"/>
+            </a:p>
+            <a:p>
+              <a:pPr algn="l">
+                <a:lnSpc>
+                  <a:spcPct val="150000"/>
+                </a:lnSpc>
+              </a:pPr>
+              <a:r>
+                <a:rPr lang="zh-CN" altLang="en-US" sz="1400"/>
+                <a:t>alert(returnedNode == newNode); // true</a:t>
+              </a:r>
+              <a:endParaRPr lang="zh-CN" altLang="en-US" sz="1400"/>
+            </a:p>
+            <a:p>
+              <a:pPr algn="l">
+                <a:lnSpc>
+                  <a:spcPct val="150000"/>
+                </a:lnSpc>
+              </a:pPr>
+              <a:r>
+                <a:rPr lang="zh-CN" altLang="en-US" sz="1400"/>
+                <a:t>alert(newNode == someNode.firstChild); // true</a:t>
+              </a:r>
+              <a:endParaRPr lang="zh-CN" altLang="en-US" sz="1400"/>
+            </a:p>
+          </p:txBody>
+        </p:sp>
+      </p:grpSp>
+      <p:grpSp>
+        <p:nvGrpSpPr>
+          <p:cNvPr id="13" name="组合 12"/>
+          <p:cNvGrpSpPr/>
+          <p:nvPr/>
+        </p:nvGrpSpPr>
+        <p:grpSpPr>
+          <a:xfrm>
+            <a:off x="1077595" y="4589145"/>
+            <a:ext cx="4765040" cy="1823720"/>
+            <a:chOff x="434" y="5531"/>
+            <a:chExt cx="7504" cy="2872"/>
+          </a:xfrm>
+        </p:grpSpPr>
+        <p:sp>
+          <p:nvSpPr>
+            <p:cNvPr id="14" name="圆角矩形 13"/>
+            <p:cNvSpPr/>
+            <p:nvPr/>
+          </p:nvSpPr>
+          <p:spPr>
+            <a:xfrm>
+              <a:off x="2968" y="5531"/>
+              <a:ext cx="2470" cy="949"/>
+            </a:xfrm>
+            <a:prstGeom prst="roundRect">
+              <a:avLst/>
+            </a:prstGeom>
+          </p:spPr>
+          <p:style>
+            <a:lnRef idx="2">
+              <a:schemeClr val="accent2"/>
+            </a:lnRef>
+            <a:fillRef idx="1">
+              <a:schemeClr val="lt1"/>
+            </a:fillRef>
+            <a:effectRef idx="0">
+              <a:schemeClr val="accent2"/>
+            </a:effectRef>
+            <a:fontRef idx="minor">
+              <a:schemeClr val="dk1"/>
+            </a:fontRef>
+          </p:style>
+          <p:txBody>
+            <a:bodyPr rtlCol="0" anchor="ctr"/>
+            <a:p>
+              <a:pPr algn="l">
+                <a:lnSpc>
+                  <a:spcPct val="150000"/>
+                </a:lnSpc>
+              </a:pPr>
+              <a:r>
+                <a:rPr lang="en-US" altLang="zh-CN" sz="1400" b="1"/>
+                <a:t>3</a:t>
+              </a:r>
+              <a:r>
+                <a:rPr lang="zh-CN" altLang="en-US" sz="1400" b="1"/>
+                <a:t>、replaceChild()</a:t>
+              </a:r>
+              <a:endParaRPr lang="zh-CN" altLang="en-US" sz="1400"/>
+            </a:p>
+          </p:txBody>
+        </p:sp>
+        <p:sp>
+          <p:nvSpPr>
+            <p:cNvPr id="15" name="矩形 14"/>
+            <p:cNvSpPr/>
+            <p:nvPr/>
+          </p:nvSpPr>
+          <p:spPr>
+            <a:xfrm>
+              <a:off x="434" y="6480"/>
+              <a:ext cx="7504" cy="1923"/>
+            </a:xfrm>
+            <a:prstGeom prst="rect">
+              <a:avLst/>
+            </a:prstGeom>
+          </p:spPr>
+          <p:style>
+            <a:lnRef idx="2">
+              <a:schemeClr val="accent6"/>
+            </a:lnRef>
+            <a:fillRef idx="1">
+              <a:schemeClr val="lt1"/>
+            </a:fillRef>
+            <a:effectRef idx="0">
+              <a:schemeClr val="accent6"/>
+            </a:effectRef>
+            <a:fontRef idx="minor">
+              <a:schemeClr val="dk1"/>
+            </a:fontRef>
+          </p:style>
+          <p:txBody>
+            <a:bodyPr rtlCol="0" anchor="ctr"/>
+            <a:p>
+              <a:pPr algn="l">
+                <a:lnSpc>
+                  <a:spcPct val="150000"/>
+                </a:lnSpc>
+              </a:pPr>
+              <a:r>
+                <a:rPr lang="zh-CN" altLang="en-US" sz="1200"/>
+                <a:t>// 替换第一个子节点</a:t>
+              </a:r>
+              <a:endParaRPr lang="zh-CN" altLang="en-US" sz="1200"/>
+            </a:p>
+            <a:p>
+              <a:pPr algn="l">
+                <a:lnSpc>
+                  <a:spcPct val="150000"/>
+                </a:lnSpc>
+              </a:pPr>
+              <a:r>
+                <a:rPr lang="zh-CN" altLang="en-US" sz="1400"/>
+                <a:t>let returnedNode = someNode.replaceChild(newNode, someNode.firstChild);</a:t>
+              </a:r>
+              <a:endParaRPr lang="zh-CN" altLang="en-US" sz="1400"/>
+            </a:p>
+          </p:txBody>
+        </p:sp>
+      </p:grpSp>
+      <p:grpSp>
+        <p:nvGrpSpPr>
+          <p:cNvPr id="16" name="组合 15"/>
+          <p:cNvGrpSpPr/>
+          <p:nvPr/>
+        </p:nvGrpSpPr>
+        <p:grpSpPr>
+          <a:xfrm>
+            <a:off x="6543675" y="3971925"/>
+            <a:ext cx="4765040" cy="2524125"/>
+            <a:chOff x="434" y="5536"/>
+            <a:chExt cx="7504" cy="3975"/>
+          </a:xfrm>
+        </p:grpSpPr>
+        <p:sp>
+          <p:nvSpPr>
+            <p:cNvPr id="17" name="圆角矩形 16"/>
+            <p:cNvSpPr/>
+            <p:nvPr/>
+          </p:nvSpPr>
+          <p:spPr>
+            <a:xfrm>
+              <a:off x="2943" y="5536"/>
+              <a:ext cx="2487" cy="957"/>
+            </a:xfrm>
+            <a:prstGeom prst="roundRect">
+              <a:avLst/>
+            </a:prstGeom>
+          </p:spPr>
+          <p:style>
+            <a:lnRef idx="2">
+              <a:schemeClr val="accent2"/>
+            </a:lnRef>
+            <a:fillRef idx="1">
+              <a:schemeClr val="lt1"/>
+            </a:fillRef>
+            <a:effectRef idx="0">
+              <a:schemeClr val="accent2"/>
+            </a:effectRef>
+            <a:fontRef idx="minor">
+              <a:schemeClr val="dk1"/>
+            </a:fontRef>
+          </p:style>
+          <p:txBody>
+            <a:bodyPr rtlCol="0" anchor="ctr"/>
+            <a:p>
+              <a:pPr algn="l">
+                <a:lnSpc>
+                  <a:spcPct val="150000"/>
+                </a:lnSpc>
+              </a:pPr>
+              <a:r>
+                <a:rPr lang="en-US" altLang="zh-CN" sz="1400" b="1"/>
+                <a:t>4</a:t>
+              </a:r>
+              <a:r>
+                <a:rPr lang="zh-CN" altLang="en-US" sz="1400" b="1"/>
+                <a:t>、removeChild()</a:t>
+              </a:r>
+              <a:endParaRPr lang="zh-CN" altLang="en-US" sz="1400"/>
+            </a:p>
+          </p:txBody>
+        </p:sp>
+        <p:sp>
+          <p:nvSpPr>
+            <p:cNvPr id="18" name="矩形 17"/>
+            <p:cNvSpPr/>
+            <p:nvPr/>
+          </p:nvSpPr>
+          <p:spPr>
+            <a:xfrm>
+              <a:off x="434" y="6508"/>
+              <a:ext cx="7504" cy="3003"/>
+            </a:xfrm>
+            <a:prstGeom prst="rect">
+              <a:avLst/>
+            </a:prstGeom>
+          </p:spPr>
+          <p:style>
+            <a:lnRef idx="2">
+              <a:schemeClr val="accent6"/>
+            </a:lnRef>
+            <a:fillRef idx="1">
+              <a:schemeClr val="lt1"/>
+            </a:fillRef>
+            <a:effectRef idx="0">
+              <a:schemeClr val="accent6"/>
+            </a:effectRef>
+            <a:fontRef idx="minor">
+              <a:schemeClr val="dk1"/>
+            </a:fontRef>
+          </p:style>
+          <p:txBody>
+            <a:bodyPr rtlCol="0" anchor="ctr"/>
+            <a:p>
+              <a:pPr algn="l">
+                <a:lnSpc>
+                  <a:spcPct val="150000"/>
+                </a:lnSpc>
+              </a:pPr>
+              <a:r>
+                <a:rPr lang="zh-CN" altLang="en-US" sz="1200"/>
+                <a:t>// 删除第一个子节点</a:t>
+              </a:r>
+              <a:endParaRPr lang="zh-CN" altLang="en-US" sz="1200"/>
+            </a:p>
+            <a:p>
+              <a:pPr algn="l">
+                <a:lnSpc>
+                  <a:spcPct val="150000"/>
+                </a:lnSpc>
+              </a:pPr>
+              <a:r>
+                <a:rPr lang="zh-CN" altLang="en-US" sz="1400"/>
+                <a:t>let formerFirstChild = someNode.removeChild(someNode.firstChild);</a:t>
+              </a:r>
+              <a:endParaRPr lang="zh-CN" altLang="en-US" sz="1400"/>
+            </a:p>
+            <a:p>
+              <a:pPr algn="l">
+                <a:lnSpc>
+                  <a:spcPct val="150000"/>
+                </a:lnSpc>
+              </a:pPr>
+              <a:r>
+                <a:rPr lang="zh-CN" altLang="en-US" sz="1400"/>
+                <a:t>// 删除最后一个子节点</a:t>
+              </a:r>
+              <a:endParaRPr lang="zh-CN" altLang="en-US" sz="1400"/>
+            </a:p>
+            <a:p>
+              <a:pPr algn="l">
+                <a:lnSpc>
+                  <a:spcPct val="150000"/>
+                </a:lnSpc>
+              </a:pPr>
+              <a:r>
+                <a:rPr lang="zh-CN" altLang="en-US" sz="1400"/>
+                <a:t>let formerLastChild = someNode.removeChild(someNode.lastChild);</a:t>
+              </a:r>
+              <a:endParaRPr lang="zh-CN" altLang="en-US" sz="1400"/>
+            </a:p>
+          </p:txBody>
+        </p:sp>
+      </p:grpSp>
+    </p:spTree>
+    <p:custDataLst>
+      <p:tags r:id="rId1"/>
+    </p:custDataLst>
+  </p:cSld>
+  <p:clrMapOvr>
+    <a:masterClrMapping/>
+  </p:clrMapOvr>
+</p:sld>
+</file>
+
+<file path=ppt/slides/slide11.xml><?xml version="1.0" encoding="utf-8"?>
+<p:sld xmlns:a="http://schemas.openxmlformats.org/drawingml/2006/main" xmlns:r="http://schemas.openxmlformats.org/officeDocument/2006/relationships" xmlns:p="http://schemas.openxmlformats.org/presentationml/2006/main">
+  <p:cSld>
+    <p:spTree>
+      <p:nvGrpSpPr>
+        <p:cNvPr id="1" name=""/>
+        <p:cNvGrpSpPr/>
+        <p:nvPr/>
+      </p:nvGrpSpPr>
+      <p:grpSpPr/>
+      <p:sp>
+        <p:nvSpPr>
+          <p:cNvPr id="3" name="文本框 2"/>
+          <p:cNvSpPr txBox="1"/>
+          <p:nvPr/>
+        </p:nvSpPr>
+        <p:spPr>
+          <a:xfrm>
+            <a:off x="473710" y="115570"/>
+            <a:ext cx="7962265" cy="521970"/>
+          </a:xfrm>
+          <a:prstGeom prst="rect">
+            <a:avLst/>
+          </a:prstGeom>
+          <a:noFill/>
+        </p:spPr>
+        <p:txBody>
+          <a:bodyPr wrap="square" rtlCol="0">
+            <a:spAutoFit/>
+          </a:bodyPr>
+          <a:p>
+            <a:r>
+              <a:rPr lang="en-US" altLang="zh-CN" sz="2800" b="1">
+                <a:solidFill>
+                  <a:schemeClr val="tx1"/>
+                </a:solidFill>
+                <a:effectLst>
+                  <a:outerShdw blurRad="38100" dist="19050" dir="2700000" algn="tl" rotWithShape="0">
+                    <a:schemeClr val="dk1">
+                      <a:alpha val="40000"/>
+                    </a:schemeClr>
+                  </a:outerShdw>
+                </a:effectLst>
+              </a:rPr>
+              <a:t>2</a:t>
+            </a:r>
+            <a:r>
+              <a:rPr lang="zh-CN" sz="2800" b="1">
+                <a:solidFill>
+                  <a:schemeClr val="tx1"/>
+                </a:solidFill>
+                <a:effectLst>
+                  <a:outerShdw blurRad="38100" dist="19050" dir="2700000" algn="tl" rotWithShape="0">
+                    <a:schemeClr val="dk1">
+                      <a:alpha val="40000"/>
+                    </a:schemeClr>
+                  </a:outerShdw>
+                </a:effectLst>
+              </a:rPr>
+              <a:t>、</a:t>
+            </a:r>
+            <a:r>
+              <a:rPr lang="zh-CN" sz="2800" b="1">
+                <a:latin typeface="方正舒体" panose="02010601030101010101" charset="-122"/>
+                <a:ea typeface="方正舒体" panose="02010601030101010101" charset="-122"/>
+                <a:cs typeface="方正舒体" panose="02010601030101010101" charset="-122"/>
+                <a:sym typeface="+mn-ea"/>
+              </a:rPr>
+              <a:t>Node 类型</a:t>
+            </a:r>
+            <a:endParaRPr lang="zh-CN" sz="2800" b="1">
+              <a:latin typeface="方正舒体" panose="02010601030101010101" charset="-122"/>
+              <a:ea typeface="方正舒体" panose="02010601030101010101" charset="-122"/>
+              <a:cs typeface="方正舒体" panose="02010601030101010101" charset="-122"/>
+              <a:sym typeface="+mn-ea"/>
+            </a:endParaRPr>
+          </a:p>
+        </p:txBody>
+      </p:sp>
+      <p:sp>
+        <p:nvSpPr>
+          <p:cNvPr id="2" name="文本框 1"/>
+          <p:cNvSpPr txBox="1"/>
+          <p:nvPr/>
+        </p:nvSpPr>
+        <p:spPr>
+          <a:xfrm>
+            <a:off x="662940" y="749300"/>
+            <a:ext cx="11090275" cy="460375"/>
+          </a:xfrm>
+          <a:prstGeom prst="rect">
+            <a:avLst/>
+          </a:prstGeom>
+          <a:noFill/>
+        </p:spPr>
+        <p:txBody>
+          <a:bodyPr wrap="square" rtlCol="0">
+            <a:spAutoFit/>
+          </a:bodyPr>
+          <a:p>
+            <a:pPr algn="l">
+              <a:lnSpc>
+                <a:spcPct val="150000"/>
+              </a:lnSpc>
+            </a:pPr>
+            <a:r>
+              <a:rPr lang="zh-CN" altLang="en-US" sz="1600" b="1">
+                <a:latin typeface="楷体" panose="02010609060101010101" charset="-122"/>
+                <a:ea typeface="楷体" panose="02010609060101010101" charset="-122"/>
+                <a:cs typeface="楷体" panose="02010609060101010101" charset="-122"/>
+              </a:rPr>
+              <a:t>操作</a:t>
+            </a:r>
+            <a:r>
+              <a:rPr lang="zh-CN" altLang="en-US" sz="1600" b="1">
+                <a:latin typeface="楷体" panose="02010609060101010101" charset="-122"/>
+                <a:ea typeface="楷体" panose="02010609060101010101" charset="-122"/>
+                <a:cs typeface="楷体" panose="02010609060101010101" charset="-122"/>
+              </a:rPr>
+              <a:t>节点 </a:t>
+            </a:r>
+            <a:endParaRPr sz="1600">
+              <a:latin typeface="楷体" panose="02010609060101010101" charset="-122"/>
+              <a:ea typeface="楷体" panose="02010609060101010101" charset="-122"/>
+              <a:cs typeface="楷体" panose="02010609060101010101" charset="-122"/>
+            </a:endParaRPr>
+          </a:p>
+        </p:txBody>
+      </p:sp>
+      <p:grpSp>
+        <p:nvGrpSpPr>
+          <p:cNvPr id="8" name="组合 7"/>
+          <p:cNvGrpSpPr/>
+          <p:nvPr/>
+        </p:nvGrpSpPr>
+        <p:grpSpPr>
+          <a:xfrm>
+            <a:off x="662940" y="2947744"/>
+            <a:ext cx="5180330" cy="2669466"/>
+            <a:chOff x="434" y="6364"/>
+            <a:chExt cx="7504" cy="2389"/>
+          </a:xfrm>
+        </p:grpSpPr>
+        <p:sp>
+          <p:nvSpPr>
+            <p:cNvPr id="4" name="圆角矩形 3"/>
+            <p:cNvSpPr/>
+            <p:nvPr/>
+          </p:nvSpPr>
+          <p:spPr>
+            <a:xfrm>
+              <a:off x="3137" y="6364"/>
+              <a:ext cx="2097" cy="569"/>
+            </a:xfrm>
+            <a:prstGeom prst="roundRect">
+              <a:avLst/>
+            </a:prstGeom>
+          </p:spPr>
+          <p:style>
+            <a:lnRef idx="2">
+              <a:schemeClr val="accent2"/>
+            </a:lnRef>
+            <a:fillRef idx="1">
+              <a:schemeClr val="lt1"/>
+            </a:fillRef>
+            <a:effectRef idx="0">
+              <a:schemeClr val="accent2"/>
+            </a:effectRef>
+            <a:fontRef idx="minor">
+              <a:schemeClr val="dk1"/>
+            </a:fontRef>
+          </p:style>
+          <p:txBody>
+            <a:bodyPr rtlCol="0" anchor="ctr"/>
+            <a:p>
+              <a:pPr algn="l">
+                <a:lnSpc>
+                  <a:spcPct val="150000"/>
+                </a:lnSpc>
+              </a:pPr>
+              <a:r>
+                <a:rPr lang="en-US" altLang="zh-CN" sz="1400" b="1"/>
+                <a:t>5</a:t>
+              </a:r>
+              <a:r>
+                <a:rPr lang="zh-CN" altLang="en-US" sz="1400" b="1"/>
+                <a:t>、cloneNode()</a:t>
               </a:r>
               <a:endParaRPr lang="zh-CN" altLang="en-US" sz="1400"/>
             </a:p>
@@ -3213,10 +4655,10 @@
                 </a:lnSpc>
               </a:pPr>
               <a:r>
-                <a:rPr lang="zh-CN" altLang="en-US" sz="1600"/>
+                <a:rPr lang="zh-CN" altLang="en-US" sz="1400"/>
                 <a:t>let deepList = myList.cloneNode(true);</a:t>
               </a:r>
-              <a:endParaRPr lang="zh-CN" altLang="en-US" sz="1600"/>
+              <a:endParaRPr lang="zh-CN" altLang="en-US" sz="1400"/>
             </a:p>
             <a:p>
               <a:pPr algn="l">
@@ -3225,10 +4667,14 @@
                 </a:lnSpc>
               </a:pPr>
               <a:r>
-                <a:rPr lang="zh-CN" altLang="en-US" sz="1600"/>
-                <a:t>alert(deepList.childNodes.length); // 3（IE9 之前的版本）或 7（其他浏览器）</a:t>
+                <a:rPr lang="zh-CN" altLang="en-US" sz="1400"/>
+                <a:t>alert(deepList.childNodes.length); </a:t>
               </a:r>
-              <a:endParaRPr lang="zh-CN" altLang="en-US" sz="1600"/>
+              <a:r>
+                <a:rPr lang="zh-CN" altLang="en-US" sz="1000"/>
+                <a:t>// 3（IE9 之前的版本）或 7（其他浏览器）</a:t>
+              </a:r>
+              <a:endParaRPr lang="zh-CN" altLang="en-US" sz="1000"/>
             </a:p>
             <a:p>
               <a:pPr algn="l">
@@ -3237,10 +4683,10 @@
                 </a:lnSpc>
               </a:pPr>
               <a:r>
-                <a:rPr lang="zh-CN" altLang="en-US" sz="1600"/>
+                <a:rPr lang="zh-CN" altLang="en-US" sz="1400"/>
                 <a:t>let shallowList = myList.cloneNode(false);</a:t>
               </a:r>
-              <a:endParaRPr lang="zh-CN" altLang="en-US" sz="1600"/>
+              <a:endParaRPr lang="zh-CN" altLang="en-US" sz="1400"/>
             </a:p>
             <a:p>
               <a:pPr algn="l">
@@ -3249,10 +4695,10 @@
                 </a:lnSpc>
               </a:pPr>
               <a:r>
-                <a:rPr lang="zh-CN" altLang="en-US" sz="1600"/>
+                <a:rPr lang="zh-CN" altLang="en-US" sz="1400"/>
                 <a:t>alert(shallowList.childNodes.length); // 0</a:t>
               </a:r>
-              <a:endParaRPr lang="zh-CN" altLang="en-US" sz="1600"/>
+              <a:endParaRPr lang="zh-CN" altLang="en-US" sz="1400"/>
             </a:p>
           </p:txBody>
         </p:sp>
@@ -3265,10 +4711,10 @@
         </p:nvGrpSpPr>
         <p:grpSpPr>
           <a:xfrm>
-            <a:off x="6491605" y="2192020"/>
-            <a:ext cx="5180330" cy="3171190"/>
-            <a:chOff x="434" y="5216"/>
-            <a:chExt cx="7504" cy="3306"/>
+            <a:off x="6491605" y="3209755"/>
+            <a:ext cx="5180330" cy="2153455"/>
+            <a:chOff x="434" y="6277"/>
+            <a:chExt cx="7504" cy="2245"/>
           </a:xfrm>
         </p:grpSpPr>
         <p:sp>
@@ -3279,25 +4725,25 @@
           </p:nvSpPr>
           <p:spPr>
             <a:xfrm>
-              <a:off x="662" y="5216"/>
-              <a:ext cx="7083" cy="1726"/>
+              <a:off x="3105" y="6277"/>
+              <a:ext cx="2162" cy="655"/>
             </a:xfrm>
             <a:prstGeom prst="roundRect">
               <a:avLst/>
             </a:prstGeom>
           </p:spPr>
           <p:style>
-            <a:lnRef idx="3">
-              <a:schemeClr val="lt1"/>
+            <a:lnRef idx="2">
+              <a:schemeClr val="accent2"/>
             </a:lnRef>
             <a:fillRef idx="1">
-              <a:schemeClr val="accent6"/>
+              <a:schemeClr val="lt1"/>
             </a:fillRef>
-            <a:effectRef idx="1">
-              <a:schemeClr val="accent6"/>
+            <a:effectRef idx="0">
+              <a:schemeClr val="accent2"/>
             </a:effectRef>
             <a:fontRef idx="minor">
-              <a:schemeClr val="lt1"/>
+              <a:schemeClr val="dk1"/>
             </a:fontRef>
           </p:style>
           <p:txBody>
@@ -3309,8 +4755,12 @@
                 </a:lnSpc>
               </a:pPr>
               <a:r>
-                <a:rPr lang="zh-CN" altLang="en-US" sz="1400"/>
-                <a:t>normalize()。这个方法唯一的任务就是处理文档子树中的文本节点。在节点上调用 normalize()方法会检测这个节点的所有后代，从中搜索上述两种情形。如果发现空文本节点，则将其删除；如果两个同胞节点是相邻的，则将其合并为一个文本节点。</a:t>
+                <a:rPr lang="en-US" altLang="zh-CN" sz="1400" b="1"/>
+                <a:t>6</a:t>
+              </a:r>
+              <a:r>
+                <a:rPr lang="zh-CN" altLang="en-US" sz="1400" b="1"/>
+                <a:t>、normalize()</a:t>
               </a:r>
               <a:endParaRPr lang="zh-CN" altLang="en-US" sz="1400"/>
             </a:p>
@@ -3354,10 +4804,10 @@
                 </a:lnSpc>
               </a:pPr>
               <a:r>
-                <a:rPr lang="zh-CN" altLang="en-US" sz="1600"/>
+                <a:rPr lang="zh-CN" altLang="en-US" sz="1400"/>
                 <a:t>let returnedNode = someNode.appendChild(newNode);</a:t>
               </a:r>
-              <a:endParaRPr lang="zh-CN" altLang="en-US" sz="1600"/>
+              <a:endParaRPr lang="zh-CN" altLang="en-US" sz="1400"/>
             </a:p>
             <a:p>
               <a:pPr algn="l">
@@ -3366,10 +4816,10 @@
                 </a:lnSpc>
               </a:pPr>
               <a:r>
-                <a:rPr lang="zh-CN" altLang="en-US" sz="1600"/>
+                <a:rPr lang="zh-CN" altLang="en-US" sz="1400"/>
                 <a:t>alert(returnedNode == newNode); // true</a:t>
               </a:r>
-              <a:endParaRPr lang="zh-CN" altLang="en-US" sz="1600"/>
+              <a:endParaRPr lang="zh-CN" altLang="en-US" sz="1400"/>
             </a:p>
             <a:p>
               <a:pPr algn="l">
@@ -3378,10 +4828,10 @@
                 </a:lnSpc>
               </a:pPr>
               <a:r>
-                <a:rPr lang="zh-CN" altLang="en-US" sz="1600"/>
+                <a:rPr lang="zh-CN" altLang="en-US" sz="1400"/>
                 <a:t>alert(someNode.lastChild == newNode); // true</a:t>
               </a:r>
-              <a:endParaRPr lang="zh-CN" altLang="en-US" sz="1600"/>
+              <a:endParaRPr lang="zh-CN" altLang="en-US" sz="1400"/>
             </a:p>
           </p:txBody>
         </p:sp>
@@ -3397,7 +4847,7 @@
 </p:sld>
 </file>
 
-<file path=ppt/slides/slide11.xml><?xml version="1.0" encoding="utf-8"?>
+<file path=ppt/slides/slide12.xml><?xml version="1.0" encoding="utf-8"?>
 <p:sld xmlns:a="http://schemas.openxmlformats.org/drawingml/2006/main" xmlns:r="http://schemas.openxmlformats.org/officeDocument/2006/relationships" xmlns:p="http://schemas.openxmlformats.org/presentationml/2006/main">
   <p:cSld>
     <p:spTree>
@@ -3441,7 +4891,7 @@
                   </a:outerShdw>
                 </a:effectLst>
               </a:rPr>
-              <a:t>1</a:t>
+              <a:t>3</a:t>
             </a:r>
             <a:r>
               <a:rPr lang="zh-CN" sz="2800" b="1">
@@ -3520,35 +4970,24 @@
       </p:sp>
       <p:sp>
         <p:nvSpPr>
-          <p:cNvPr id="9" name="矩形 8"/>
-          <p:cNvSpPr/>
+          <p:cNvPr id="4" name="文本框 3"/>
+          <p:cNvSpPr txBox="1"/>
           <p:nvPr/>
         </p:nvSpPr>
         <p:spPr>
           <a:xfrm>
-            <a:off x="911860" y="2133600"/>
-            <a:ext cx="5046345" cy="3241040"/>
+            <a:off x="2121535" y="2798445"/>
+            <a:ext cx="8523605" cy="1983740"/>
           </a:xfrm>
           <a:prstGeom prst="rect">
             <a:avLst/>
           </a:prstGeom>
+          <a:noFill/>
         </p:spPr>
-        <p:style>
-          <a:lnRef idx="3">
-            <a:schemeClr val="lt1"/>
-          </a:lnRef>
-          <a:fillRef idx="1">
-            <a:schemeClr val="accent6"/>
-          </a:fillRef>
-          <a:effectRef idx="1">
-            <a:schemeClr val="accent6"/>
-          </a:effectRef>
-          <a:fontRef idx="minor">
-            <a:schemeClr val="lt1"/>
-          </a:fontRef>
-        </p:style>
-        <p:txBody>
-          <a:bodyPr rtlCol="0" anchor="ctr"/>
+        <p:txBody>
+          <a:bodyPr wrap="square" rtlCol="0" anchor="t">
+            <a:spAutoFit/>
+          </a:bodyPr>
           <a:p>
             <a:pPr marL="285750" indent="-285750" algn="l">
               <a:lnSpc>
@@ -3558,8 +4997,10 @@
               <a:buChar char="•"/>
             </a:pPr>
             <a:r>
-              <a:rPr lang="zh-CN" altLang="en-US" sz="1400"/>
-              <a:t> nodeType 等于 9；</a:t>
+              <a:rPr lang="zh-CN" altLang="en-US" sz="1400">
+                <a:sym typeface="+mn-ea"/>
+              </a:rPr>
+              <a:t>nodeType 等于 9；</a:t>
             </a:r>
             <a:endParaRPr lang="zh-CN" altLang="en-US" sz="1400"/>
           </a:p>
@@ -3572,8 +5013,10 @@
               <a:buChar char="•"/>
             </a:pPr>
             <a:r>
-              <a:rPr lang="zh-CN" altLang="en-US" sz="1400"/>
-              <a:t> nodeName 值为"#document"；</a:t>
+              <a:rPr lang="zh-CN" altLang="en-US" sz="1400">
+                <a:sym typeface="+mn-ea"/>
+              </a:rPr>
+              <a:t>nodeName 值为"#document"；</a:t>
             </a:r>
             <a:endParaRPr lang="zh-CN" altLang="en-US" sz="1400"/>
           </a:p>
@@ -3586,8 +5029,10 @@
               <a:buChar char="•"/>
             </a:pPr>
             <a:r>
-              <a:rPr lang="zh-CN" altLang="en-US" sz="1400"/>
-              <a:t> nodeValue 值为 null；</a:t>
+              <a:rPr lang="zh-CN" altLang="en-US" sz="1400">
+                <a:sym typeface="+mn-ea"/>
+              </a:rPr>
+              <a:t>nodeValue 值为 null；</a:t>
             </a:r>
             <a:endParaRPr lang="zh-CN" altLang="en-US" sz="1400"/>
           </a:p>
@@ -3600,8 +5045,10 @@
               <a:buChar char="•"/>
             </a:pPr>
             <a:r>
-              <a:rPr lang="zh-CN" altLang="en-US" sz="1400"/>
-              <a:t> parentNode 值为 null；</a:t>
+              <a:rPr lang="zh-CN" altLang="en-US" sz="1400">
+                <a:sym typeface="+mn-ea"/>
+              </a:rPr>
+              <a:t>parentNode 值为 null；</a:t>
             </a:r>
             <a:endParaRPr lang="zh-CN" altLang="en-US" sz="1400"/>
           </a:p>
@@ -3614,8 +5061,10 @@
               <a:buChar char="•"/>
             </a:pPr>
             <a:r>
-              <a:rPr lang="zh-CN" altLang="en-US" sz="1400"/>
-              <a:t> ownerDocument 值为 null；</a:t>
+              <a:rPr lang="zh-CN" altLang="en-US" sz="1400">
+                <a:sym typeface="+mn-ea"/>
+              </a:rPr>
+              <a:t>ownerDocument 值为 null；</a:t>
             </a:r>
             <a:endParaRPr lang="zh-CN" altLang="en-US" sz="1400"/>
           </a:p>
@@ -3628,8 +5077,3688 @@
               <a:buChar char="•"/>
             </a:pPr>
             <a:r>
+              <a:rPr lang="zh-CN" altLang="en-US" sz="1200" b="1">
+                <a:sym typeface="+mn-ea"/>
+              </a:rPr>
+              <a:t>子节点可以是 DocumentType（最多一个）、Element（最多一个）、ProcessingInstruction或 Comment 类型。</a:t>
+            </a:r>
+            <a:endParaRPr lang="zh-CN" altLang="en-US" sz="1200" b="1">
+              <a:sym typeface="+mn-ea"/>
+            </a:endParaRPr>
+          </a:p>
+        </p:txBody>
+      </p:sp>
+    </p:spTree>
+    <p:custDataLst>
+      <p:tags r:id="rId1"/>
+    </p:custDataLst>
+  </p:cSld>
+  <p:clrMapOvr>
+    <a:masterClrMapping/>
+  </p:clrMapOvr>
+</p:sld>
+</file>
+
+<file path=ppt/slides/slide13.xml><?xml version="1.0" encoding="utf-8"?>
+<p:sld xmlns:a="http://schemas.openxmlformats.org/drawingml/2006/main" xmlns:r="http://schemas.openxmlformats.org/officeDocument/2006/relationships" xmlns:p="http://schemas.openxmlformats.org/presentationml/2006/main">
+  <p:cSld>
+    <p:spTree>
+      <p:nvGrpSpPr>
+        <p:cNvPr id="1" name=""/>
+        <p:cNvGrpSpPr/>
+        <p:nvPr/>
+      </p:nvGrpSpPr>
+      <p:grpSpPr/>
+      <p:sp>
+        <p:nvSpPr>
+          <p:cNvPr id="3" name="文本框 2"/>
+          <p:cNvSpPr txBox="1"/>
+          <p:nvPr/>
+        </p:nvSpPr>
+        <p:spPr>
+          <a:xfrm>
+            <a:off x="463550" y="125730"/>
+            <a:ext cx="7962265" cy="521970"/>
+          </a:xfrm>
+          <a:prstGeom prst="rect">
+            <a:avLst/>
+          </a:prstGeom>
+          <a:noFill/>
+        </p:spPr>
+        <p:txBody>
+          <a:bodyPr wrap="square" rtlCol="0">
+            <a:spAutoFit/>
+          </a:bodyPr>
+          <a:p>
+            <a:r>
+              <a:rPr lang="en-US" altLang="zh-CN" sz="2800" b="1">
+                <a:solidFill>
+                  <a:schemeClr val="tx1"/>
+                </a:solidFill>
+                <a:effectLst>
+                  <a:outerShdw blurRad="38100" dist="19050" dir="2700000" algn="tl" rotWithShape="0">
+                    <a:schemeClr val="dk1">
+                      <a:alpha val="40000"/>
+                    </a:schemeClr>
+                  </a:outerShdw>
+                </a:effectLst>
+              </a:rPr>
+              <a:t>3</a:t>
+            </a:r>
+            <a:r>
+              <a:rPr lang="zh-CN" sz="2800" b="1">
+                <a:solidFill>
+                  <a:schemeClr val="tx1"/>
+                </a:solidFill>
+                <a:effectLst>
+                  <a:outerShdw blurRad="38100" dist="19050" dir="2700000" algn="tl" rotWithShape="0">
+                    <a:schemeClr val="dk1">
+                      <a:alpha val="40000"/>
+                    </a:schemeClr>
+                  </a:outerShdw>
+                </a:effectLst>
+              </a:rPr>
+              <a:t>、</a:t>
+            </a:r>
+            <a:r>
+              <a:rPr lang="zh-CN" sz="2800" b="1">
+                <a:latin typeface="方正舒体" panose="02010601030101010101" charset="-122"/>
+                <a:ea typeface="方正舒体" panose="02010601030101010101" charset="-122"/>
+                <a:cs typeface="方正舒体" panose="02010601030101010101" charset="-122"/>
+                <a:sym typeface="+mn-ea"/>
+              </a:rPr>
+              <a:t>Document 类型</a:t>
+            </a:r>
+            <a:endParaRPr lang="zh-CN" sz="2800" b="1">
+              <a:latin typeface="方正舒体" panose="02010601030101010101" charset="-122"/>
+              <a:ea typeface="方正舒体" panose="02010601030101010101" charset="-122"/>
+              <a:cs typeface="方正舒体" panose="02010601030101010101" charset="-122"/>
+              <a:sym typeface="+mn-ea"/>
+            </a:endParaRPr>
+          </a:p>
+        </p:txBody>
+      </p:sp>
+      <p:sp>
+        <p:nvSpPr>
+          <p:cNvPr id="2" name="文本框 1"/>
+          <p:cNvSpPr txBox="1"/>
+          <p:nvPr/>
+        </p:nvSpPr>
+        <p:spPr>
+          <a:xfrm>
+            <a:off x="840740" y="871220"/>
+            <a:ext cx="10511155" cy="460375"/>
+          </a:xfrm>
+          <a:prstGeom prst="rect">
+            <a:avLst/>
+          </a:prstGeom>
+          <a:noFill/>
+        </p:spPr>
+        <p:txBody>
+          <a:bodyPr wrap="square" rtlCol="0">
+            <a:spAutoFit/>
+          </a:bodyPr>
+          <a:p>
+            <a:pPr algn="l">
+              <a:lnSpc>
+                <a:spcPct val="150000"/>
+              </a:lnSpc>
+            </a:pPr>
+            <a:r>
+              <a:rPr lang="zh-CN" altLang="en-US" sz="1600" b="1">
+                <a:latin typeface="楷体" panose="02010609060101010101" charset="-122"/>
+                <a:ea typeface="楷体" panose="02010609060101010101" charset="-122"/>
+                <a:cs typeface="楷体" panose="02010609060101010101" charset="-122"/>
+              </a:rPr>
+              <a:t>文档子节点</a:t>
+            </a:r>
+            <a:endParaRPr lang="zh-CN" altLang="en-US" sz="1600" b="1">
+              <a:latin typeface="楷体" panose="02010609060101010101" charset="-122"/>
+              <a:ea typeface="楷体" panose="02010609060101010101" charset="-122"/>
+              <a:cs typeface="楷体" panose="02010609060101010101" charset="-122"/>
+            </a:endParaRPr>
+          </a:p>
+        </p:txBody>
+      </p:sp>
+      <p:sp>
+        <p:nvSpPr>
+          <p:cNvPr id="4" name="文本框 3"/>
+          <p:cNvSpPr txBox="1"/>
+          <p:nvPr/>
+        </p:nvSpPr>
+        <p:spPr>
+          <a:xfrm>
+            <a:off x="1996440" y="2741930"/>
+            <a:ext cx="7157720" cy="3322955"/>
+          </a:xfrm>
+          <a:prstGeom prst="rect">
+            <a:avLst/>
+          </a:prstGeom>
+          <a:noFill/>
+        </p:spPr>
+        <p:txBody>
+          <a:bodyPr wrap="square" rtlCol="0" anchor="t">
+            <a:spAutoFit/>
+          </a:bodyPr>
+          <a:p>
+            <a:pPr>
+              <a:lnSpc>
+                <a:spcPct val="150000"/>
+              </a:lnSpc>
+            </a:pPr>
+            <a:r>
+              <a:rPr lang="en-US" altLang="zh-CN" sz="1400"/>
+              <a:t>1</a:t>
+            </a:r>
+            <a:r>
               <a:rPr lang="zh-CN" altLang="en-US" sz="1400"/>
-              <a:t> 子节点可以是 DocumentType（最多一个）、Element（最多一个）、ProcessingInstruction或 Comment 类型。</a:t>
+              <a:t>、documentElement 属性，始终指向 HTML 页面中的&lt;html&gt;元素</a:t>
+            </a:r>
+            <a:endParaRPr lang="zh-CN" altLang="en-US" sz="1400"/>
+          </a:p>
+          <a:p>
+            <a:pPr lvl="2">
+              <a:lnSpc>
+                <a:spcPct val="150000"/>
+              </a:lnSpc>
+            </a:pPr>
+            <a:r>
+              <a:rPr lang="zh-CN" altLang="en-US" sz="1400" i="1">
+                <a:solidFill>
+                  <a:schemeClr val="accent1"/>
+                </a:solidFill>
+              </a:rPr>
+              <a:t>let html = document.documentElement; // 取得对&lt;html&gt;的引用</a:t>
+            </a:r>
+            <a:endParaRPr lang="zh-CN" altLang="en-US" sz="1400" i="1">
+              <a:solidFill>
+                <a:schemeClr val="accent1"/>
+              </a:solidFill>
+            </a:endParaRPr>
+          </a:p>
+          <a:p>
+            <a:pPr lvl="2">
+              <a:lnSpc>
+                <a:spcPct val="150000"/>
+              </a:lnSpc>
+            </a:pPr>
+            <a:r>
+              <a:rPr lang="zh-CN" altLang="en-US" sz="1400" i="1">
+                <a:solidFill>
+                  <a:schemeClr val="accent1"/>
+                </a:solidFill>
+              </a:rPr>
+              <a:t>alert(html === document.childNodes[0]); // true</a:t>
+            </a:r>
+            <a:endParaRPr lang="zh-CN" altLang="en-US" sz="1400" i="1">
+              <a:solidFill>
+                <a:schemeClr val="accent1"/>
+              </a:solidFill>
+            </a:endParaRPr>
+          </a:p>
+          <a:p>
+            <a:pPr lvl="2">
+              <a:lnSpc>
+                <a:spcPct val="150000"/>
+              </a:lnSpc>
+            </a:pPr>
+            <a:r>
+              <a:rPr lang="zh-CN" altLang="en-US" sz="1400" i="1">
+                <a:solidFill>
+                  <a:schemeClr val="accent1"/>
+                </a:solidFill>
+              </a:rPr>
+              <a:t>alert(html === document.firstChild); // true </a:t>
+            </a:r>
+            <a:endParaRPr lang="zh-CN" altLang="en-US" sz="1400"/>
+          </a:p>
+          <a:p>
+            <a:pPr>
+              <a:lnSpc>
+                <a:spcPct val="150000"/>
+              </a:lnSpc>
+            </a:pPr>
+            <a:r>
+              <a:rPr lang="en-US" altLang="zh-CN" sz="1400">
+                <a:sym typeface="+mn-ea"/>
+              </a:rPr>
+              <a:t>2</a:t>
+            </a:r>
+            <a:r>
+              <a:rPr lang="zh-CN" altLang="en-US" sz="1400">
+                <a:sym typeface="+mn-ea"/>
+              </a:rPr>
+              <a:t>、document 对象还有一个 body 属性，直接指向&lt;body&gt;元素</a:t>
+            </a:r>
+            <a:endParaRPr lang="zh-CN" altLang="en-US" sz="1400">
+              <a:sym typeface="+mn-ea"/>
+            </a:endParaRPr>
+          </a:p>
+          <a:p>
+            <a:pPr>
+              <a:lnSpc>
+                <a:spcPct val="150000"/>
+              </a:lnSpc>
+            </a:pPr>
+            <a:r>
+              <a:rPr lang="en-US" altLang="zh-CN" sz="1400">
+                <a:sym typeface="+mn-ea"/>
+              </a:rPr>
+              <a:t>	</a:t>
+            </a:r>
+            <a:r>
+              <a:rPr lang="en-US" altLang="zh-CN" sz="1400" i="1">
+                <a:solidFill>
+                  <a:schemeClr val="accent1"/>
+                </a:solidFill>
+                <a:sym typeface="+mn-ea"/>
+              </a:rPr>
+              <a:t>let body = document.body; // 取得对&lt;body&gt;的引用</a:t>
+            </a:r>
+            <a:endParaRPr lang="en-US" altLang="zh-CN" sz="1400">
+              <a:sym typeface="+mn-ea"/>
+            </a:endParaRPr>
+          </a:p>
+          <a:p>
+            <a:pPr>
+              <a:lnSpc>
+                <a:spcPct val="150000"/>
+              </a:lnSpc>
+            </a:pPr>
+            <a:r>
+              <a:rPr lang="en-US" altLang="zh-CN" sz="1400">
+                <a:sym typeface="+mn-ea"/>
+              </a:rPr>
+              <a:t>3</a:t>
+            </a:r>
+            <a:r>
+              <a:rPr lang="zh-CN" altLang="en-US" sz="1400">
+                <a:sym typeface="+mn-ea"/>
+              </a:rPr>
+              <a:t>、Document 类型另一种可能的子节点是 DocumentType。</a:t>
+            </a:r>
+            <a:endParaRPr lang="zh-CN" altLang="en-US" sz="1400">
+              <a:sym typeface="+mn-ea"/>
+            </a:endParaRPr>
+          </a:p>
+          <a:p>
+            <a:pPr lvl="2">
+              <a:lnSpc>
+                <a:spcPct val="150000"/>
+              </a:lnSpc>
+            </a:pPr>
+            <a:r>
+              <a:rPr lang="zh-CN" altLang="en-US" sz="1400" i="1">
+                <a:solidFill>
+                  <a:schemeClr val="accent1"/>
+                </a:solidFill>
+                <a:sym typeface="+mn-ea"/>
+              </a:rPr>
+              <a:t>let doctype = document.doctype; // 取得对&lt;!doctype&gt;的引用</a:t>
+            </a:r>
+            <a:endParaRPr lang="zh-CN" altLang="en-US" sz="1400" i="1">
+              <a:solidFill>
+                <a:schemeClr val="accent1"/>
+              </a:solidFill>
+              <a:sym typeface="+mn-ea"/>
+            </a:endParaRPr>
+          </a:p>
+          <a:p>
+            <a:pPr>
+              <a:lnSpc>
+                <a:spcPct val="150000"/>
+              </a:lnSpc>
+            </a:pPr>
+            <a:endParaRPr lang="zh-CN" altLang="en-US" sz="1400">
+              <a:sym typeface="+mn-ea"/>
+            </a:endParaRPr>
+          </a:p>
+          <a:p>
+            <a:pPr>
+              <a:lnSpc>
+                <a:spcPct val="150000"/>
+              </a:lnSpc>
+            </a:pPr>
+            <a:r>
+              <a:rPr lang="en-US" altLang="zh-CN" sz="1400">
+                <a:sym typeface="+mn-ea"/>
+              </a:rPr>
+              <a:t>4</a:t>
+            </a:r>
+            <a:r>
+              <a:rPr lang="zh-CN" altLang="en-US" sz="1400">
+                <a:sym typeface="+mn-ea"/>
+              </a:rPr>
+              <a:t>、出现在&lt;html&gt;元素外面的注释也是文档的子节点，它们的类型是 Comment</a:t>
+            </a:r>
+            <a:endParaRPr lang="zh-CN" altLang="en-US" sz="1400"/>
+          </a:p>
+        </p:txBody>
+      </p:sp>
+      <p:sp>
+        <p:nvSpPr>
+          <p:cNvPr id="10" name="文本框 9"/>
+          <p:cNvSpPr txBox="1"/>
+          <p:nvPr/>
+        </p:nvSpPr>
+        <p:spPr>
+          <a:xfrm>
+            <a:off x="840740" y="1477010"/>
+            <a:ext cx="10598150" cy="737235"/>
+          </a:xfrm>
+          <a:prstGeom prst="rect">
+            <a:avLst/>
+          </a:prstGeom>
+          <a:noFill/>
+        </p:spPr>
+        <p:txBody>
+          <a:bodyPr wrap="square" rtlCol="0" anchor="t">
+            <a:spAutoFit/>
+          </a:bodyPr>
+          <a:p>
+            <a:pPr>
+              <a:lnSpc>
+                <a:spcPct val="150000"/>
+              </a:lnSpc>
+            </a:pPr>
+            <a:r>
+              <a:rPr lang="zh-CN" altLang="en-US" sz="1400"/>
+              <a:t>DOM 规范规定 Document 节点的子节点可以是 DocumentType、Element、ProcessingInstruction 或 Comment，但也提供了两个访问子节点的快捷方式。第一个是 documentElement 属性，始终指向 HTML 页面中的&lt;html&gt;元素。</a:t>
+            </a:r>
+            <a:endParaRPr lang="zh-CN" altLang="en-US" sz="1400"/>
+          </a:p>
+        </p:txBody>
+      </p:sp>
+    </p:spTree>
+    <p:custDataLst>
+      <p:tags r:id="rId1"/>
+    </p:custDataLst>
+  </p:cSld>
+  <p:clrMapOvr>
+    <a:masterClrMapping/>
+  </p:clrMapOvr>
+</p:sld>
+</file>
+
+<file path=ppt/slides/slide14.xml><?xml version="1.0" encoding="utf-8"?>
+<p:sld xmlns:a="http://schemas.openxmlformats.org/drawingml/2006/main" xmlns:r="http://schemas.openxmlformats.org/officeDocument/2006/relationships" xmlns:p="http://schemas.openxmlformats.org/presentationml/2006/main">
+  <p:cSld>
+    <p:spTree>
+      <p:nvGrpSpPr>
+        <p:cNvPr id="1" name=""/>
+        <p:cNvGrpSpPr/>
+        <p:nvPr/>
+      </p:nvGrpSpPr>
+      <p:grpSpPr/>
+      <p:sp>
+        <p:nvSpPr>
+          <p:cNvPr id="3" name="文本框 2"/>
+          <p:cNvSpPr txBox="1"/>
+          <p:nvPr/>
+        </p:nvSpPr>
+        <p:spPr>
+          <a:xfrm>
+            <a:off x="463550" y="125730"/>
+            <a:ext cx="7962265" cy="521970"/>
+          </a:xfrm>
+          <a:prstGeom prst="rect">
+            <a:avLst/>
+          </a:prstGeom>
+          <a:noFill/>
+        </p:spPr>
+        <p:txBody>
+          <a:bodyPr wrap="square" rtlCol="0">
+            <a:spAutoFit/>
+          </a:bodyPr>
+          <a:p>
+            <a:r>
+              <a:rPr lang="en-US" altLang="zh-CN" sz="2800" b="1">
+                <a:solidFill>
+                  <a:schemeClr val="tx1"/>
+                </a:solidFill>
+                <a:effectLst>
+                  <a:outerShdw blurRad="38100" dist="19050" dir="2700000" algn="tl" rotWithShape="0">
+                    <a:schemeClr val="dk1">
+                      <a:alpha val="40000"/>
+                    </a:schemeClr>
+                  </a:outerShdw>
+                </a:effectLst>
+              </a:rPr>
+              <a:t>3</a:t>
+            </a:r>
+            <a:r>
+              <a:rPr lang="zh-CN" sz="2800" b="1">
+                <a:solidFill>
+                  <a:schemeClr val="tx1"/>
+                </a:solidFill>
+                <a:effectLst>
+                  <a:outerShdw blurRad="38100" dist="19050" dir="2700000" algn="tl" rotWithShape="0">
+                    <a:schemeClr val="dk1">
+                      <a:alpha val="40000"/>
+                    </a:schemeClr>
+                  </a:outerShdw>
+                </a:effectLst>
+              </a:rPr>
+              <a:t>、</a:t>
+            </a:r>
+            <a:r>
+              <a:rPr lang="zh-CN" sz="2800" b="1">
+                <a:latin typeface="方正舒体" panose="02010601030101010101" charset="-122"/>
+                <a:ea typeface="方正舒体" panose="02010601030101010101" charset="-122"/>
+                <a:cs typeface="方正舒体" panose="02010601030101010101" charset="-122"/>
+                <a:sym typeface="+mn-ea"/>
+              </a:rPr>
+              <a:t>Document 类型</a:t>
+            </a:r>
+            <a:endParaRPr lang="zh-CN" sz="2800" b="1">
+              <a:latin typeface="方正舒体" panose="02010601030101010101" charset="-122"/>
+              <a:ea typeface="方正舒体" panose="02010601030101010101" charset="-122"/>
+              <a:cs typeface="方正舒体" panose="02010601030101010101" charset="-122"/>
+              <a:sym typeface="+mn-ea"/>
+            </a:endParaRPr>
+          </a:p>
+        </p:txBody>
+      </p:sp>
+      <p:sp>
+        <p:nvSpPr>
+          <p:cNvPr id="2" name="文本框 1"/>
+          <p:cNvSpPr txBox="1"/>
+          <p:nvPr/>
+        </p:nvSpPr>
+        <p:spPr>
+          <a:xfrm>
+            <a:off x="840740" y="759460"/>
+            <a:ext cx="10511155" cy="460375"/>
+          </a:xfrm>
+          <a:prstGeom prst="rect">
+            <a:avLst/>
+          </a:prstGeom>
+          <a:noFill/>
+        </p:spPr>
+        <p:txBody>
+          <a:bodyPr wrap="square" rtlCol="0">
+            <a:spAutoFit/>
+          </a:bodyPr>
+          <a:p>
+            <a:pPr algn="l">
+              <a:lnSpc>
+                <a:spcPct val="150000"/>
+              </a:lnSpc>
+            </a:pPr>
+            <a:r>
+              <a:rPr lang="zh-CN" altLang="en-US" sz="1600" b="1">
+                <a:latin typeface="楷体" panose="02010609060101010101" charset="-122"/>
+                <a:ea typeface="楷体" panose="02010609060101010101" charset="-122"/>
+                <a:cs typeface="楷体" panose="02010609060101010101" charset="-122"/>
+              </a:rPr>
+              <a:t>文档</a:t>
+            </a:r>
+            <a:r>
+              <a:rPr lang="zh-CN" altLang="en-US" sz="1600" b="1">
+                <a:latin typeface="楷体" panose="02010609060101010101" charset="-122"/>
+                <a:ea typeface="楷体" panose="02010609060101010101" charset="-122"/>
+                <a:cs typeface="楷体" panose="02010609060101010101" charset="-122"/>
+              </a:rPr>
+              <a:t>信息</a:t>
+            </a:r>
+            <a:endParaRPr lang="zh-CN" altLang="en-US" sz="1600" b="1">
+              <a:latin typeface="楷体" panose="02010609060101010101" charset="-122"/>
+              <a:ea typeface="楷体" panose="02010609060101010101" charset="-122"/>
+              <a:cs typeface="楷体" panose="02010609060101010101" charset="-122"/>
+            </a:endParaRPr>
+          </a:p>
+        </p:txBody>
+      </p:sp>
+      <p:sp>
+        <p:nvSpPr>
+          <p:cNvPr id="10" name="文本框 9"/>
+          <p:cNvSpPr txBox="1"/>
+          <p:nvPr/>
+        </p:nvSpPr>
+        <p:spPr>
+          <a:xfrm>
+            <a:off x="840740" y="1219835"/>
+            <a:ext cx="10598150" cy="414020"/>
+          </a:xfrm>
+          <a:prstGeom prst="rect">
+            <a:avLst/>
+          </a:prstGeom>
+          <a:noFill/>
+        </p:spPr>
+        <p:txBody>
+          <a:bodyPr wrap="square" rtlCol="0" anchor="t">
+            <a:spAutoFit/>
+          </a:bodyPr>
+          <a:p>
+            <a:pPr>
+              <a:lnSpc>
+                <a:spcPct val="150000"/>
+              </a:lnSpc>
+            </a:pPr>
+            <a:r>
+              <a:rPr lang="zh-CN" altLang="en-US" sz="1400"/>
+              <a:t>document 作为 HTMLDocument 的实例，还有一些标准 Document 对象上所没有的属性。这些属性提供浏览器所加载网页的信息。</a:t>
+            </a:r>
+            <a:endParaRPr lang="zh-CN" altLang="en-US" sz="1400"/>
+          </a:p>
+        </p:txBody>
+      </p:sp>
+      <p:graphicFrame>
+        <p:nvGraphicFramePr>
+          <p:cNvPr id="5" name="表格 4"/>
+          <p:cNvGraphicFramePr/>
+          <p:nvPr>
+            <p:custDataLst>
+              <p:tags r:id="rId1"/>
+            </p:custDataLst>
+          </p:nvPr>
+        </p:nvGraphicFramePr>
+        <p:xfrm>
+          <a:off x="1007745" y="1807845"/>
+          <a:ext cx="10176510" cy="4704080"/>
+        </p:xfrm>
+        <a:graphic>
+          <a:graphicData uri="http://schemas.openxmlformats.org/drawingml/2006/table">
+            <a:tbl>
+              <a:tblPr firstRow="1" bandRow="1">
+                <a:tableStyleId>{5C22544A-7EE6-4342-B048-85BDC9FD1C3A}</a:tableStyleId>
+              </a:tblPr>
+              <a:tblGrid>
+                <a:gridCol w="1707515"/>
+                <a:gridCol w="5076825"/>
+                <a:gridCol w="3392170"/>
+              </a:tblGrid>
+              <a:tr h="481965">
+                <a:tc>
+                  <a:txBody>
+                    <a:bodyPr/>
+                    <a:p>
+                      <a:pPr>
+                        <a:buNone/>
+                      </a:pPr>
+                      <a:r>
+                        <a:rPr lang="zh-CN" altLang="en-US"/>
+                        <a:t>属性</a:t>
+                      </a:r>
+                      <a:endParaRPr lang="zh-CN" altLang="en-US"/>
+                    </a:p>
+                  </a:txBody>
+                  <a:tcPr/>
+                </a:tc>
+                <a:tc>
+                  <a:txBody>
+                    <a:bodyPr/>
+                    <a:p>
+                      <a:pPr>
+                        <a:buNone/>
+                      </a:pPr>
+                      <a:r>
+                        <a:rPr lang="zh-CN" altLang="en-US"/>
+                        <a:t>示例</a:t>
+                      </a:r>
+                      <a:r>
+                        <a:rPr lang="zh-CN" altLang="en-US"/>
+                        <a:t>代码</a:t>
+                      </a:r>
+                      <a:endParaRPr lang="zh-CN" altLang="en-US"/>
+                    </a:p>
+                  </a:txBody>
+                  <a:tcPr/>
+                </a:tc>
+                <a:tc>
+                  <a:txBody>
+                    <a:bodyPr/>
+                    <a:p>
+                      <a:pPr>
+                        <a:buNone/>
+                      </a:pPr>
+                      <a:r>
+                        <a:rPr lang="zh-CN" altLang="en-US"/>
+                        <a:t>说明</a:t>
+                      </a:r>
+                      <a:endParaRPr lang="zh-CN" altLang="en-US"/>
+                    </a:p>
+                  </a:txBody>
+                  <a:tcPr/>
+                </a:tc>
+              </a:tr>
+              <a:tr h="1188085">
+                <a:tc>
+                  <a:txBody>
+                    <a:bodyPr/>
+                    <a:p>
+                      <a:pPr>
+                        <a:buNone/>
+                      </a:pPr>
+                      <a:r>
+                        <a:rPr lang="en-US" altLang="zh-CN"/>
+                        <a:t>title</a:t>
+                      </a:r>
+                      <a:endParaRPr lang="en-US" altLang="zh-CN"/>
+                    </a:p>
+                  </a:txBody>
+                  <a:tcPr/>
+                </a:tc>
+                <a:tc>
+                  <a:txBody>
+                    <a:bodyPr/>
+                    <a:p>
+                      <a:pPr>
+                        <a:buNone/>
+                      </a:pPr>
+                      <a:r>
+                        <a:rPr lang="zh-CN" altLang="en-US" sz="1200" i="1">
+                          <a:solidFill>
+                            <a:schemeClr val="accent1"/>
+                          </a:solidFill>
+                        </a:rPr>
+                        <a:t>// 读取文档标题</a:t>
+                      </a:r>
+                      <a:endParaRPr lang="zh-CN" altLang="en-US" sz="1200" i="1">
+                        <a:solidFill>
+                          <a:schemeClr val="accent1"/>
+                        </a:solidFill>
+                      </a:endParaRPr>
+                    </a:p>
+                    <a:p>
+                      <a:pPr>
+                        <a:buNone/>
+                      </a:pPr>
+                      <a:r>
+                        <a:rPr lang="zh-CN" altLang="en-US" sz="1200" i="1">
+                          <a:solidFill>
+                            <a:schemeClr val="accent1"/>
+                          </a:solidFill>
+                        </a:rPr>
+                        <a:t>let originalTitle = document.title;</a:t>
+                      </a:r>
+                      <a:endParaRPr lang="zh-CN" altLang="en-US" sz="1200" i="1">
+                        <a:solidFill>
+                          <a:schemeClr val="accent1"/>
+                        </a:solidFill>
+                      </a:endParaRPr>
+                    </a:p>
+                    <a:p>
+                      <a:pPr>
+                        <a:buNone/>
+                      </a:pPr>
+                      <a:r>
+                        <a:rPr lang="zh-CN" altLang="en-US" sz="1200" i="1">
+                          <a:solidFill>
+                            <a:schemeClr val="accent1"/>
+                          </a:solidFill>
+                        </a:rPr>
+                        <a:t>// 修改文档标题</a:t>
+                      </a:r>
+                      <a:endParaRPr lang="zh-CN" altLang="en-US" sz="1200" i="1">
+                        <a:solidFill>
+                          <a:schemeClr val="accent1"/>
+                        </a:solidFill>
+                      </a:endParaRPr>
+                    </a:p>
+                    <a:p>
+                      <a:pPr>
+                        <a:buNone/>
+                      </a:pPr>
+                      <a:r>
+                        <a:rPr lang="zh-CN" altLang="en-US" sz="1200" i="1">
+                          <a:solidFill>
+                            <a:schemeClr val="accent1"/>
+                          </a:solidFill>
+                        </a:rPr>
+                        <a:t>document.title = "New page title";</a:t>
+                      </a:r>
+                      <a:endParaRPr lang="zh-CN" altLang="en-US" sz="1200" i="1">
+                        <a:solidFill>
+                          <a:schemeClr val="accent1"/>
+                        </a:solidFill>
+                      </a:endParaRPr>
+                    </a:p>
+                  </a:txBody>
+                  <a:tcPr/>
+                </a:tc>
+                <a:tc>
+                  <a:txBody>
+                    <a:bodyPr/>
+                    <a:p>
+                      <a:pPr>
+                        <a:lnSpc>
+                          <a:spcPct val="150000"/>
+                        </a:lnSpc>
+                        <a:buNone/>
+                      </a:pPr>
+                      <a:r>
+                        <a:rPr lang="zh-CN" altLang="en-US" sz="1200"/>
+                        <a:t>通过这个属性</a:t>
+                      </a:r>
+                      <a:r>
+                        <a:rPr lang="zh-CN" altLang="en-US" sz="1200" b="1"/>
+                        <a:t>可以读写</a:t>
+                      </a:r>
+                      <a:r>
+                        <a:rPr lang="zh-CN" altLang="en-US" sz="1200"/>
+                        <a:t>页面的标题，修改后的标题也会反映在浏览器标题栏上。不过，修改 title 属性并不会改变&lt;title&gt;元素。</a:t>
+                      </a:r>
+                      <a:endParaRPr lang="zh-CN" altLang="en-US" sz="1200"/>
+                    </a:p>
+                  </a:txBody>
+                  <a:tcPr/>
+                </a:tc>
+              </a:tr>
+              <a:tr h="748030">
+                <a:tc>
+                  <a:txBody>
+                    <a:bodyPr/>
+                    <a:p>
+                      <a:pPr>
+                        <a:buNone/>
+                      </a:pPr>
+                      <a:r>
+                        <a:rPr lang="en-US" altLang="zh-CN"/>
+                        <a:t>URL</a:t>
+                      </a:r>
+                      <a:endParaRPr lang="en-US" altLang="zh-CN"/>
+                    </a:p>
+                  </a:txBody>
+                  <a:tcPr/>
+                </a:tc>
+                <a:tc>
+                  <a:txBody>
+                    <a:bodyPr/>
+                    <a:p>
+                      <a:pPr>
+                        <a:buNone/>
+                      </a:pPr>
+                      <a:r>
+                        <a:rPr lang="zh-CN" altLang="en-US" sz="1400" i="1">
+                          <a:solidFill>
+                            <a:schemeClr val="accent1"/>
+                          </a:solidFill>
+                        </a:rPr>
+                        <a:t>// 取得完整的 </a:t>
+                      </a:r>
+                      <a:endParaRPr lang="zh-CN" altLang="en-US" sz="1400" i="1">
+                        <a:solidFill>
+                          <a:schemeClr val="accent1"/>
+                        </a:solidFill>
+                      </a:endParaRPr>
+                    </a:p>
+                    <a:p>
+                      <a:pPr>
+                        <a:buNone/>
+                      </a:pPr>
+                      <a:r>
+                        <a:rPr lang="zh-CN" altLang="en-US" sz="1400" i="1">
+                          <a:solidFill>
+                            <a:schemeClr val="accent1"/>
+                          </a:solidFill>
+                        </a:rPr>
+                        <a:t>URLlet url = document.URL;</a:t>
+                      </a:r>
+                      <a:endParaRPr lang="zh-CN" altLang="en-US" sz="1400" i="1">
+                        <a:solidFill>
+                          <a:schemeClr val="accent1"/>
+                        </a:solidFill>
+                      </a:endParaRPr>
+                    </a:p>
+                  </a:txBody>
+                  <a:tcPr/>
+                </a:tc>
+                <a:tc>
+                  <a:txBody>
+                    <a:bodyPr/>
+                    <a:p>
+                      <a:pPr>
+                        <a:lnSpc>
+                          <a:spcPct val="150000"/>
+                        </a:lnSpc>
+                        <a:buNone/>
+                      </a:pPr>
+                      <a:r>
+                        <a:rPr lang="zh-CN" altLang="en-US" sz="1200"/>
+                        <a:t>URL 包含当前页面的完整 URL（地址栏中的 URL），</a:t>
+                      </a:r>
+                      <a:r>
+                        <a:rPr lang="zh-CN" altLang="en-US" sz="1200" b="1"/>
+                        <a:t>不可写</a:t>
+                      </a:r>
+                      <a:endParaRPr lang="zh-CN" altLang="en-US" sz="1200" b="1"/>
+                    </a:p>
+                  </a:txBody>
+                  <a:tcPr/>
+                </a:tc>
+              </a:tr>
+              <a:tr h="747395">
+                <a:tc>
+                  <a:txBody>
+                    <a:bodyPr/>
+                    <a:p>
+                      <a:pPr>
+                        <a:buNone/>
+                      </a:pPr>
+                      <a:r>
+                        <a:rPr lang="en-US" altLang="zh-CN"/>
+                        <a:t>domain</a:t>
+                      </a:r>
+                      <a:endParaRPr lang="en-US" altLang="zh-CN"/>
+                    </a:p>
+                  </a:txBody>
+                  <a:tcPr/>
+                </a:tc>
+                <a:tc>
+                  <a:txBody>
+                    <a:bodyPr/>
+                    <a:p>
+                      <a:pPr>
+                        <a:buNone/>
+                      </a:pPr>
+                      <a:r>
+                        <a:rPr lang="zh-CN" altLang="en-US" sz="1200" i="1">
+                          <a:solidFill>
+                            <a:schemeClr val="accent1"/>
+                          </a:solidFill>
+                        </a:rPr>
+                        <a:t>// 取得域名</a:t>
+                      </a:r>
+                      <a:endParaRPr lang="zh-CN" altLang="en-US" sz="1200" i="1">
+                        <a:solidFill>
+                          <a:schemeClr val="accent1"/>
+                        </a:solidFill>
+                      </a:endParaRPr>
+                    </a:p>
+                    <a:p>
+                      <a:pPr>
+                        <a:buNone/>
+                      </a:pPr>
+                      <a:r>
+                        <a:rPr lang="zh-CN" altLang="en-US" sz="1200" i="1">
+                          <a:solidFill>
+                            <a:schemeClr val="accent1"/>
+                          </a:solidFill>
+                        </a:rPr>
+                        <a:t>let domain = document.domain;</a:t>
+                      </a:r>
+                      <a:endParaRPr lang="zh-CN" altLang="en-US" sz="1200" i="1">
+                        <a:solidFill>
+                          <a:schemeClr val="accent1"/>
+                        </a:solidFill>
+                      </a:endParaRPr>
+                    </a:p>
+                    <a:p>
+                      <a:pPr>
+                        <a:buNone/>
+                      </a:pPr>
+                      <a:r>
+                        <a:rPr lang="zh-CN" altLang="en-US" sz="1200" i="1">
+                          <a:solidFill>
+                            <a:schemeClr val="accent1"/>
+                          </a:solidFill>
+                        </a:rPr>
+                        <a:t>// 页面来自 p2p.wrox.com</a:t>
+                      </a:r>
+                      <a:endParaRPr lang="zh-CN" altLang="en-US" sz="1200" i="1">
+                        <a:solidFill>
+                          <a:schemeClr val="accent1"/>
+                        </a:solidFill>
+                      </a:endParaRPr>
+                    </a:p>
+                    <a:p>
+                      <a:pPr>
+                        <a:buNone/>
+                      </a:pPr>
+                      <a:r>
+                        <a:rPr lang="zh-CN" altLang="en-US" sz="1200" i="1">
+                          <a:solidFill>
+                            <a:schemeClr val="accent1"/>
+                          </a:solidFill>
+                        </a:rPr>
+                        <a:t>document.domain = "wrox.com"; // 放松，成功</a:t>
+                      </a:r>
+                      <a:endParaRPr lang="zh-CN" altLang="en-US" sz="1200" i="1">
+                        <a:solidFill>
+                          <a:schemeClr val="accent1"/>
+                        </a:solidFill>
+                      </a:endParaRPr>
+                    </a:p>
+                    <a:p>
+                      <a:pPr>
+                        <a:buNone/>
+                      </a:pPr>
+                      <a:r>
+                        <a:rPr lang="zh-CN" altLang="en-US" sz="1200" i="1">
+                          <a:solidFill>
+                            <a:schemeClr val="accent1"/>
+                          </a:solidFill>
+                        </a:rPr>
+                        <a:t>document.domain = "p2p.wrox.com"; // 收紧，错误！</a:t>
+                      </a:r>
+                      <a:endParaRPr lang="zh-CN" altLang="en-US" sz="1200" i="1">
+                        <a:solidFill>
+                          <a:schemeClr val="accent1"/>
+                        </a:solidFill>
+                      </a:endParaRPr>
+                    </a:p>
+                  </a:txBody>
+                  <a:tcPr/>
+                </a:tc>
+                <a:tc>
+                  <a:txBody>
+                    <a:bodyPr/>
+                    <a:p>
+                      <a:pPr>
+                        <a:lnSpc>
+                          <a:spcPct val="150000"/>
+                        </a:lnSpc>
+                        <a:buNone/>
+                      </a:pPr>
+                      <a:r>
+                        <a:rPr lang="zh-CN" altLang="en-US" sz="1200">
+                          <a:sym typeface="+mn-ea"/>
+                        </a:rPr>
+                        <a:t>domain 包含页面的域名，</a:t>
+                      </a:r>
+                      <a:r>
+                        <a:rPr lang="zh-CN" altLang="en-US" sz="1200" b="1">
+                          <a:sym typeface="+mn-ea"/>
+                        </a:rPr>
+                        <a:t>可读写，但有限制。如果 URL包含子域名如 p2p.wrox.com，则可以将 domain 设置为"wrox.com"，但不能给这个属性设置 URL 中不包含的值</a:t>
+                      </a:r>
+                      <a:endParaRPr lang="zh-CN" altLang="en-US" sz="1200" b="1">
+                        <a:sym typeface="+mn-ea"/>
+                      </a:endParaRPr>
+                    </a:p>
+                    <a:p>
+                      <a:pPr>
+                        <a:buNone/>
+                      </a:pPr>
+                      <a:endParaRPr lang="zh-CN" altLang="en-US" sz="1200" b="1"/>
+                    </a:p>
+                  </a:txBody>
+                  <a:tcPr/>
+                </a:tc>
+              </a:tr>
+              <a:tr h="748665">
+                <a:tc>
+                  <a:txBody>
+                    <a:bodyPr/>
+                    <a:p>
+                      <a:pPr>
+                        <a:buNone/>
+                      </a:pPr>
+                      <a:r>
+                        <a:rPr lang="en-US" altLang="zh-CN"/>
+                        <a:t>referrer</a:t>
+                      </a:r>
+                      <a:endParaRPr lang="en-US" altLang="zh-CN"/>
+                    </a:p>
+                  </a:txBody>
+                  <a:tcPr/>
+                </a:tc>
+                <a:tc>
+                  <a:txBody>
+                    <a:bodyPr/>
+                    <a:p>
+                      <a:pPr>
+                        <a:buNone/>
+                      </a:pPr>
+                      <a:r>
+                        <a:rPr lang="zh-CN" altLang="en-US" sz="1400" i="1">
+                          <a:solidFill>
+                            <a:schemeClr val="accent1"/>
+                          </a:solidFill>
+                        </a:rPr>
+                        <a:t>// 取得来源</a:t>
+                      </a:r>
+                      <a:endParaRPr lang="zh-CN" altLang="en-US" sz="1400" i="1">
+                        <a:solidFill>
+                          <a:schemeClr val="accent1"/>
+                        </a:solidFill>
+                      </a:endParaRPr>
+                    </a:p>
+                    <a:p>
+                      <a:pPr>
+                        <a:buNone/>
+                      </a:pPr>
+                      <a:r>
+                        <a:rPr lang="zh-CN" altLang="en-US" sz="1400" i="1">
+                          <a:solidFill>
+                            <a:schemeClr val="accent1"/>
+                          </a:solidFill>
+                        </a:rPr>
+                        <a:t>let referrer = document.referrer;</a:t>
+                      </a:r>
+                      <a:endParaRPr lang="zh-CN" altLang="en-US" sz="1400" i="1">
+                        <a:solidFill>
+                          <a:schemeClr val="accent1"/>
+                        </a:solidFill>
+                      </a:endParaRPr>
+                    </a:p>
+                  </a:txBody>
+                  <a:tcPr/>
+                </a:tc>
+                <a:tc>
+                  <a:txBody>
+                    <a:bodyPr/>
+                    <a:p>
+                      <a:pPr>
+                        <a:lnSpc>
+                          <a:spcPct val="150000"/>
+                        </a:lnSpc>
+                        <a:buNone/>
+                      </a:pPr>
+                      <a:r>
+                        <a:rPr lang="zh-CN" altLang="en-US" sz="1200"/>
+                        <a:t>referrer 包含链接到当前页面的那个页面的 URL。如果当前页面没有来源，则 referrer 属性包含空字符串，</a:t>
+                      </a:r>
+                      <a:r>
+                        <a:rPr lang="zh-CN" altLang="en-US" sz="1200" b="1"/>
+                        <a:t>不可写</a:t>
+                      </a:r>
+                      <a:endParaRPr lang="zh-CN" altLang="en-US" sz="1200" b="1"/>
+                    </a:p>
+                  </a:txBody>
+                  <a:tcPr/>
+                </a:tc>
+              </a:tr>
+            </a:tbl>
+          </a:graphicData>
+        </a:graphic>
+      </p:graphicFrame>
+    </p:spTree>
+    <p:custDataLst>
+      <p:tags r:id="rId2"/>
+    </p:custDataLst>
+  </p:cSld>
+  <p:clrMapOvr>
+    <a:masterClrMapping/>
+  </p:clrMapOvr>
+</p:sld>
+</file>
+
+<file path=ppt/slides/slide15.xml><?xml version="1.0" encoding="utf-8"?>
+<p:sld xmlns:a="http://schemas.openxmlformats.org/drawingml/2006/main" xmlns:r="http://schemas.openxmlformats.org/officeDocument/2006/relationships" xmlns:p="http://schemas.openxmlformats.org/presentationml/2006/main">
+  <p:cSld>
+    <p:spTree>
+      <p:nvGrpSpPr>
+        <p:cNvPr id="1" name=""/>
+        <p:cNvGrpSpPr/>
+        <p:nvPr/>
+      </p:nvGrpSpPr>
+      <p:grpSpPr/>
+      <p:sp>
+        <p:nvSpPr>
+          <p:cNvPr id="3" name="文本框 2"/>
+          <p:cNvSpPr txBox="1"/>
+          <p:nvPr/>
+        </p:nvSpPr>
+        <p:spPr>
+          <a:xfrm>
+            <a:off x="463550" y="125730"/>
+            <a:ext cx="7962265" cy="521970"/>
+          </a:xfrm>
+          <a:prstGeom prst="rect">
+            <a:avLst/>
+          </a:prstGeom>
+          <a:noFill/>
+        </p:spPr>
+        <p:txBody>
+          <a:bodyPr wrap="square" rtlCol="0">
+            <a:spAutoFit/>
+          </a:bodyPr>
+          <a:p>
+            <a:r>
+              <a:rPr lang="en-US" altLang="zh-CN" sz="2800" b="1">
+                <a:solidFill>
+                  <a:schemeClr val="tx1"/>
+                </a:solidFill>
+                <a:effectLst>
+                  <a:outerShdw blurRad="38100" dist="19050" dir="2700000" algn="tl" rotWithShape="0">
+                    <a:schemeClr val="dk1">
+                      <a:alpha val="40000"/>
+                    </a:schemeClr>
+                  </a:outerShdw>
+                </a:effectLst>
+              </a:rPr>
+              <a:t>3</a:t>
+            </a:r>
+            <a:r>
+              <a:rPr lang="zh-CN" sz="2800" b="1">
+                <a:solidFill>
+                  <a:schemeClr val="tx1"/>
+                </a:solidFill>
+                <a:effectLst>
+                  <a:outerShdw blurRad="38100" dist="19050" dir="2700000" algn="tl" rotWithShape="0">
+                    <a:schemeClr val="dk1">
+                      <a:alpha val="40000"/>
+                    </a:schemeClr>
+                  </a:outerShdw>
+                </a:effectLst>
+              </a:rPr>
+              <a:t>、</a:t>
+            </a:r>
+            <a:r>
+              <a:rPr lang="zh-CN" sz="2800" b="1">
+                <a:latin typeface="方正舒体" panose="02010601030101010101" charset="-122"/>
+                <a:ea typeface="方正舒体" panose="02010601030101010101" charset="-122"/>
+                <a:cs typeface="方正舒体" panose="02010601030101010101" charset="-122"/>
+                <a:sym typeface="+mn-ea"/>
+              </a:rPr>
+              <a:t>Document 类型</a:t>
+            </a:r>
+            <a:endParaRPr lang="zh-CN" sz="2800" b="1">
+              <a:latin typeface="方正舒体" panose="02010601030101010101" charset="-122"/>
+              <a:ea typeface="方正舒体" panose="02010601030101010101" charset="-122"/>
+              <a:cs typeface="方正舒体" panose="02010601030101010101" charset="-122"/>
+              <a:sym typeface="+mn-ea"/>
+            </a:endParaRPr>
+          </a:p>
+        </p:txBody>
+      </p:sp>
+      <p:sp>
+        <p:nvSpPr>
+          <p:cNvPr id="2" name="文本框 1"/>
+          <p:cNvSpPr txBox="1"/>
+          <p:nvPr/>
+        </p:nvSpPr>
+        <p:spPr>
+          <a:xfrm>
+            <a:off x="840740" y="759460"/>
+            <a:ext cx="10511155" cy="460375"/>
+          </a:xfrm>
+          <a:prstGeom prst="rect">
+            <a:avLst/>
+          </a:prstGeom>
+          <a:noFill/>
+        </p:spPr>
+        <p:txBody>
+          <a:bodyPr wrap="square" rtlCol="0">
+            <a:spAutoFit/>
+          </a:bodyPr>
+          <a:p>
+            <a:pPr algn="l">
+              <a:lnSpc>
+                <a:spcPct val="150000"/>
+              </a:lnSpc>
+            </a:pPr>
+            <a:r>
+              <a:rPr lang="zh-CN" altLang="en-US" sz="1600" b="1">
+                <a:latin typeface="楷体" panose="02010609060101010101" charset="-122"/>
+                <a:ea typeface="楷体" panose="02010609060101010101" charset="-122"/>
+                <a:cs typeface="楷体" panose="02010609060101010101" charset="-122"/>
+              </a:rPr>
+              <a:t>定位</a:t>
+            </a:r>
+            <a:r>
+              <a:rPr lang="zh-CN" altLang="en-US" sz="1600" b="1">
+                <a:latin typeface="楷体" panose="02010609060101010101" charset="-122"/>
+                <a:ea typeface="楷体" panose="02010609060101010101" charset="-122"/>
+                <a:cs typeface="楷体" panose="02010609060101010101" charset="-122"/>
+              </a:rPr>
+              <a:t>元素</a:t>
+            </a:r>
+            <a:endParaRPr lang="zh-CN" altLang="en-US" sz="1600" b="1">
+              <a:latin typeface="楷体" panose="02010609060101010101" charset="-122"/>
+              <a:ea typeface="楷体" panose="02010609060101010101" charset="-122"/>
+              <a:cs typeface="楷体" panose="02010609060101010101" charset="-122"/>
+            </a:endParaRPr>
+          </a:p>
+        </p:txBody>
+      </p:sp>
+      <p:sp>
+        <p:nvSpPr>
+          <p:cNvPr id="10" name="文本框 9"/>
+          <p:cNvSpPr txBox="1"/>
+          <p:nvPr/>
+        </p:nvSpPr>
+        <p:spPr>
+          <a:xfrm>
+            <a:off x="840740" y="1219835"/>
+            <a:ext cx="11043920" cy="737235"/>
+          </a:xfrm>
+          <a:prstGeom prst="rect">
+            <a:avLst/>
+          </a:prstGeom>
+          <a:noFill/>
+        </p:spPr>
+        <p:txBody>
+          <a:bodyPr wrap="square" rtlCol="0" anchor="t">
+            <a:spAutoFit/>
+          </a:bodyPr>
+          <a:p>
+            <a:pPr>
+              <a:lnSpc>
+                <a:spcPct val="150000"/>
+              </a:lnSpc>
+            </a:pPr>
+            <a:r>
+              <a:rPr lang="zh-CN" altLang="en-US" sz="1400"/>
+              <a:t>使用 DOM 最常见的情形可能就是获取某个或某组元素的引用，然后对它们执行某些操作。</a:t>
+            </a:r>
+            <a:endParaRPr lang="zh-CN" altLang="en-US" sz="1400"/>
+          </a:p>
+          <a:p>
+            <a:pPr>
+              <a:lnSpc>
+                <a:spcPct val="150000"/>
+              </a:lnSpc>
+            </a:pPr>
+            <a:r>
+              <a:rPr lang="zh-CN" altLang="en-US" sz="1400"/>
+              <a:t>document 对象上暴露了一些方法，可以实现这些操作。getElementById()和 getElementsByTagName()就是 Document 类型提供的两个方法。</a:t>
+            </a:r>
+            <a:endParaRPr lang="zh-CN" altLang="en-US" sz="1400"/>
+          </a:p>
+        </p:txBody>
+      </p:sp>
+      <p:graphicFrame>
+        <p:nvGraphicFramePr>
+          <p:cNvPr id="5" name="表格 4"/>
+          <p:cNvGraphicFramePr/>
+          <p:nvPr>
+            <p:custDataLst>
+              <p:tags r:id="rId1"/>
+            </p:custDataLst>
+          </p:nvPr>
+        </p:nvGraphicFramePr>
+        <p:xfrm>
+          <a:off x="1008380" y="2253615"/>
+          <a:ext cx="10176510" cy="3655060"/>
+        </p:xfrm>
+        <a:graphic>
+          <a:graphicData uri="http://schemas.openxmlformats.org/drawingml/2006/table">
+            <a:tbl>
+              <a:tblPr firstRow="1" bandRow="1">
+                <a:tableStyleId>{5C22544A-7EE6-4342-B048-85BDC9FD1C3A}</a:tableStyleId>
+              </a:tblPr>
+              <a:tblGrid>
+                <a:gridCol w="2736215"/>
+                <a:gridCol w="4048125"/>
+                <a:gridCol w="3392170"/>
+              </a:tblGrid>
+              <a:tr h="454660">
+                <a:tc>
+                  <a:txBody>
+                    <a:bodyPr/>
+                    <a:p>
+                      <a:pPr>
+                        <a:buNone/>
+                      </a:pPr>
+                      <a:r>
+                        <a:rPr lang="zh-CN" altLang="en-US"/>
+                        <a:t>方法</a:t>
+                      </a:r>
+                      <a:endParaRPr lang="zh-CN" altLang="en-US"/>
+                    </a:p>
+                  </a:txBody>
+                  <a:tcPr/>
+                </a:tc>
+                <a:tc>
+                  <a:txBody>
+                    <a:bodyPr/>
+                    <a:p>
+                      <a:pPr>
+                        <a:buNone/>
+                      </a:pPr>
+                      <a:r>
+                        <a:rPr lang="zh-CN" altLang="en-US"/>
+                        <a:t>示例</a:t>
+                      </a:r>
+                      <a:r>
+                        <a:rPr lang="zh-CN" altLang="en-US"/>
+                        <a:t>代码</a:t>
+                      </a:r>
+                      <a:endParaRPr lang="zh-CN" altLang="en-US"/>
+                    </a:p>
+                  </a:txBody>
+                  <a:tcPr/>
+                </a:tc>
+                <a:tc>
+                  <a:txBody>
+                    <a:bodyPr/>
+                    <a:p>
+                      <a:pPr>
+                        <a:buNone/>
+                      </a:pPr>
+                      <a:r>
+                        <a:rPr lang="zh-CN" altLang="en-US"/>
+                        <a:t>说明</a:t>
+                      </a:r>
+                      <a:endParaRPr lang="zh-CN" altLang="en-US"/>
+                    </a:p>
+                  </a:txBody>
+                  <a:tcPr/>
+                </a:tc>
+              </a:tr>
+              <a:tr h="1188085">
+                <a:tc>
+                  <a:txBody>
+                    <a:bodyPr/>
+                    <a:p>
+                      <a:pPr>
+                        <a:buNone/>
+                      </a:pPr>
+                      <a:r>
+                        <a:rPr lang="en-US" altLang="zh-CN"/>
+                        <a:t>getElementById()</a:t>
+                      </a:r>
+                      <a:endParaRPr lang="en-US" altLang="zh-CN"/>
+                    </a:p>
+                  </a:txBody>
+                  <a:tcPr/>
+                </a:tc>
+                <a:tc>
+                  <a:txBody>
+                    <a:bodyPr/>
+                    <a:p>
+                      <a:pPr>
+                        <a:lnSpc>
+                          <a:spcPct val="150000"/>
+                        </a:lnSpc>
+                        <a:buNone/>
+                      </a:pPr>
+                      <a:r>
+                        <a:rPr lang="zh-CN" altLang="en-US" sz="1200" i="1">
+                          <a:solidFill>
+                            <a:schemeClr val="accent1"/>
+                          </a:solidFill>
+                        </a:rPr>
+                        <a:t>&lt;div id="myDiv"&gt;Some text&lt;/div&gt;</a:t>
+                      </a:r>
+                      <a:endParaRPr lang="zh-CN" altLang="en-US" sz="1200" i="1">
+                        <a:solidFill>
+                          <a:schemeClr val="accent1"/>
+                        </a:solidFill>
+                      </a:endParaRPr>
+                    </a:p>
+                    <a:p>
+                      <a:pPr>
+                        <a:lnSpc>
+                          <a:spcPct val="150000"/>
+                        </a:lnSpc>
+                        <a:buNone/>
+                      </a:pPr>
+                      <a:r>
+                        <a:rPr lang="zh-CN" altLang="en-US" sz="1200" i="1">
+                          <a:solidFill>
+                            <a:schemeClr val="accent1"/>
+                          </a:solidFill>
+                        </a:rPr>
+                        <a:t>可以使用如下代码取得这个元素：</a:t>
+                      </a:r>
+                      <a:endParaRPr lang="zh-CN" altLang="en-US" sz="1200" i="1">
+                        <a:solidFill>
+                          <a:schemeClr val="accent1"/>
+                        </a:solidFill>
+                      </a:endParaRPr>
+                    </a:p>
+                    <a:p>
+                      <a:pPr>
+                        <a:lnSpc>
+                          <a:spcPct val="150000"/>
+                        </a:lnSpc>
+                        <a:buNone/>
+                      </a:pPr>
+                      <a:r>
+                        <a:rPr lang="zh-CN" altLang="en-US" sz="1200" i="1">
+                          <a:solidFill>
+                            <a:schemeClr val="accent1"/>
+                          </a:solidFill>
+                        </a:rPr>
+                        <a:t>let div = document.getElementById("myDiv"); // 取得对这个&lt;div&gt;元素的引用</a:t>
+                      </a:r>
+                      <a:endParaRPr lang="zh-CN" altLang="en-US" sz="1200" i="1">
+                        <a:solidFill>
+                          <a:schemeClr val="accent1"/>
+                        </a:solidFill>
+                      </a:endParaRPr>
+                    </a:p>
+                    <a:p>
+                      <a:pPr>
+                        <a:lnSpc>
+                          <a:spcPct val="150000"/>
+                        </a:lnSpc>
+                        <a:buNone/>
+                      </a:pPr>
+                      <a:r>
+                        <a:rPr lang="zh-CN" altLang="en-US" sz="1200" i="1">
+                          <a:solidFill>
+                            <a:schemeClr val="accent1"/>
+                          </a:solidFill>
+                        </a:rPr>
+                        <a:t>但参数大小写不匹配会返回 null：</a:t>
+                      </a:r>
+                      <a:endParaRPr lang="zh-CN" altLang="en-US" sz="1200" i="1">
+                        <a:solidFill>
+                          <a:schemeClr val="accent1"/>
+                        </a:solidFill>
+                      </a:endParaRPr>
+                    </a:p>
+                    <a:p>
+                      <a:pPr>
+                        <a:lnSpc>
+                          <a:spcPct val="150000"/>
+                        </a:lnSpc>
+                        <a:buNone/>
+                      </a:pPr>
+                      <a:r>
+                        <a:rPr lang="zh-CN" altLang="en-US" sz="1200" i="1">
+                          <a:solidFill>
+                            <a:schemeClr val="accent1"/>
+                          </a:solidFill>
+                        </a:rPr>
+                        <a:t>let div = document.getElementById("mydiv"); // null</a:t>
+                      </a:r>
+                      <a:endParaRPr lang="zh-CN" altLang="en-US" sz="1200" i="1">
+                        <a:solidFill>
+                          <a:schemeClr val="accent1"/>
+                        </a:solidFill>
+                      </a:endParaRPr>
+                    </a:p>
+                  </a:txBody>
+                  <a:tcPr/>
+                </a:tc>
+                <a:tc>
+                  <a:txBody>
+                    <a:bodyPr/>
+                    <a:p>
+                      <a:pPr>
+                        <a:lnSpc>
+                          <a:spcPct val="150000"/>
+                        </a:lnSpc>
+                        <a:buNone/>
+                      </a:pPr>
+                      <a:r>
+                        <a:rPr lang="zh-CN" altLang="en-US" sz="1200"/>
+                        <a:t>getElementById()方法接收一个参数，即要获取元素的 ID，如果找到了则返回这个元素，如果</a:t>
+                      </a:r>
+                      <a:endParaRPr lang="zh-CN" altLang="en-US" sz="1200"/>
+                    </a:p>
+                    <a:p>
+                      <a:pPr>
+                        <a:lnSpc>
+                          <a:spcPct val="150000"/>
+                        </a:lnSpc>
+                        <a:buNone/>
+                      </a:pPr>
+                      <a:r>
+                        <a:rPr lang="zh-CN" altLang="en-US" sz="1200"/>
+                        <a:t>没找到则返回 null。参数 ID 必须跟元素在页面中的 id 属性值完全匹配，包括大小写。如果页面中存在多个具有相同 ID 的元素，则 getElementById()返回在文档中出现的第一个元素。</a:t>
+                      </a:r>
+                      <a:endParaRPr lang="zh-CN" altLang="en-US" sz="1200"/>
+                    </a:p>
+                  </a:txBody>
+                  <a:tcPr/>
+                </a:tc>
+              </a:tr>
+              <a:tr h="748030">
+                <a:tc>
+                  <a:txBody>
+                    <a:bodyPr/>
+                    <a:p>
+                      <a:pPr>
+                        <a:buNone/>
+                      </a:pPr>
+                      <a:r>
+                        <a:rPr lang="en-US" altLang="zh-CN"/>
+                        <a:t>getElementsByTagName()</a:t>
+                      </a:r>
+                      <a:endParaRPr lang="en-US" altLang="zh-CN"/>
+                    </a:p>
+                  </a:txBody>
+                  <a:tcPr/>
+                </a:tc>
+                <a:tc>
+                  <a:txBody>
+                    <a:bodyPr/>
+                    <a:p>
+                      <a:pPr>
+                        <a:lnSpc>
+                          <a:spcPct val="150000"/>
+                        </a:lnSpc>
+                        <a:buNone/>
+                      </a:pPr>
+                      <a:r>
+                        <a:rPr lang="zh-CN" altLang="en-US" sz="1200" i="1">
+                          <a:solidFill>
+                            <a:schemeClr val="accent1"/>
+                          </a:solidFill>
+                        </a:rPr>
+                        <a:t>let images = document.getElementsByTagName("img");</a:t>
+                      </a:r>
+                      <a:endParaRPr lang="zh-CN" altLang="en-US" sz="1200" i="1">
+                        <a:solidFill>
+                          <a:schemeClr val="accent1"/>
+                        </a:solidFill>
+                      </a:endParaRPr>
+                    </a:p>
+                  </a:txBody>
+                  <a:tcPr/>
+                </a:tc>
+                <a:tc>
+                  <a:txBody>
+                    <a:bodyPr/>
+                    <a:p>
+                      <a:pPr>
+                        <a:lnSpc>
+                          <a:spcPct val="150000"/>
+                        </a:lnSpc>
+                        <a:buNone/>
+                      </a:pPr>
+                      <a:r>
+                        <a:rPr lang="zh-CN" altLang="en-US" sz="1200"/>
+                        <a:t>getElementsByTagName()是另一个常用来获取元素引用的方法。这个方法接收一个参数，即要</a:t>
+                      </a:r>
+                      <a:endParaRPr lang="zh-CN" altLang="en-US" sz="1200"/>
+                    </a:p>
+                    <a:p>
+                      <a:pPr>
+                        <a:lnSpc>
+                          <a:spcPct val="150000"/>
+                        </a:lnSpc>
+                        <a:buNone/>
+                      </a:pPr>
+                      <a:r>
+                        <a:rPr lang="zh-CN" altLang="en-US" sz="1200"/>
+                        <a:t>获取元素的标签名，返回包含零个或多个元素的 NodeList。在 HTML 文档中，这个方法返回一个</a:t>
+                      </a:r>
+                      <a:endParaRPr lang="zh-CN" altLang="en-US" sz="1200"/>
+                    </a:p>
+                    <a:p>
+                      <a:pPr>
+                        <a:lnSpc>
+                          <a:spcPct val="150000"/>
+                        </a:lnSpc>
+                        <a:buNone/>
+                      </a:pPr>
+                      <a:r>
+                        <a:rPr lang="zh-CN" altLang="en-US" sz="1200"/>
+                        <a:t>HTMLCollection 对象。</a:t>
+                      </a:r>
+                      <a:endParaRPr lang="zh-CN" altLang="en-US" sz="1200"/>
+                    </a:p>
+                  </a:txBody>
+                  <a:tcPr/>
+                </a:tc>
+              </a:tr>
+            </a:tbl>
+          </a:graphicData>
+        </a:graphic>
+      </p:graphicFrame>
+    </p:spTree>
+    <p:custDataLst>
+      <p:tags r:id="rId2"/>
+    </p:custDataLst>
+  </p:cSld>
+  <p:clrMapOvr>
+    <a:masterClrMapping/>
+  </p:clrMapOvr>
+</p:sld>
+</file>
+
+<file path=ppt/slides/slide16.xml><?xml version="1.0" encoding="utf-8"?>
+<p:sld xmlns:a="http://schemas.openxmlformats.org/drawingml/2006/main" xmlns:r="http://schemas.openxmlformats.org/officeDocument/2006/relationships" xmlns:p="http://schemas.openxmlformats.org/presentationml/2006/main">
+  <p:cSld>
+    <p:spTree>
+      <p:nvGrpSpPr>
+        <p:cNvPr id="1" name=""/>
+        <p:cNvGrpSpPr/>
+        <p:nvPr/>
+      </p:nvGrpSpPr>
+      <p:grpSpPr/>
+      <p:sp>
+        <p:nvSpPr>
+          <p:cNvPr id="3" name="文本框 2"/>
+          <p:cNvSpPr txBox="1"/>
+          <p:nvPr/>
+        </p:nvSpPr>
+        <p:spPr>
+          <a:xfrm>
+            <a:off x="463550" y="125730"/>
+            <a:ext cx="7962265" cy="521970"/>
+          </a:xfrm>
+          <a:prstGeom prst="rect">
+            <a:avLst/>
+          </a:prstGeom>
+          <a:noFill/>
+        </p:spPr>
+        <p:txBody>
+          <a:bodyPr wrap="square" rtlCol="0">
+            <a:spAutoFit/>
+          </a:bodyPr>
+          <a:p>
+            <a:r>
+              <a:rPr lang="en-US" altLang="zh-CN" sz="2800" b="1">
+                <a:solidFill>
+                  <a:schemeClr val="tx1"/>
+                </a:solidFill>
+                <a:effectLst>
+                  <a:outerShdw blurRad="38100" dist="19050" dir="2700000" algn="tl" rotWithShape="0">
+                    <a:schemeClr val="dk1">
+                      <a:alpha val="40000"/>
+                    </a:schemeClr>
+                  </a:outerShdw>
+                </a:effectLst>
+              </a:rPr>
+              <a:t>4</a:t>
+            </a:r>
+            <a:r>
+              <a:rPr lang="zh-CN" sz="2800" b="1">
+                <a:solidFill>
+                  <a:schemeClr val="tx1"/>
+                </a:solidFill>
+                <a:effectLst>
+                  <a:outerShdw blurRad="38100" dist="19050" dir="2700000" algn="tl" rotWithShape="0">
+                    <a:schemeClr val="dk1">
+                      <a:alpha val="40000"/>
+                    </a:schemeClr>
+                  </a:outerShdw>
+                </a:effectLst>
+              </a:rPr>
+              <a:t>、</a:t>
+            </a:r>
+            <a:r>
+              <a:rPr lang="en-US" altLang="zh-CN" sz="2800" b="1">
+                <a:latin typeface="方正舒体" panose="02010601030101010101" charset="-122"/>
+                <a:ea typeface="方正舒体" panose="02010601030101010101" charset="-122"/>
+                <a:cs typeface="方正舒体" panose="02010601030101010101" charset="-122"/>
+                <a:sym typeface="+mn-ea"/>
+              </a:rPr>
+              <a:t>Element</a:t>
+            </a:r>
+            <a:r>
+              <a:rPr lang="zh-CN" sz="2800" b="1">
+                <a:latin typeface="方正舒体" panose="02010601030101010101" charset="-122"/>
+                <a:ea typeface="方正舒体" panose="02010601030101010101" charset="-122"/>
+                <a:cs typeface="方正舒体" panose="02010601030101010101" charset="-122"/>
+                <a:sym typeface="+mn-ea"/>
+              </a:rPr>
+              <a:t> 类型</a:t>
+            </a:r>
+            <a:endParaRPr lang="zh-CN" sz="2800" b="1">
+              <a:latin typeface="方正舒体" panose="02010601030101010101" charset="-122"/>
+              <a:ea typeface="方正舒体" panose="02010601030101010101" charset="-122"/>
+              <a:cs typeface="方正舒体" panose="02010601030101010101" charset="-122"/>
+              <a:sym typeface="+mn-ea"/>
+            </a:endParaRPr>
+          </a:p>
+        </p:txBody>
+      </p:sp>
+      <p:sp>
+        <p:nvSpPr>
+          <p:cNvPr id="2" name="文本框 1"/>
+          <p:cNvSpPr txBox="1"/>
+          <p:nvPr/>
+        </p:nvSpPr>
+        <p:spPr>
+          <a:xfrm>
+            <a:off x="840740" y="871220"/>
+            <a:ext cx="10511155" cy="460375"/>
+          </a:xfrm>
+          <a:prstGeom prst="rect">
+            <a:avLst/>
+          </a:prstGeom>
+          <a:noFill/>
+        </p:spPr>
+        <p:txBody>
+          <a:bodyPr wrap="square" rtlCol="0">
+            <a:spAutoFit/>
+          </a:bodyPr>
+          <a:p>
+            <a:pPr algn="l">
+              <a:lnSpc>
+                <a:spcPct val="150000"/>
+              </a:lnSpc>
+            </a:pPr>
+            <a:r>
+              <a:rPr lang="zh-CN" altLang="en-US" sz="1600" b="1">
+                <a:latin typeface="楷体" panose="02010609060101010101" charset="-122"/>
+                <a:ea typeface="楷体" panose="02010609060101010101" charset="-122"/>
+                <a:cs typeface="楷体" panose="02010609060101010101" charset="-122"/>
+              </a:rPr>
+              <a:t>文档子节点</a:t>
+            </a:r>
+            <a:endParaRPr lang="zh-CN" altLang="en-US" sz="1600" b="1">
+              <a:latin typeface="楷体" panose="02010609060101010101" charset="-122"/>
+              <a:ea typeface="楷体" panose="02010609060101010101" charset="-122"/>
+              <a:cs typeface="楷体" panose="02010609060101010101" charset="-122"/>
+            </a:endParaRPr>
+          </a:p>
+        </p:txBody>
+      </p:sp>
+      <p:sp>
+        <p:nvSpPr>
+          <p:cNvPr id="4" name="文本框 3"/>
+          <p:cNvSpPr txBox="1"/>
+          <p:nvPr/>
+        </p:nvSpPr>
+        <p:spPr>
+          <a:xfrm>
+            <a:off x="2087245" y="1891030"/>
+            <a:ext cx="8715375" cy="1706880"/>
+          </a:xfrm>
+          <a:prstGeom prst="rect">
+            <a:avLst/>
+          </a:prstGeom>
+          <a:noFill/>
+        </p:spPr>
+        <p:txBody>
+          <a:bodyPr wrap="square" rtlCol="0" anchor="t">
+            <a:spAutoFit/>
+          </a:bodyPr>
+          <a:p>
+            <a:pPr marL="285750" indent="-285750">
+              <a:lnSpc>
+                <a:spcPct val="150000"/>
+              </a:lnSpc>
+              <a:buFont typeface="Wingdings" panose="05000000000000000000" charset="0"/>
+              <a:buChar char="l"/>
+            </a:pPr>
+            <a:r>
+              <a:rPr sz="1400"/>
+              <a:t>nodeType 等于 1；</a:t>
+            </a:r>
+            <a:endParaRPr sz="1400"/>
+          </a:p>
+          <a:p>
+            <a:pPr marL="285750" indent="-285750">
+              <a:lnSpc>
+                <a:spcPct val="150000"/>
+              </a:lnSpc>
+              <a:buFont typeface="Wingdings" panose="05000000000000000000" charset="0"/>
+              <a:buChar char="l"/>
+            </a:pPr>
+            <a:r>
+              <a:rPr sz="1400"/>
+              <a:t>nodeName 值为元素的标签名；</a:t>
+            </a:r>
+            <a:endParaRPr sz="1400"/>
+          </a:p>
+          <a:p>
+            <a:pPr marL="285750" indent="-285750">
+              <a:lnSpc>
+                <a:spcPct val="150000"/>
+              </a:lnSpc>
+              <a:buFont typeface="Wingdings" panose="05000000000000000000" charset="0"/>
+              <a:buChar char="l"/>
+            </a:pPr>
+            <a:r>
+              <a:rPr sz="1400"/>
+              <a:t>nodeValue 值为 null；</a:t>
+            </a:r>
+            <a:endParaRPr sz="1400"/>
+          </a:p>
+          <a:p>
+            <a:pPr marL="285750" indent="-285750">
+              <a:lnSpc>
+                <a:spcPct val="150000"/>
+              </a:lnSpc>
+              <a:buFont typeface="Wingdings" panose="05000000000000000000" charset="0"/>
+              <a:buChar char="l"/>
+            </a:pPr>
+            <a:r>
+              <a:rPr sz="1400"/>
+              <a:t>parentNode 值为 Document 或 Element 对象；</a:t>
+            </a:r>
+            <a:endParaRPr sz="1400"/>
+          </a:p>
+          <a:p>
+            <a:pPr marL="285750" indent="-285750">
+              <a:lnSpc>
+                <a:spcPct val="150000"/>
+              </a:lnSpc>
+              <a:buFont typeface="Wingdings" panose="05000000000000000000" charset="0"/>
+              <a:buChar char="l"/>
+            </a:pPr>
+            <a:r>
+              <a:rPr sz="1400"/>
+              <a:t>子节点可以是 Element、Text、Comment、ProcessingInstruction、CDATASection、EntityReference 类型。</a:t>
+            </a:r>
+            <a:endParaRPr sz="1400"/>
+          </a:p>
+        </p:txBody>
+      </p:sp>
+      <p:sp>
+        <p:nvSpPr>
+          <p:cNvPr id="10" name="文本框 9"/>
+          <p:cNvSpPr txBox="1"/>
+          <p:nvPr/>
+        </p:nvSpPr>
+        <p:spPr>
+          <a:xfrm>
+            <a:off x="840740" y="1477010"/>
+            <a:ext cx="10598150" cy="414020"/>
+          </a:xfrm>
+          <a:prstGeom prst="rect">
+            <a:avLst/>
+          </a:prstGeom>
+          <a:noFill/>
+        </p:spPr>
+        <p:txBody>
+          <a:bodyPr wrap="square" rtlCol="0" anchor="t">
+            <a:spAutoFit/>
+          </a:bodyPr>
+          <a:p>
+            <a:pPr>
+              <a:lnSpc>
+                <a:spcPct val="150000"/>
+              </a:lnSpc>
+            </a:pPr>
+            <a:r>
+              <a:rPr lang="zh-CN" altLang="en-US" sz="1400"/>
+              <a:t>Element 表示XML或HTML元素，对外暴露出访问元素标签名、子节点和属性的能力。Element 类型的节点具有以下特征：</a:t>
+            </a:r>
+            <a:endParaRPr lang="zh-CN" altLang="en-US" sz="1400"/>
+          </a:p>
+        </p:txBody>
+      </p:sp>
+      <p:sp>
+        <p:nvSpPr>
+          <p:cNvPr id="5" name="文本框 4"/>
+          <p:cNvSpPr txBox="1"/>
+          <p:nvPr/>
+        </p:nvSpPr>
+        <p:spPr>
+          <a:xfrm>
+            <a:off x="572135" y="3652520"/>
+            <a:ext cx="10657205" cy="414020"/>
+          </a:xfrm>
+          <a:prstGeom prst="rect">
+            <a:avLst/>
+          </a:prstGeom>
+          <a:noFill/>
+        </p:spPr>
+        <p:txBody>
+          <a:bodyPr wrap="square" rtlCol="0" anchor="t">
+            <a:spAutoFit/>
+          </a:bodyPr>
+          <a:p>
+            <a:pPr>
+              <a:lnSpc>
+                <a:spcPct val="150000"/>
+              </a:lnSpc>
+            </a:pPr>
+            <a:r>
+              <a:rPr lang="en-US" altLang="zh-CN" sz="1400">
+                <a:solidFill>
+                  <a:srgbClr val="FF0000"/>
+                </a:solidFill>
+              </a:rPr>
+              <a:t>tips</a:t>
+            </a:r>
+            <a:r>
+              <a:rPr lang="zh-CN" altLang="en-US" sz="1400">
+                <a:solidFill>
+                  <a:srgbClr val="FF0000"/>
+                </a:solidFill>
+              </a:rPr>
+              <a:t>：</a:t>
+            </a:r>
+            <a:r>
+              <a:rPr lang="zh-CN" altLang="en-US" sz="1400"/>
+              <a:t>可以通过 nodeName 或 tagName 属性来获取元素的标签名。这两个属性返回同样的值（添加后一个属性明显是为了不让人误会）。</a:t>
+            </a:r>
+            <a:endParaRPr lang="zh-CN" altLang="en-US" sz="1400"/>
+          </a:p>
+        </p:txBody>
+      </p:sp>
+      <p:sp>
+        <p:nvSpPr>
+          <p:cNvPr id="6" name="文本框 5"/>
+          <p:cNvSpPr txBox="1"/>
+          <p:nvPr/>
+        </p:nvSpPr>
+        <p:spPr>
+          <a:xfrm>
+            <a:off x="626745" y="4168775"/>
+            <a:ext cx="10365105" cy="737235"/>
+          </a:xfrm>
+          <a:prstGeom prst="rect">
+            <a:avLst/>
+          </a:prstGeom>
+          <a:noFill/>
+        </p:spPr>
+        <p:txBody>
+          <a:bodyPr wrap="square" rtlCol="0" anchor="t">
+            <a:spAutoFit/>
+          </a:bodyPr>
+          <a:p>
+            <a:pPr>
+              <a:lnSpc>
+                <a:spcPct val="150000"/>
+              </a:lnSpc>
+            </a:pPr>
+            <a:r>
+              <a:rPr lang="zh-CN" altLang="en-US" sz="1400"/>
+              <a:t>在 HTML 中，元素标签名始终以全大写表示；在 XML（包括 XHTML）中，标签名始终与源代码中的大小写一致。如果不确定脚本是在 HTML 文档还是 XML 文档中运行，最好将标签名转换为小写形式，以便于比较：</a:t>
+            </a:r>
+            <a:endParaRPr lang="zh-CN" altLang="en-US" sz="1400"/>
+          </a:p>
+        </p:txBody>
+      </p:sp>
+      <p:sp>
+        <p:nvSpPr>
+          <p:cNvPr id="7" name="文本框 6"/>
+          <p:cNvSpPr txBox="1"/>
+          <p:nvPr/>
+        </p:nvSpPr>
+        <p:spPr>
+          <a:xfrm>
+            <a:off x="3126740" y="5200015"/>
+            <a:ext cx="5937885" cy="1383665"/>
+          </a:xfrm>
+          <a:prstGeom prst="rect">
+            <a:avLst/>
+          </a:prstGeom>
+        </p:spPr>
+        <p:style>
+          <a:lnRef idx="2">
+            <a:schemeClr val="accent1"/>
+          </a:lnRef>
+          <a:fillRef idx="1">
+            <a:schemeClr val="lt1"/>
+          </a:fillRef>
+          <a:effectRef idx="0">
+            <a:schemeClr val="accent1"/>
+          </a:effectRef>
+          <a:fontRef idx="minor">
+            <a:schemeClr val="dk1"/>
+          </a:fontRef>
+        </p:style>
+        <p:txBody>
+          <a:bodyPr wrap="square" rtlCol="0" anchor="t">
+            <a:spAutoFit/>
+          </a:bodyPr>
+          <a:p>
+            <a:r>
+              <a:rPr lang="zh-CN" altLang="en-US" sz="1400">
+                <a:solidFill>
+                  <a:schemeClr val="tx1"/>
+                </a:solidFill>
+              </a:rPr>
+              <a:t>if (element.tagName == "div"){ </a:t>
+            </a:r>
+            <a:r>
+              <a:rPr lang="zh-CN" altLang="en-US" sz="1400">
+                <a:solidFill>
+                  <a:schemeClr val="accent1"/>
+                </a:solidFill>
+              </a:rPr>
+              <a:t>// 不要这样做，可能出错！</a:t>
+            </a:r>
+            <a:endParaRPr lang="zh-CN" altLang="en-US" sz="1400">
+              <a:solidFill>
+                <a:schemeClr val="accent1"/>
+              </a:solidFill>
+            </a:endParaRPr>
+          </a:p>
+          <a:p>
+            <a:r>
+              <a:rPr lang="zh-CN" altLang="en-US" sz="1400">
+                <a:solidFill>
+                  <a:schemeClr val="tx1"/>
+                </a:solidFill>
+              </a:rPr>
+              <a:t> </a:t>
+            </a:r>
+            <a:r>
+              <a:rPr lang="en-US" altLang="zh-CN" sz="1400">
+                <a:solidFill>
+                  <a:schemeClr val="tx1"/>
+                </a:solidFill>
+              </a:rPr>
+              <a:t>      </a:t>
+            </a:r>
+            <a:r>
+              <a:rPr lang="zh-CN" altLang="en-US" sz="1400">
+                <a:solidFill>
+                  <a:schemeClr val="tx1"/>
+                </a:solidFill>
+              </a:rPr>
+              <a:t>// do something here</a:t>
+            </a:r>
+            <a:endParaRPr lang="zh-CN" altLang="en-US" sz="1400">
+              <a:solidFill>
+                <a:schemeClr val="tx1"/>
+              </a:solidFill>
+            </a:endParaRPr>
+          </a:p>
+          <a:p>
+            <a:r>
+              <a:rPr lang="zh-CN" altLang="en-US" sz="1400">
+                <a:solidFill>
+                  <a:schemeClr val="tx1"/>
+                </a:solidFill>
+              </a:rPr>
+              <a:t>}</a:t>
+            </a:r>
+            <a:endParaRPr lang="zh-CN" altLang="en-US" sz="1400">
+              <a:solidFill>
+                <a:schemeClr val="tx1"/>
+              </a:solidFill>
+            </a:endParaRPr>
+          </a:p>
+          <a:p>
+            <a:r>
+              <a:rPr lang="zh-CN" altLang="en-US" sz="1400">
+                <a:solidFill>
+                  <a:schemeClr val="tx1"/>
+                </a:solidFill>
+              </a:rPr>
+              <a:t>if (element.tagName.toLowerCase() == "div"){ </a:t>
+            </a:r>
+            <a:r>
+              <a:rPr lang="zh-CN" altLang="en-US" sz="1400">
+                <a:solidFill>
+                  <a:schemeClr val="accent1"/>
+                </a:solidFill>
+              </a:rPr>
+              <a:t>// 推荐，适用于所有文档</a:t>
+            </a:r>
+            <a:endParaRPr lang="zh-CN" altLang="en-US" sz="1400">
+              <a:solidFill>
+                <a:schemeClr val="accent1"/>
+              </a:solidFill>
+            </a:endParaRPr>
+          </a:p>
+          <a:p>
+            <a:r>
+              <a:rPr lang="zh-CN" altLang="en-US" sz="1400">
+                <a:solidFill>
+                  <a:schemeClr val="tx1"/>
+                </a:solidFill>
+              </a:rPr>
+              <a:t> </a:t>
+            </a:r>
+            <a:r>
+              <a:rPr lang="en-US" altLang="zh-CN" sz="1400">
+                <a:solidFill>
+                  <a:schemeClr val="tx1"/>
+                </a:solidFill>
+              </a:rPr>
+              <a:t>     </a:t>
+            </a:r>
+            <a:r>
+              <a:rPr lang="zh-CN" altLang="en-US" sz="1400">
+                <a:solidFill>
+                  <a:schemeClr val="tx1"/>
+                </a:solidFill>
+              </a:rPr>
+              <a:t>// 做点什么</a:t>
+            </a:r>
+            <a:endParaRPr lang="zh-CN" altLang="en-US" sz="1400">
+              <a:solidFill>
+                <a:schemeClr val="tx1"/>
+              </a:solidFill>
+            </a:endParaRPr>
+          </a:p>
+          <a:p>
+            <a:r>
+              <a:rPr lang="zh-CN" altLang="en-US" sz="1400">
+                <a:solidFill>
+                  <a:schemeClr val="tx1"/>
+                </a:solidFill>
+              </a:rPr>
+              <a:t>} </a:t>
+            </a:r>
+            <a:endParaRPr lang="zh-CN" altLang="en-US" sz="1400">
+              <a:solidFill>
+                <a:schemeClr val="tx1"/>
+              </a:solidFill>
+            </a:endParaRPr>
+          </a:p>
+        </p:txBody>
+      </p:sp>
+    </p:spTree>
+    <p:custDataLst>
+      <p:tags r:id="rId1"/>
+    </p:custDataLst>
+  </p:cSld>
+  <p:clrMapOvr>
+    <a:masterClrMapping/>
+  </p:clrMapOvr>
+</p:sld>
+</file>
+
+<file path=ppt/slides/slide17.xml><?xml version="1.0" encoding="utf-8"?>
+<p:sld xmlns:a="http://schemas.openxmlformats.org/drawingml/2006/main" xmlns:r="http://schemas.openxmlformats.org/officeDocument/2006/relationships" xmlns:p="http://schemas.openxmlformats.org/presentationml/2006/main">
+  <p:cSld>
+    <p:spTree>
+      <p:nvGrpSpPr>
+        <p:cNvPr id="1" name=""/>
+        <p:cNvGrpSpPr/>
+        <p:nvPr/>
+      </p:nvGrpSpPr>
+      <p:grpSpPr/>
+      <p:sp>
+        <p:nvSpPr>
+          <p:cNvPr id="3" name="文本框 2"/>
+          <p:cNvSpPr txBox="1"/>
+          <p:nvPr/>
+        </p:nvSpPr>
+        <p:spPr>
+          <a:xfrm>
+            <a:off x="463550" y="125730"/>
+            <a:ext cx="7962265" cy="521970"/>
+          </a:xfrm>
+          <a:prstGeom prst="rect">
+            <a:avLst/>
+          </a:prstGeom>
+          <a:noFill/>
+        </p:spPr>
+        <p:txBody>
+          <a:bodyPr wrap="square" rtlCol="0">
+            <a:spAutoFit/>
+          </a:bodyPr>
+          <a:p>
+            <a:r>
+              <a:rPr lang="en-US" altLang="zh-CN" sz="2800" b="1">
+                <a:solidFill>
+                  <a:schemeClr val="tx1"/>
+                </a:solidFill>
+                <a:effectLst>
+                  <a:outerShdw blurRad="38100" dist="19050" dir="2700000" algn="tl" rotWithShape="0">
+                    <a:schemeClr val="dk1">
+                      <a:alpha val="40000"/>
+                    </a:schemeClr>
+                  </a:outerShdw>
+                </a:effectLst>
+              </a:rPr>
+              <a:t>4</a:t>
+            </a:r>
+            <a:r>
+              <a:rPr lang="zh-CN" sz="2800" b="1">
+                <a:solidFill>
+                  <a:schemeClr val="tx1"/>
+                </a:solidFill>
+                <a:effectLst>
+                  <a:outerShdw blurRad="38100" dist="19050" dir="2700000" algn="tl" rotWithShape="0">
+                    <a:schemeClr val="dk1">
+                      <a:alpha val="40000"/>
+                    </a:schemeClr>
+                  </a:outerShdw>
+                </a:effectLst>
+              </a:rPr>
+              <a:t>、</a:t>
+            </a:r>
+            <a:r>
+              <a:rPr lang="en-US" altLang="zh-CN" sz="2800" b="1">
+                <a:solidFill>
+                  <a:schemeClr val="tx1"/>
+                </a:solidFill>
+                <a:effectLst>
+                  <a:outerShdw blurRad="38100" dist="19050" dir="2700000" algn="tl" rotWithShape="0">
+                    <a:schemeClr val="dk1">
+                      <a:alpha val="40000"/>
+                    </a:schemeClr>
+                  </a:outerShdw>
+                </a:effectLst>
+              </a:rPr>
+              <a:t>Element</a:t>
+            </a:r>
+            <a:r>
+              <a:rPr lang="zh-CN" sz="2800" b="1">
+                <a:latin typeface="方正舒体" panose="02010601030101010101" charset="-122"/>
+                <a:ea typeface="方正舒体" panose="02010601030101010101" charset="-122"/>
+                <a:cs typeface="方正舒体" panose="02010601030101010101" charset="-122"/>
+                <a:sym typeface="+mn-ea"/>
+              </a:rPr>
+              <a:t> 类型</a:t>
+            </a:r>
+            <a:endParaRPr lang="zh-CN" sz="2800" b="1">
+              <a:latin typeface="方正舒体" panose="02010601030101010101" charset="-122"/>
+              <a:ea typeface="方正舒体" panose="02010601030101010101" charset="-122"/>
+              <a:cs typeface="方正舒体" panose="02010601030101010101" charset="-122"/>
+              <a:sym typeface="+mn-ea"/>
+            </a:endParaRPr>
+          </a:p>
+        </p:txBody>
+      </p:sp>
+      <p:sp>
+        <p:nvSpPr>
+          <p:cNvPr id="2" name="文本框 1"/>
+          <p:cNvSpPr txBox="1"/>
+          <p:nvPr/>
+        </p:nvSpPr>
+        <p:spPr>
+          <a:xfrm>
+            <a:off x="840740" y="759460"/>
+            <a:ext cx="10511155" cy="460375"/>
+          </a:xfrm>
+          <a:prstGeom prst="rect">
+            <a:avLst/>
+          </a:prstGeom>
+          <a:noFill/>
+        </p:spPr>
+        <p:txBody>
+          <a:bodyPr wrap="square" rtlCol="0">
+            <a:spAutoFit/>
+          </a:bodyPr>
+          <a:p>
+            <a:pPr algn="l">
+              <a:lnSpc>
+                <a:spcPct val="150000"/>
+              </a:lnSpc>
+            </a:pPr>
+            <a:r>
+              <a:rPr lang="en-US" altLang="zh-CN" sz="1600" b="1">
+                <a:latin typeface="楷体" panose="02010609060101010101" charset="-122"/>
+                <a:ea typeface="楷体" panose="02010609060101010101" charset="-122"/>
+                <a:cs typeface="楷体" panose="02010609060101010101" charset="-122"/>
+              </a:rPr>
+              <a:t>HTML</a:t>
+            </a:r>
+            <a:r>
+              <a:rPr lang="zh-CN" altLang="en-US" sz="1600" b="1">
+                <a:latin typeface="楷体" panose="02010609060101010101" charset="-122"/>
+                <a:ea typeface="楷体" panose="02010609060101010101" charset="-122"/>
+                <a:cs typeface="楷体" panose="02010609060101010101" charset="-122"/>
+              </a:rPr>
+              <a:t>元素</a:t>
+            </a:r>
+            <a:endParaRPr lang="zh-CN" altLang="en-US" sz="1600" b="1">
+              <a:latin typeface="楷体" panose="02010609060101010101" charset="-122"/>
+              <a:ea typeface="楷体" panose="02010609060101010101" charset="-122"/>
+              <a:cs typeface="楷体" panose="02010609060101010101" charset="-122"/>
+            </a:endParaRPr>
+          </a:p>
+        </p:txBody>
+      </p:sp>
+      <p:sp>
+        <p:nvSpPr>
+          <p:cNvPr id="10" name="文本框 9"/>
+          <p:cNvSpPr txBox="1"/>
+          <p:nvPr/>
+        </p:nvSpPr>
+        <p:spPr>
+          <a:xfrm>
+            <a:off x="841375" y="1219835"/>
+            <a:ext cx="10395585" cy="737235"/>
+          </a:xfrm>
+          <a:prstGeom prst="rect">
+            <a:avLst/>
+          </a:prstGeom>
+          <a:noFill/>
+        </p:spPr>
+        <p:txBody>
+          <a:bodyPr wrap="square" rtlCol="0" anchor="t">
+            <a:spAutoFit/>
+          </a:bodyPr>
+          <a:p>
+            <a:pPr>
+              <a:lnSpc>
+                <a:spcPct val="150000"/>
+              </a:lnSpc>
+            </a:pPr>
+            <a:r>
+              <a:rPr lang="zh-CN" altLang="en-US" sz="1400"/>
+              <a:t>所有 HTML 元素都通过 HTMLElement 类型表示，包括其直接实例和间接实例。另外，HTMLElement直接继承 Element 并增加了一些属性。每个属性都对应下列属性之一，它们是所有 HTML 元素上都有的标准属性：</a:t>
+            </a:r>
+            <a:endParaRPr lang="zh-CN" altLang="en-US" sz="1400"/>
+          </a:p>
+        </p:txBody>
+      </p:sp>
+      <p:graphicFrame>
+        <p:nvGraphicFramePr>
+          <p:cNvPr id="5" name="表格 4"/>
+          <p:cNvGraphicFramePr/>
+          <p:nvPr>
+            <p:custDataLst>
+              <p:tags r:id="rId1"/>
+            </p:custDataLst>
+          </p:nvPr>
+        </p:nvGraphicFramePr>
+        <p:xfrm>
+          <a:off x="335915" y="2098675"/>
+          <a:ext cx="5782310" cy="3205480"/>
+        </p:xfrm>
+        <a:graphic>
+          <a:graphicData uri="http://schemas.openxmlformats.org/drawingml/2006/table">
+            <a:tbl>
+              <a:tblPr firstRow="1" bandRow="1">
+                <a:tableStyleId>{5C22544A-7EE6-4342-B048-85BDC9FD1C3A}</a:tableStyleId>
+              </a:tblPr>
+              <a:tblGrid>
+                <a:gridCol w="1455420"/>
+                <a:gridCol w="4326890"/>
+              </a:tblGrid>
+              <a:tr h="461010">
+                <a:tc>
+                  <a:txBody>
+                    <a:bodyPr/>
+                    <a:p>
+                      <a:pPr>
+                        <a:buNone/>
+                      </a:pPr>
+                      <a:r>
+                        <a:rPr lang="zh-CN" altLang="en-US"/>
+                        <a:t>属性</a:t>
+                      </a:r>
+                      <a:endParaRPr lang="zh-CN" altLang="en-US"/>
+                    </a:p>
+                  </a:txBody>
+                  <a:tcPr/>
+                </a:tc>
+                <a:tc>
+                  <a:txBody>
+                    <a:bodyPr/>
+                    <a:p>
+                      <a:pPr>
+                        <a:buNone/>
+                      </a:pPr>
+                      <a:r>
+                        <a:rPr lang="zh-CN" altLang="en-US"/>
+                        <a:t>说明</a:t>
+                      </a:r>
+                      <a:endParaRPr lang="zh-CN" altLang="en-US"/>
+                    </a:p>
+                  </a:txBody>
+                  <a:tcPr/>
+                </a:tc>
+              </a:tr>
+              <a:tr h="518160">
+                <a:tc>
+                  <a:txBody>
+                    <a:bodyPr/>
+                    <a:p>
+                      <a:pPr>
+                        <a:buNone/>
+                      </a:pPr>
+                      <a:r>
+                        <a:rPr lang="en-US" altLang="zh-CN"/>
+                        <a:t>id</a:t>
+                      </a:r>
+                      <a:endParaRPr lang="en-US" altLang="zh-CN"/>
+                    </a:p>
+                  </a:txBody>
+                  <a:tcPr/>
+                </a:tc>
+                <a:tc>
+                  <a:txBody>
+                    <a:bodyPr/>
+                    <a:p>
+                      <a:pPr>
+                        <a:lnSpc>
+                          <a:spcPct val="150000"/>
+                        </a:lnSpc>
+                        <a:buNone/>
+                      </a:pPr>
+                      <a:r>
+                        <a:rPr lang="zh-CN" altLang="en-US" sz="1200"/>
+                        <a:t>元素在文档中的唯一标识符；</a:t>
+                      </a:r>
+                      <a:endParaRPr lang="zh-CN" altLang="en-US" sz="1200"/>
+                    </a:p>
+                  </a:txBody>
+                  <a:tcPr/>
+                </a:tc>
+              </a:tr>
+              <a:tr h="473075">
+                <a:tc>
+                  <a:txBody>
+                    <a:bodyPr/>
+                    <a:p>
+                      <a:pPr>
+                        <a:buNone/>
+                      </a:pPr>
+                      <a:r>
+                        <a:rPr lang="en-US" altLang="zh-CN"/>
+                        <a:t>title</a:t>
+                      </a:r>
+                      <a:endParaRPr lang="en-US" altLang="zh-CN"/>
+                    </a:p>
+                  </a:txBody>
+                  <a:tcPr/>
+                </a:tc>
+                <a:tc>
+                  <a:txBody>
+                    <a:bodyPr/>
+                    <a:p>
+                      <a:pPr>
+                        <a:lnSpc>
+                          <a:spcPct val="150000"/>
+                        </a:lnSpc>
+                        <a:buNone/>
+                      </a:pPr>
+                      <a:r>
+                        <a:rPr lang="zh-CN" altLang="en-US" sz="1200"/>
+                        <a:t>包含元素的额外信息，通常以提示条形式展示；</a:t>
+                      </a:r>
+                      <a:endParaRPr lang="zh-CN" altLang="en-US" sz="1200"/>
+                    </a:p>
+                  </a:txBody>
+                  <a:tcPr/>
+                </a:tc>
+              </a:tr>
+              <a:tr h="473075">
+                <a:tc>
+                  <a:txBody>
+                    <a:bodyPr/>
+                    <a:p>
+                      <a:pPr>
+                        <a:buNone/>
+                      </a:pPr>
+                      <a:r>
+                        <a:rPr lang="en-US" altLang="zh-CN"/>
+                        <a:t>lang</a:t>
+                      </a:r>
+                      <a:endParaRPr lang="en-US" altLang="zh-CN"/>
+                    </a:p>
+                  </a:txBody>
+                  <a:tcPr/>
+                </a:tc>
+                <a:tc>
+                  <a:txBody>
+                    <a:bodyPr/>
+                    <a:p>
+                      <a:pPr>
+                        <a:lnSpc>
+                          <a:spcPct val="150000"/>
+                        </a:lnSpc>
+                        <a:buNone/>
+                      </a:pPr>
+                      <a:r>
+                        <a:rPr lang="zh-CN" altLang="en-US" sz="1200"/>
+                        <a:t>元素内容的语言代码（很少用）；</a:t>
+                      </a:r>
+                      <a:endParaRPr lang="zh-CN" altLang="en-US" sz="1200"/>
+                    </a:p>
+                  </a:txBody>
+                  <a:tcPr/>
+                </a:tc>
+              </a:tr>
+              <a:tr h="473075">
+                <a:tc>
+                  <a:txBody>
+                    <a:bodyPr/>
+                    <a:p>
+                      <a:pPr>
+                        <a:buNone/>
+                      </a:pPr>
+                      <a:r>
+                        <a:rPr lang="en-US" altLang="zh-CN"/>
+                        <a:t>dir</a:t>
+                      </a:r>
+                      <a:endParaRPr lang="en-US" altLang="zh-CN"/>
+                    </a:p>
+                  </a:txBody>
+                  <a:tcPr/>
+                </a:tc>
+                <a:tc>
+                  <a:txBody>
+                    <a:bodyPr/>
+                    <a:p>
+                      <a:pPr>
+                        <a:lnSpc>
+                          <a:spcPct val="150000"/>
+                        </a:lnSpc>
+                        <a:buNone/>
+                      </a:pPr>
+                      <a:r>
+                        <a:rPr lang="zh-CN" altLang="en-US" sz="1200"/>
+                        <a:t>语言的书写方向（"ltr"表示从左到右，"rtl"表示从右到左，同样很少用）；</a:t>
+                      </a:r>
+                      <a:endParaRPr lang="zh-CN" altLang="en-US" sz="1200"/>
+                    </a:p>
+                  </a:txBody>
+                  <a:tcPr/>
+                </a:tc>
+              </a:tr>
+              <a:tr h="473075">
+                <a:tc>
+                  <a:txBody>
+                    <a:bodyPr/>
+                    <a:p>
+                      <a:pPr>
+                        <a:buNone/>
+                      </a:pPr>
+                      <a:r>
+                        <a:rPr lang="en-US" altLang="zh-CN"/>
+                        <a:t>className</a:t>
+                      </a:r>
+                      <a:endParaRPr lang="en-US" altLang="zh-CN"/>
+                    </a:p>
+                  </a:txBody>
+                  <a:tcPr/>
+                </a:tc>
+                <a:tc>
+                  <a:txBody>
+                    <a:bodyPr/>
+                    <a:p>
+                      <a:pPr>
+                        <a:lnSpc>
+                          <a:spcPct val="150000"/>
+                        </a:lnSpc>
+                        <a:buNone/>
+                      </a:pPr>
+                      <a:r>
+                        <a:rPr lang="zh-CN" altLang="en-US" sz="1200"/>
+                        <a:t>相当于 class 属性，用于指定元素的 CSS 类（因为 class 是 ECMAScript 关键字，所以不能直接用这个名字）。</a:t>
+                      </a:r>
+                      <a:endParaRPr lang="zh-CN" altLang="en-US" sz="1200"/>
+                    </a:p>
+                  </a:txBody>
+                  <a:tcPr/>
+                </a:tc>
+              </a:tr>
+            </a:tbl>
+          </a:graphicData>
+        </a:graphic>
+      </p:graphicFrame>
+      <p:sp>
+        <p:nvSpPr>
+          <p:cNvPr id="4" name="文本框 3"/>
+          <p:cNvSpPr txBox="1"/>
+          <p:nvPr/>
+        </p:nvSpPr>
+        <p:spPr>
+          <a:xfrm>
+            <a:off x="335915" y="5949950"/>
+            <a:ext cx="5914390" cy="306705"/>
+          </a:xfrm>
+          <a:prstGeom prst="rect">
+            <a:avLst/>
+          </a:prstGeom>
+          <a:noFill/>
+        </p:spPr>
+        <p:txBody>
+          <a:bodyPr wrap="square" rtlCol="0" anchor="t">
+            <a:spAutoFit/>
+          </a:bodyPr>
+          <a:p>
+            <a:r>
+              <a:rPr lang="en-US" altLang="zh-CN" sz="1400">
+                <a:solidFill>
+                  <a:srgbClr val="FF0000"/>
+                </a:solidFill>
+              </a:rPr>
+              <a:t>tips</a:t>
+            </a:r>
+            <a:r>
+              <a:rPr lang="zh-CN" altLang="en-US" sz="1400">
+                <a:solidFill>
+                  <a:srgbClr val="FF0000"/>
+                </a:solidFill>
+              </a:rPr>
+              <a:t>：</a:t>
+            </a:r>
+            <a:r>
+              <a:rPr lang="zh-CN" altLang="en-US" sz="1400"/>
+              <a:t>所有这些都可以用来获取对应的属性值，也可以用来修改相应的值。</a:t>
+            </a:r>
+            <a:endParaRPr lang="zh-CN" altLang="en-US" sz="1400"/>
+          </a:p>
+        </p:txBody>
+      </p:sp>
+      <p:sp>
+        <p:nvSpPr>
+          <p:cNvPr id="6" name="文本框 5"/>
+          <p:cNvSpPr txBox="1"/>
+          <p:nvPr/>
+        </p:nvSpPr>
+        <p:spPr>
+          <a:xfrm>
+            <a:off x="6463665" y="2098675"/>
+            <a:ext cx="5436235" cy="4615815"/>
+          </a:xfrm>
+          <a:prstGeom prst="rect">
+            <a:avLst/>
+          </a:prstGeom>
+        </p:spPr>
+        <p:style>
+          <a:lnRef idx="2">
+            <a:schemeClr val="accent1"/>
+          </a:lnRef>
+          <a:fillRef idx="1">
+            <a:schemeClr val="lt1"/>
+          </a:fillRef>
+          <a:effectRef idx="0">
+            <a:schemeClr val="accent1"/>
+          </a:effectRef>
+          <a:fontRef idx="minor">
+            <a:schemeClr val="dk1"/>
+          </a:fontRef>
+        </p:style>
+        <p:txBody>
+          <a:bodyPr wrap="square" rtlCol="0" anchor="t">
+            <a:spAutoFit/>
+          </a:bodyPr>
+          <a:p>
+            <a:pPr>
+              <a:lnSpc>
+                <a:spcPct val="150000"/>
+              </a:lnSpc>
+            </a:pPr>
+            <a:r>
+              <a:rPr lang="zh-CN" altLang="en-US" sz="1400"/>
+              <a:t>&lt;div id="myDiv" class="bd" title="Body text" lang="en"</a:t>
+            </a:r>
+            <a:r>
+              <a:rPr lang="en-US" altLang="zh-CN" sz="1400"/>
+              <a:t> </a:t>
+            </a:r>
+            <a:r>
+              <a:rPr lang="zh-CN" altLang="en-US" sz="1400"/>
+              <a:t>dir="ltr"&gt;&lt;/div&gt;</a:t>
+            </a:r>
+            <a:endParaRPr lang="zh-CN" altLang="en-US" sz="1400"/>
+          </a:p>
+          <a:p>
+            <a:pPr>
+              <a:lnSpc>
+                <a:spcPct val="150000"/>
+              </a:lnSpc>
+            </a:pPr>
+            <a:r>
+              <a:rPr lang="zh-CN" altLang="en-US" sz="1400">
+                <a:solidFill>
+                  <a:schemeClr val="accent1"/>
+                </a:solidFill>
+              </a:rPr>
+              <a:t>这个元素中的所有属性都可以使用下列 JavaScript 代码读取：</a:t>
+            </a:r>
+            <a:endParaRPr lang="zh-CN" altLang="en-US" sz="1400">
+              <a:solidFill>
+                <a:schemeClr val="accent1"/>
+              </a:solidFill>
+            </a:endParaRPr>
+          </a:p>
+          <a:p>
+            <a:pPr>
+              <a:lnSpc>
+                <a:spcPct val="150000"/>
+              </a:lnSpc>
+            </a:pPr>
+            <a:r>
+              <a:rPr lang="zh-CN" altLang="en-US" sz="1400"/>
+              <a:t>let div = document.getElementById("myDiv");</a:t>
+            </a:r>
+            <a:endParaRPr lang="zh-CN" altLang="en-US" sz="1400"/>
+          </a:p>
+          <a:p>
+            <a:pPr>
+              <a:lnSpc>
+                <a:spcPct val="150000"/>
+              </a:lnSpc>
+            </a:pPr>
+            <a:r>
+              <a:rPr lang="zh-CN" altLang="en-US" sz="1400"/>
+              <a:t>alert(div.id); // "myDiv"</a:t>
+            </a:r>
+            <a:endParaRPr lang="zh-CN" altLang="en-US" sz="1400"/>
+          </a:p>
+          <a:p>
+            <a:pPr>
+              <a:lnSpc>
+                <a:spcPct val="150000"/>
+              </a:lnSpc>
+            </a:pPr>
+            <a:r>
+              <a:rPr lang="zh-CN" altLang="en-US" sz="1400"/>
+              <a:t>alert(div.className); // "bd"</a:t>
+            </a:r>
+            <a:endParaRPr lang="zh-CN" altLang="en-US" sz="1400"/>
+          </a:p>
+          <a:p>
+            <a:pPr>
+              <a:lnSpc>
+                <a:spcPct val="150000"/>
+              </a:lnSpc>
+            </a:pPr>
+            <a:r>
+              <a:rPr lang="zh-CN" altLang="en-US" sz="1400"/>
+              <a:t>alert(div.title); // "Body text"</a:t>
+            </a:r>
+            <a:endParaRPr lang="zh-CN" altLang="en-US" sz="1400"/>
+          </a:p>
+          <a:p>
+            <a:pPr>
+              <a:lnSpc>
+                <a:spcPct val="150000"/>
+              </a:lnSpc>
+            </a:pPr>
+            <a:r>
+              <a:rPr lang="zh-CN" altLang="en-US" sz="1400"/>
+              <a:t>alert(div.lang); // "en"</a:t>
+            </a:r>
+            <a:endParaRPr lang="zh-CN" altLang="en-US" sz="1400"/>
+          </a:p>
+          <a:p>
+            <a:pPr>
+              <a:lnSpc>
+                <a:spcPct val="150000"/>
+              </a:lnSpc>
+            </a:pPr>
+            <a:r>
+              <a:rPr lang="zh-CN" altLang="en-US" sz="1400"/>
+              <a:t>alert(div.dir); // "ltr"</a:t>
+            </a:r>
+            <a:endParaRPr lang="zh-CN" altLang="en-US" sz="1400"/>
+          </a:p>
+          <a:p>
+            <a:pPr>
+              <a:lnSpc>
+                <a:spcPct val="150000"/>
+              </a:lnSpc>
+            </a:pPr>
+            <a:r>
+              <a:rPr lang="zh-CN" altLang="en-US" sz="1400">
+                <a:solidFill>
+                  <a:schemeClr val="accent1"/>
+                </a:solidFill>
+              </a:rPr>
+              <a:t>而且，可以使用下列代码修改元素的属性：</a:t>
+            </a:r>
+            <a:endParaRPr lang="zh-CN" altLang="en-US" sz="1400">
+              <a:solidFill>
+                <a:schemeClr val="accent1"/>
+              </a:solidFill>
+            </a:endParaRPr>
+          </a:p>
+          <a:p>
+            <a:pPr>
+              <a:lnSpc>
+                <a:spcPct val="150000"/>
+              </a:lnSpc>
+            </a:pPr>
+            <a:r>
+              <a:rPr lang="zh-CN" altLang="en-US" sz="1400"/>
+              <a:t>div.id = "someOtherId";</a:t>
+            </a:r>
+            <a:endParaRPr lang="zh-CN" altLang="en-US" sz="1400"/>
+          </a:p>
+          <a:p>
+            <a:pPr>
+              <a:lnSpc>
+                <a:spcPct val="150000"/>
+              </a:lnSpc>
+            </a:pPr>
+            <a:r>
+              <a:rPr lang="zh-CN" altLang="en-US" sz="1400"/>
+              <a:t>div.className = "ft";</a:t>
+            </a:r>
+            <a:endParaRPr lang="zh-CN" altLang="en-US" sz="1400"/>
+          </a:p>
+          <a:p>
+            <a:pPr>
+              <a:lnSpc>
+                <a:spcPct val="150000"/>
+              </a:lnSpc>
+            </a:pPr>
+            <a:r>
+              <a:rPr lang="zh-CN" altLang="en-US" sz="1400"/>
+              <a:t>div.title = "Some other text";</a:t>
+            </a:r>
+            <a:endParaRPr lang="zh-CN" altLang="en-US" sz="1400"/>
+          </a:p>
+          <a:p>
+            <a:pPr>
+              <a:lnSpc>
+                <a:spcPct val="150000"/>
+              </a:lnSpc>
+            </a:pPr>
+            <a:r>
+              <a:rPr lang="zh-CN" altLang="en-US" sz="1400"/>
+              <a:t>div.lang = "fr";</a:t>
+            </a:r>
+            <a:endParaRPr lang="zh-CN" altLang="en-US" sz="1400"/>
+          </a:p>
+          <a:p>
+            <a:pPr>
+              <a:lnSpc>
+                <a:spcPct val="150000"/>
+              </a:lnSpc>
+            </a:pPr>
+            <a:r>
+              <a:rPr lang="zh-CN" altLang="en-US" sz="1400"/>
+              <a:t>div.dir ="rtl"; </a:t>
+            </a:r>
+            <a:endParaRPr lang="zh-CN" altLang="en-US" sz="1400"/>
+          </a:p>
+        </p:txBody>
+      </p:sp>
+    </p:spTree>
+    <p:custDataLst>
+      <p:tags r:id="rId2"/>
+    </p:custDataLst>
+  </p:cSld>
+  <p:clrMapOvr>
+    <a:masterClrMapping/>
+  </p:clrMapOvr>
+</p:sld>
+</file>
+
+<file path=ppt/slides/slide18.xml><?xml version="1.0" encoding="utf-8"?>
+<p:sld xmlns:a="http://schemas.openxmlformats.org/drawingml/2006/main" xmlns:r="http://schemas.openxmlformats.org/officeDocument/2006/relationships" xmlns:p="http://schemas.openxmlformats.org/presentationml/2006/main">
+  <p:cSld>
+    <p:spTree>
+      <p:nvGrpSpPr>
+        <p:cNvPr id="1" name=""/>
+        <p:cNvGrpSpPr/>
+        <p:nvPr/>
+      </p:nvGrpSpPr>
+      <p:grpSpPr/>
+      <p:sp>
+        <p:nvSpPr>
+          <p:cNvPr id="3" name="文本框 2"/>
+          <p:cNvSpPr txBox="1"/>
+          <p:nvPr/>
+        </p:nvSpPr>
+        <p:spPr>
+          <a:xfrm>
+            <a:off x="463550" y="125730"/>
+            <a:ext cx="7962265" cy="521970"/>
+          </a:xfrm>
+          <a:prstGeom prst="rect">
+            <a:avLst/>
+          </a:prstGeom>
+          <a:noFill/>
+        </p:spPr>
+        <p:txBody>
+          <a:bodyPr wrap="square" rtlCol="0">
+            <a:spAutoFit/>
+          </a:bodyPr>
+          <a:p>
+            <a:r>
+              <a:rPr lang="en-US" altLang="zh-CN" sz="2800" b="1">
+                <a:solidFill>
+                  <a:schemeClr val="tx1"/>
+                </a:solidFill>
+                <a:effectLst>
+                  <a:outerShdw blurRad="38100" dist="19050" dir="2700000" algn="tl" rotWithShape="0">
+                    <a:schemeClr val="dk1">
+                      <a:alpha val="40000"/>
+                    </a:schemeClr>
+                  </a:outerShdw>
+                </a:effectLst>
+              </a:rPr>
+              <a:t>4</a:t>
+            </a:r>
+            <a:r>
+              <a:rPr lang="zh-CN" sz="2800" b="1">
+                <a:solidFill>
+                  <a:schemeClr val="tx1"/>
+                </a:solidFill>
+                <a:effectLst>
+                  <a:outerShdw blurRad="38100" dist="19050" dir="2700000" algn="tl" rotWithShape="0">
+                    <a:schemeClr val="dk1">
+                      <a:alpha val="40000"/>
+                    </a:schemeClr>
+                  </a:outerShdw>
+                </a:effectLst>
+              </a:rPr>
+              <a:t>、</a:t>
+            </a:r>
+            <a:r>
+              <a:rPr lang="en-US" altLang="zh-CN" sz="2800" b="1">
+                <a:solidFill>
+                  <a:schemeClr val="tx1"/>
+                </a:solidFill>
+                <a:effectLst>
+                  <a:outerShdw blurRad="38100" dist="19050" dir="2700000" algn="tl" rotWithShape="0">
+                    <a:schemeClr val="dk1">
+                      <a:alpha val="40000"/>
+                    </a:schemeClr>
+                  </a:outerShdw>
+                </a:effectLst>
+              </a:rPr>
+              <a:t>Element</a:t>
+            </a:r>
+            <a:r>
+              <a:rPr lang="zh-CN" sz="2800" b="1">
+                <a:latin typeface="方正舒体" panose="02010601030101010101" charset="-122"/>
+                <a:ea typeface="方正舒体" panose="02010601030101010101" charset="-122"/>
+                <a:cs typeface="方正舒体" panose="02010601030101010101" charset="-122"/>
+                <a:sym typeface="+mn-ea"/>
+              </a:rPr>
+              <a:t> 类型</a:t>
+            </a:r>
+            <a:endParaRPr lang="zh-CN" sz="2800" b="1">
+              <a:latin typeface="方正舒体" panose="02010601030101010101" charset="-122"/>
+              <a:ea typeface="方正舒体" panose="02010601030101010101" charset="-122"/>
+              <a:cs typeface="方正舒体" panose="02010601030101010101" charset="-122"/>
+              <a:sym typeface="+mn-ea"/>
+            </a:endParaRPr>
+          </a:p>
+        </p:txBody>
+      </p:sp>
+      <p:sp>
+        <p:nvSpPr>
+          <p:cNvPr id="2" name="文本框 1"/>
+          <p:cNvSpPr txBox="1"/>
+          <p:nvPr/>
+        </p:nvSpPr>
+        <p:spPr>
+          <a:xfrm>
+            <a:off x="840740" y="759460"/>
+            <a:ext cx="10511155" cy="460375"/>
+          </a:xfrm>
+          <a:prstGeom prst="rect">
+            <a:avLst/>
+          </a:prstGeom>
+          <a:noFill/>
+        </p:spPr>
+        <p:txBody>
+          <a:bodyPr wrap="square" rtlCol="0">
+            <a:spAutoFit/>
+          </a:bodyPr>
+          <a:p>
+            <a:pPr algn="l">
+              <a:lnSpc>
+                <a:spcPct val="150000"/>
+              </a:lnSpc>
+            </a:pPr>
+            <a:r>
+              <a:rPr lang="zh-CN" altLang="en-US" sz="1600" b="1">
+                <a:latin typeface="楷体" panose="02010609060101010101" charset="-122"/>
+                <a:ea typeface="楷体" panose="02010609060101010101" charset="-122"/>
+                <a:cs typeface="楷体" panose="02010609060101010101" charset="-122"/>
+              </a:rPr>
+              <a:t>属性</a:t>
+            </a:r>
+            <a:endParaRPr lang="zh-CN" altLang="en-US" sz="1600" b="1">
+              <a:latin typeface="楷体" panose="02010609060101010101" charset="-122"/>
+              <a:ea typeface="楷体" panose="02010609060101010101" charset="-122"/>
+              <a:cs typeface="楷体" panose="02010609060101010101" charset="-122"/>
+            </a:endParaRPr>
+          </a:p>
+        </p:txBody>
+      </p:sp>
+      <p:sp>
+        <p:nvSpPr>
+          <p:cNvPr id="10" name="文本框 9"/>
+          <p:cNvSpPr txBox="1"/>
+          <p:nvPr/>
+        </p:nvSpPr>
+        <p:spPr>
+          <a:xfrm>
+            <a:off x="841375" y="1219835"/>
+            <a:ext cx="10395585" cy="414020"/>
+          </a:xfrm>
+          <a:prstGeom prst="rect">
+            <a:avLst/>
+          </a:prstGeom>
+          <a:noFill/>
+        </p:spPr>
+        <p:txBody>
+          <a:bodyPr wrap="square" rtlCol="0" anchor="t">
+            <a:spAutoFit/>
+          </a:bodyPr>
+          <a:p>
+            <a:pPr>
+              <a:lnSpc>
+                <a:spcPct val="150000"/>
+              </a:lnSpc>
+            </a:pPr>
+            <a:r>
+              <a:rPr lang="zh-CN" altLang="en-US" sz="1400"/>
+              <a:t>每个元素都有零个或多个属性，通常用于为元素或其内容附加更多信息。</a:t>
+            </a:r>
+            <a:endParaRPr lang="zh-CN" altLang="en-US" sz="1400"/>
+          </a:p>
+        </p:txBody>
+      </p:sp>
+      <p:graphicFrame>
+        <p:nvGraphicFramePr>
+          <p:cNvPr id="5" name="表格 4"/>
+          <p:cNvGraphicFramePr/>
+          <p:nvPr>
+            <p:custDataLst>
+              <p:tags r:id="rId1"/>
+            </p:custDataLst>
+          </p:nvPr>
+        </p:nvGraphicFramePr>
+        <p:xfrm>
+          <a:off x="901065" y="1720215"/>
+          <a:ext cx="10800080" cy="2223135"/>
+        </p:xfrm>
+        <a:graphic>
+          <a:graphicData uri="http://schemas.openxmlformats.org/drawingml/2006/table">
+            <a:tbl>
+              <a:tblPr firstRow="1" bandRow="1">
+                <a:tableStyleId>{5C22544A-7EE6-4342-B048-85BDC9FD1C3A}</a:tableStyleId>
+              </a:tblPr>
+              <a:tblGrid>
+                <a:gridCol w="2889250"/>
+                <a:gridCol w="7910830"/>
+              </a:tblGrid>
+              <a:tr h="469900">
+                <a:tc>
+                  <a:txBody>
+                    <a:bodyPr/>
+                    <a:p>
+                      <a:pPr>
+                        <a:buNone/>
+                      </a:pPr>
+                      <a:r>
+                        <a:rPr lang="zh-CN" altLang="en-US"/>
+                        <a:t>方法</a:t>
+                      </a:r>
+                      <a:endParaRPr lang="zh-CN" altLang="en-US"/>
+                    </a:p>
+                  </a:txBody>
+                  <a:tcPr/>
+                </a:tc>
+                <a:tc>
+                  <a:txBody>
+                    <a:bodyPr/>
+                    <a:p>
+                      <a:pPr>
+                        <a:buNone/>
+                      </a:pPr>
+                      <a:r>
+                        <a:rPr lang="zh-CN" altLang="en-US"/>
+                        <a:t>说明</a:t>
+                      </a:r>
+                      <a:endParaRPr lang="zh-CN" altLang="en-US"/>
+                    </a:p>
+                  </a:txBody>
+                  <a:tcPr/>
+                </a:tc>
+              </a:tr>
+              <a:tr h="518160">
+                <a:tc>
+                  <a:txBody>
+                    <a:bodyPr/>
+                    <a:p>
+                      <a:pPr>
+                        <a:buNone/>
+                      </a:pPr>
+                      <a:r>
+                        <a:rPr lang="en-US" altLang="zh-CN"/>
+                        <a:t>getAttribute()</a:t>
+                      </a:r>
+                      <a:endParaRPr lang="en-US" altLang="zh-CN"/>
+                    </a:p>
+                  </a:txBody>
+                  <a:tcPr/>
+                </a:tc>
+                <a:tc>
+                  <a:txBody>
+                    <a:bodyPr/>
+                    <a:p>
+                      <a:pPr>
+                        <a:lnSpc>
+                          <a:spcPct val="150000"/>
+                        </a:lnSpc>
+                        <a:buNone/>
+                      </a:pPr>
+                      <a:r>
+                        <a:rPr lang="zh-CN" altLang="en-US" sz="1200"/>
+                        <a:t>如果给定的属性不存在，则 getAttribute()返回 null。注意，属性名不区分大小写，因此"ID"和"id"被认为是同一个属性。另外，根据 HTML5 规范的要求，自定义属性名应该前缀 data-以方便验证。</a:t>
+                      </a:r>
+                      <a:endParaRPr lang="zh-CN" altLang="en-US" sz="1200"/>
+                    </a:p>
+                  </a:txBody>
+                  <a:tcPr/>
+                </a:tc>
+              </a:tr>
+              <a:tr h="473075">
+                <a:tc>
+                  <a:txBody>
+                    <a:bodyPr/>
+                    <a:p>
+                      <a:pPr>
+                        <a:buNone/>
+                      </a:pPr>
+                      <a:r>
+                        <a:rPr lang="en-US" altLang="zh-CN"/>
+                        <a:t>setAttribute()</a:t>
+                      </a:r>
+                      <a:endParaRPr lang="en-US" altLang="zh-CN"/>
+                    </a:p>
+                  </a:txBody>
+                  <a:tcPr/>
+                </a:tc>
+                <a:tc>
+                  <a:txBody>
+                    <a:bodyPr/>
+                    <a:p>
+                      <a:pPr>
+                        <a:lnSpc>
+                          <a:spcPct val="150000"/>
+                        </a:lnSpc>
+                        <a:buNone/>
+                      </a:pPr>
+                      <a:r>
+                        <a:rPr lang="zh-CN" altLang="en-US" sz="1200"/>
+                        <a:t>这个方法接收两个参数：要设置的属性名和属性的值。如果属性已经存在，则 setAttribute()会以指定的值替换原来的值；如果属性不存在，则 setAttribute()会以指定的值创建该属性。</a:t>
+                      </a:r>
+                      <a:endParaRPr lang="zh-CN" altLang="en-US" sz="1200"/>
+                    </a:p>
+                  </a:txBody>
+                  <a:tcPr/>
+                </a:tc>
+              </a:tr>
+              <a:tr h="473075">
+                <a:tc>
+                  <a:txBody>
+                    <a:bodyPr/>
+                    <a:p>
+                      <a:pPr>
+                        <a:buNone/>
+                      </a:pPr>
+                      <a:r>
+                        <a:rPr lang="en-US" altLang="zh-CN"/>
+                        <a:t>removeAttribute()</a:t>
+                      </a:r>
+                      <a:endParaRPr lang="en-US" altLang="zh-CN"/>
+                    </a:p>
+                  </a:txBody>
+                  <a:tcPr/>
+                </a:tc>
+                <a:tc>
+                  <a:txBody>
+                    <a:bodyPr/>
+                    <a:p>
+                      <a:pPr>
+                        <a:lnSpc>
+                          <a:spcPct val="150000"/>
+                        </a:lnSpc>
+                        <a:buNone/>
+                      </a:pPr>
+                      <a:r>
+                        <a:rPr lang="zh-CN" altLang="en-US" sz="1200"/>
+                        <a:t>从元素中删除属性。这样不单单是清除属性的值，而是会</a:t>
+                      </a:r>
+                      <a:endParaRPr lang="zh-CN" altLang="en-US" sz="1200"/>
+                    </a:p>
+                    <a:p>
+                      <a:pPr>
+                        <a:lnSpc>
+                          <a:spcPct val="150000"/>
+                        </a:lnSpc>
+                        <a:buNone/>
+                      </a:pPr>
+                      <a:r>
+                        <a:rPr lang="zh-CN" altLang="en-US" sz="1200"/>
+                        <a:t>把整个属性完全从元素中去掉</a:t>
+                      </a:r>
+                      <a:endParaRPr lang="zh-CN" altLang="en-US" sz="1200"/>
+                    </a:p>
+                  </a:txBody>
+                  <a:tcPr/>
+                </a:tc>
+              </a:tr>
+            </a:tbl>
+          </a:graphicData>
+        </a:graphic>
+      </p:graphicFrame>
+      <p:grpSp>
+        <p:nvGrpSpPr>
+          <p:cNvPr id="9" name="组合 8"/>
+          <p:cNvGrpSpPr/>
+          <p:nvPr/>
+        </p:nvGrpSpPr>
+        <p:grpSpPr>
+          <a:xfrm>
+            <a:off x="841375" y="4394835"/>
+            <a:ext cx="10618470" cy="1819275"/>
+            <a:chOff x="1325" y="6921"/>
+            <a:chExt cx="16722" cy="2865"/>
+          </a:xfrm>
+        </p:grpSpPr>
+        <p:sp>
+          <p:nvSpPr>
+            <p:cNvPr id="7" name="文本框 6"/>
+            <p:cNvSpPr txBox="1"/>
+            <p:nvPr/>
+          </p:nvSpPr>
+          <p:spPr>
+            <a:xfrm>
+              <a:off x="1325" y="6921"/>
+              <a:ext cx="3139" cy="483"/>
+            </a:xfrm>
+            <a:prstGeom prst="rect">
+              <a:avLst/>
+            </a:prstGeom>
+            <a:noFill/>
+          </p:spPr>
+          <p:txBody>
+            <a:bodyPr wrap="none" rtlCol="0">
+              <a:spAutoFit/>
+            </a:bodyPr>
+            <a:p>
+              <a:r>
+                <a:rPr lang="zh-CN" altLang="en-US" sz="1400" b="1"/>
+                <a:t>通过</a:t>
+              </a:r>
+              <a:r>
+                <a:rPr lang="en-US" altLang="zh-CN" sz="1400" b="1"/>
+                <a:t>DOM</a:t>
+              </a:r>
+              <a:r>
+                <a:rPr lang="zh-CN" altLang="en-US" sz="1400" b="1"/>
+                <a:t>对象访问属性</a:t>
+              </a:r>
+              <a:endParaRPr lang="zh-CN" altLang="en-US" sz="1400" b="1"/>
+            </a:p>
+          </p:txBody>
+        </p:sp>
+        <p:sp>
+          <p:nvSpPr>
+            <p:cNvPr id="8" name="文本框 7"/>
+            <p:cNvSpPr txBox="1"/>
+            <p:nvPr/>
+          </p:nvSpPr>
+          <p:spPr>
+            <a:xfrm>
+              <a:off x="1325" y="7461"/>
+              <a:ext cx="16722" cy="2325"/>
+            </a:xfrm>
+            <a:prstGeom prst="rect">
+              <a:avLst/>
+            </a:prstGeom>
+            <a:noFill/>
+          </p:spPr>
+          <p:txBody>
+            <a:bodyPr wrap="square" rtlCol="0" anchor="t">
+              <a:spAutoFit/>
+            </a:bodyPr>
+            <a:p>
+              <a:pPr>
+                <a:lnSpc>
+                  <a:spcPct val="150000"/>
+                </a:lnSpc>
+              </a:pPr>
+              <a:r>
+                <a:rPr lang="zh-CN" altLang="en-US" sz="1200"/>
+                <a:t>这包括 HTMLElement 上定义的直接映射对应属性的 5 个属性，还有所有公认（非自定义）的属性也会被添加为 DOM 对象的属性。</a:t>
+              </a:r>
+              <a:endParaRPr lang="zh-CN" altLang="en-US" sz="1200"/>
+            </a:p>
+            <a:p>
+              <a:pPr>
+                <a:lnSpc>
+                  <a:spcPct val="150000"/>
+                </a:lnSpc>
+              </a:pPr>
+              <a:r>
+                <a:rPr lang="zh-CN" altLang="en-US" sz="1200" b="1"/>
+                <a:t>通过 DOM 对象访问的属性中有两个返回的值跟使用 getAttribute()取得的值不一样。</a:t>
+              </a:r>
+              <a:endParaRPr lang="zh-CN" altLang="en-US" sz="1200" b="1"/>
+            </a:p>
+            <a:p>
+              <a:pPr>
+                <a:lnSpc>
+                  <a:spcPct val="150000"/>
+                </a:lnSpc>
+              </a:pPr>
+              <a:r>
+                <a:rPr lang="zh-CN" altLang="en-US" sz="1200" b="1"/>
+                <a:t>①</a:t>
+              </a:r>
+              <a:r>
+                <a:rPr lang="en-US" altLang="zh-CN" sz="1200" b="1"/>
+                <a:t> </a:t>
+              </a:r>
+              <a:r>
+                <a:rPr lang="zh-CN" altLang="en-US" sz="1200"/>
+                <a:t>在使用 getAttribute()访问 style 属性时，返回的是 CSS 字符串。而在通过 DOM 对象的属性访问时，style 属性返回的是一个（CSSStyleDeclaration）对象。</a:t>
+              </a:r>
+              <a:endParaRPr lang="zh-CN" altLang="en-US" sz="1200"/>
+            </a:p>
+            <a:p>
+              <a:pPr>
+                <a:lnSpc>
+                  <a:spcPct val="150000"/>
+                </a:lnSpc>
+              </a:pPr>
+              <a:r>
+                <a:rPr lang="zh-CN" altLang="en-US" sz="1200" b="1"/>
+                <a:t>②</a:t>
+              </a:r>
+              <a:r>
+                <a:rPr lang="en-US" altLang="zh-CN" sz="1200"/>
+                <a:t> </a:t>
+              </a:r>
+              <a:r>
+                <a:rPr lang="zh-CN" altLang="en-US" sz="1200"/>
+                <a:t>属性是一类事件处理程序（或者事件属性），比如 onclick。在元素上使用事件属性时（比如 onclick），属性的值是一段 JavaScript 代码。如果使用 getAttribute()访问事件属性，则返回的是字符串形式的源代码。</a:t>
+              </a:r>
+              <a:endParaRPr lang="zh-CN" altLang="en-US" sz="1200"/>
+            </a:p>
+          </p:txBody>
+        </p:sp>
+      </p:grpSp>
+    </p:spTree>
+    <p:custDataLst>
+      <p:tags r:id="rId2"/>
+    </p:custDataLst>
+  </p:cSld>
+  <p:clrMapOvr>
+    <a:masterClrMapping/>
+  </p:clrMapOvr>
+</p:sld>
+</file>
+
+<file path=ppt/slides/slide19.xml><?xml version="1.0" encoding="utf-8"?>
+<p:sld xmlns:a="http://schemas.openxmlformats.org/drawingml/2006/main" xmlns:r="http://schemas.openxmlformats.org/officeDocument/2006/relationships" xmlns:p="http://schemas.openxmlformats.org/presentationml/2006/main">
+  <p:cSld>
+    <p:spTree>
+      <p:nvGrpSpPr>
+        <p:cNvPr id="1" name=""/>
+        <p:cNvGrpSpPr/>
+        <p:nvPr/>
+      </p:nvGrpSpPr>
+      <p:grpSpPr/>
+      <p:sp>
+        <p:nvSpPr>
+          <p:cNvPr id="3" name="文本框 2"/>
+          <p:cNvSpPr txBox="1"/>
+          <p:nvPr/>
+        </p:nvSpPr>
+        <p:spPr>
+          <a:xfrm>
+            <a:off x="463550" y="125730"/>
+            <a:ext cx="7962265" cy="521970"/>
+          </a:xfrm>
+          <a:prstGeom prst="rect">
+            <a:avLst/>
+          </a:prstGeom>
+          <a:noFill/>
+        </p:spPr>
+        <p:txBody>
+          <a:bodyPr wrap="square" rtlCol="0">
+            <a:spAutoFit/>
+          </a:bodyPr>
+          <a:p>
+            <a:r>
+              <a:rPr lang="en-US" altLang="zh-CN" sz="2800" b="1">
+                <a:solidFill>
+                  <a:schemeClr val="tx1"/>
+                </a:solidFill>
+                <a:effectLst>
+                  <a:outerShdw blurRad="38100" dist="19050" dir="2700000" algn="tl" rotWithShape="0">
+                    <a:schemeClr val="dk1">
+                      <a:alpha val="40000"/>
+                    </a:schemeClr>
+                  </a:outerShdw>
+                </a:effectLst>
+              </a:rPr>
+              <a:t>4</a:t>
+            </a:r>
+            <a:r>
+              <a:rPr lang="zh-CN" sz="2800" b="1">
+                <a:solidFill>
+                  <a:schemeClr val="tx1"/>
+                </a:solidFill>
+                <a:effectLst>
+                  <a:outerShdw blurRad="38100" dist="19050" dir="2700000" algn="tl" rotWithShape="0">
+                    <a:schemeClr val="dk1">
+                      <a:alpha val="40000"/>
+                    </a:schemeClr>
+                  </a:outerShdw>
+                </a:effectLst>
+              </a:rPr>
+              <a:t>、</a:t>
+            </a:r>
+            <a:r>
+              <a:rPr lang="en-US" altLang="zh-CN" sz="2800" b="1">
+                <a:solidFill>
+                  <a:schemeClr val="tx1"/>
+                </a:solidFill>
+                <a:effectLst>
+                  <a:outerShdw blurRad="38100" dist="19050" dir="2700000" algn="tl" rotWithShape="0">
+                    <a:schemeClr val="dk1">
+                      <a:alpha val="40000"/>
+                    </a:schemeClr>
+                  </a:outerShdw>
+                </a:effectLst>
+              </a:rPr>
+              <a:t>Element</a:t>
+            </a:r>
+            <a:r>
+              <a:rPr lang="zh-CN" sz="2800" b="1">
+                <a:latin typeface="方正舒体" panose="02010601030101010101" charset="-122"/>
+                <a:ea typeface="方正舒体" panose="02010601030101010101" charset="-122"/>
+                <a:cs typeface="方正舒体" panose="02010601030101010101" charset="-122"/>
+                <a:sym typeface="+mn-ea"/>
+              </a:rPr>
+              <a:t> 类型</a:t>
+            </a:r>
+            <a:endParaRPr lang="zh-CN" sz="2800" b="1">
+              <a:latin typeface="方正舒体" panose="02010601030101010101" charset="-122"/>
+              <a:ea typeface="方正舒体" panose="02010601030101010101" charset="-122"/>
+              <a:cs typeface="方正舒体" panose="02010601030101010101" charset="-122"/>
+              <a:sym typeface="+mn-ea"/>
+            </a:endParaRPr>
+          </a:p>
+        </p:txBody>
+      </p:sp>
+      <p:sp>
+        <p:nvSpPr>
+          <p:cNvPr id="2" name="文本框 1"/>
+          <p:cNvSpPr txBox="1"/>
+          <p:nvPr/>
+        </p:nvSpPr>
+        <p:spPr>
+          <a:xfrm>
+            <a:off x="840740" y="759460"/>
+            <a:ext cx="10511155" cy="460375"/>
+          </a:xfrm>
+          <a:prstGeom prst="rect">
+            <a:avLst/>
+          </a:prstGeom>
+          <a:noFill/>
+        </p:spPr>
+        <p:txBody>
+          <a:bodyPr wrap="square" rtlCol="0">
+            <a:spAutoFit/>
+          </a:bodyPr>
+          <a:p>
+            <a:pPr algn="l">
+              <a:lnSpc>
+                <a:spcPct val="150000"/>
+              </a:lnSpc>
+            </a:pPr>
+            <a:r>
+              <a:rPr lang="zh-CN" altLang="en-US" sz="1600" b="1">
+                <a:latin typeface="楷体" panose="02010609060101010101" charset="-122"/>
+                <a:ea typeface="楷体" panose="02010609060101010101" charset="-122"/>
+                <a:cs typeface="楷体" panose="02010609060101010101" charset="-122"/>
+              </a:rPr>
+              <a:t>创建</a:t>
+            </a:r>
+            <a:r>
+              <a:rPr lang="zh-CN" altLang="en-US" sz="1600" b="1">
+                <a:latin typeface="楷体" panose="02010609060101010101" charset="-122"/>
+                <a:ea typeface="楷体" panose="02010609060101010101" charset="-122"/>
+                <a:cs typeface="楷体" panose="02010609060101010101" charset="-122"/>
+              </a:rPr>
+              <a:t>元素</a:t>
+            </a:r>
+            <a:endParaRPr lang="zh-CN" altLang="en-US" sz="1600" b="1">
+              <a:latin typeface="楷体" panose="02010609060101010101" charset="-122"/>
+              <a:ea typeface="楷体" panose="02010609060101010101" charset="-122"/>
+              <a:cs typeface="楷体" panose="02010609060101010101" charset="-122"/>
+            </a:endParaRPr>
+          </a:p>
+        </p:txBody>
+      </p:sp>
+      <p:sp>
+        <p:nvSpPr>
+          <p:cNvPr id="10" name="文本框 9"/>
+          <p:cNvSpPr txBox="1"/>
+          <p:nvPr/>
+        </p:nvSpPr>
+        <p:spPr>
+          <a:xfrm>
+            <a:off x="841375" y="1219835"/>
+            <a:ext cx="10509885" cy="2353310"/>
+          </a:xfrm>
+          <a:prstGeom prst="rect">
+            <a:avLst/>
+          </a:prstGeom>
+          <a:noFill/>
+        </p:spPr>
+        <p:txBody>
+          <a:bodyPr wrap="square" rtlCol="0" anchor="t">
+            <a:spAutoFit/>
+          </a:bodyPr>
+          <a:p>
+            <a:pPr>
+              <a:lnSpc>
+                <a:spcPct val="150000"/>
+              </a:lnSpc>
+            </a:pPr>
+            <a:r>
+              <a:rPr lang="zh-CN" altLang="en-US" sz="1400"/>
+              <a:t>可以使用 </a:t>
+            </a:r>
+            <a:r>
+              <a:rPr lang="zh-CN" altLang="en-US" sz="1400" b="1"/>
+              <a:t>document.createElement()方法创建新元素</a:t>
+            </a:r>
+            <a:r>
+              <a:rPr lang="zh-CN" altLang="en-US" sz="1400"/>
+              <a:t>。这个方法接收一个参数，即要创建元素的标签名。在 HTML 文档中，标签名是不区分大小写的，而 XML 文档（包括 XHTML）是区分大小写的。</a:t>
+            </a:r>
+            <a:endParaRPr lang="zh-CN" altLang="en-US" sz="1400"/>
+          </a:p>
+          <a:p>
+            <a:pPr>
+              <a:lnSpc>
+                <a:spcPct val="150000"/>
+              </a:lnSpc>
+            </a:pPr>
+            <a:r>
+              <a:rPr lang="zh-CN" altLang="en-US" sz="1400"/>
+              <a:t>let div = document.createElement("div");</a:t>
+            </a:r>
+            <a:endParaRPr lang="zh-CN" altLang="en-US" sz="1400"/>
+          </a:p>
+          <a:p>
+            <a:pPr>
+              <a:lnSpc>
+                <a:spcPct val="150000"/>
+              </a:lnSpc>
+            </a:pPr>
+            <a:r>
+              <a:rPr lang="zh-CN" altLang="en-US" sz="1400" b="1"/>
+              <a:t>使用 createElement()方法创建新元素的同时也会将其 ownerDocument 属性设置为 document。</a:t>
+            </a:r>
+            <a:endParaRPr lang="zh-CN" altLang="en-US" sz="1400"/>
+          </a:p>
+          <a:p>
+            <a:pPr>
+              <a:lnSpc>
+                <a:spcPct val="150000"/>
+              </a:lnSpc>
+            </a:pPr>
+            <a:r>
+              <a:rPr lang="zh-CN" altLang="en-US" sz="1400"/>
+              <a:t>此时，可以再为其添加属性、添加更多子元素。比如：</a:t>
+            </a:r>
+            <a:endParaRPr lang="zh-CN" altLang="en-US" sz="1400"/>
+          </a:p>
+          <a:p>
+            <a:pPr>
+              <a:lnSpc>
+                <a:spcPct val="150000"/>
+              </a:lnSpc>
+            </a:pPr>
+            <a:r>
+              <a:rPr lang="zh-CN" altLang="en-US" sz="1400"/>
+              <a:t>div.id = "myNewDiv";</a:t>
+            </a:r>
+            <a:endParaRPr lang="zh-CN" altLang="en-US" sz="1400"/>
+          </a:p>
+          <a:p>
+            <a:pPr>
+              <a:lnSpc>
+                <a:spcPct val="150000"/>
+              </a:lnSpc>
+            </a:pPr>
+            <a:r>
+              <a:rPr lang="zh-CN" altLang="en-US" sz="1400"/>
+              <a:t>div.className = "box"; </a:t>
+            </a:r>
+            <a:endParaRPr lang="zh-CN" altLang="en-US" sz="1400"/>
+          </a:p>
+        </p:txBody>
+      </p:sp>
+      <p:sp>
+        <p:nvSpPr>
+          <p:cNvPr id="4" name="文本框 3"/>
+          <p:cNvSpPr txBox="1"/>
+          <p:nvPr/>
+        </p:nvSpPr>
+        <p:spPr>
+          <a:xfrm>
+            <a:off x="897255" y="3923030"/>
+            <a:ext cx="10544810" cy="2030095"/>
+          </a:xfrm>
+          <a:prstGeom prst="rect">
+            <a:avLst/>
+          </a:prstGeom>
+          <a:noFill/>
+        </p:spPr>
+        <p:txBody>
+          <a:bodyPr wrap="square" rtlCol="0" anchor="t">
+            <a:spAutoFit/>
+          </a:bodyPr>
+          <a:p>
+            <a:pPr>
+              <a:lnSpc>
+                <a:spcPct val="150000"/>
+              </a:lnSpc>
+            </a:pPr>
+            <a:r>
+              <a:rPr lang="zh-CN" altLang="en-US" sz="1400" b="1"/>
+              <a:t>在新元素上设置这些属性只会附加信息。因为这个元素还没有添加到文档树，所以不会影响浏览器显示。</a:t>
+            </a:r>
+            <a:r>
+              <a:rPr lang="zh-CN" altLang="en-US" sz="1400"/>
+              <a:t>要把元素添加到文档树，可以使用 appendChild()、insertBefore()或 replaceChild()。</a:t>
+            </a:r>
+            <a:endParaRPr lang="zh-CN" altLang="en-US" sz="1400"/>
+          </a:p>
+          <a:p>
+            <a:pPr>
+              <a:lnSpc>
+                <a:spcPct val="150000"/>
+              </a:lnSpc>
+            </a:pPr>
+            <a:endParaRPr lang="zh-CN" altLang="en-US" sz="1400"/>
+          </a:p>
+          <a:p>
+            <a:pPr>
+              <a:lnSpc>
+                <a:spcPct val="150000"/>
+              </a:lnSpc>
+            </a:pPr>
+            <a:r>
+              <a:rPr lang="zh-CN" altLang="en-US" sz="1400"/>
+              <a:t>比如，以下代码会把刚才创建的元素添加到文档的&lt;body&gt;元素中：</a:t>
+            </a:r>
+            <a:endParaRPr lang="zh-CN" altLang="en-US" sz="1400"/>
+          </a:p>
+          <a:p>
+            <a:pPr>
+              <a:lnSpc>
+                <a:spcPct val="150000"/>
+              </a:lnSpc>
+            </a:pPr>
+            <a:r>
+              <a:rPr lang="zh-CN" altLang="en-US" sz="1400"/>
+              <a:t>document.body.appendChild(div);</a:t>
+            </a:r>
+            <a:endParaRPr lang="zh-CN" altLang="en-US" sz="1400"/>
+          </a:p>
+          <a:p>
+            <a:pPr>
+              <a:lnSpc>
+                <a:spcPct val="150000"/>
+              </a:lnSpc>
+            </a:pPr>
+            <a:r>
+              <a:rPr lang="zh-CN" altLang="en-US" sz="1400" b="1"/>
+              <a:t>元素被添加到文档树之后，浏览器会立即将其渲染出来。</a:t>
+            </a:r>
+            <a:r>
+              <a:rPr lang="zh-CN" altLang="en-US" sz="1400"/>
+              <a:t>之后再对这个元素所做的任何修改，都会立即在浏览器中反映出来。</a:t>
             </a:r>
             <a:endParaRPr lang="zh-CN" altLang="en-US" sz="1400"/>
           </a:p>
@@ -4368,7 +9497,7 @@
                   </a:outerShdw>
                 </a:effectLst>
               </a:rPr>
-              <a:t>1</a:t>
+              <a:t>2</a:t>
             </a:r>
             <a:r>
               <a:rPr lang="zh-CN" sz="2800" b="1">
@@ -4435,7 +9564,23 @@
                 <a:ea typeface="楷体" panose="02010609060101010101" charset="-122"/>
                 <a:cs typeface="楷体" panose="02010609060101010101" charset="-122"/>
               </a:rPr>
-              <a:t>DOM Level 1 描述了名为 Node 的接口，这个接口是所有 DOM 节点类型都必须实现的。Node 接口在 JavaScript中被实现为 Node 类型，在除 IE之外的所有浏览器中都可以直接访问这个类型。在 JavaScript中，所有节点类型都继承 Node 类型，因此所有类型都共享相同的基本属性和方法。每个节点都有 nodeType 属性，表示该节点的类型。节点类型由定义在 Node 类型上的 12 个数值常量表示：</a:t>
+              <a:t>DOM Level 1 描述了名为 Node 的接口，这个接口是所有 DOM 节点类型都必须实现的。Node 接口在 JavaScript中被实现为 Node 类型，在除 IE之外的所有浏览器中都可以直接访问这个类型。</a:t>
+            </a:r>
+            <a:r>
+              <a:rPr lang="zh-CN" altLang="en-US" sz="1400" b="1">
+                <a:latin typeface="楷体" panose="02010609060101010101" charset="-122"/>
+                <a:ea typeface="楷体" panose="02010609060101010101" charset="-122"/>
+                <a:cs typeface="楷体" panose="02010609060101010101" charset="-122"/>
+              </a:rPr>
+              <a:t>在 JavaScript中，所有节点类型都继承 Node 类型，因此所有类型都共享相同的基本属性和方法。每个节点都有 nodeType 属性，表示该节点的类型。</a:t>
+            </a:r>
+            <a:r>
+              <a:rPr lang="zh-CN" altLang="en-US" sz="1400">
+                <a:latin typeface="楷体" panose="02010609060101010101" charset="-122"/>
+                <a:ea typeface="楷体" panose="02010609060101010101" charset="-122"/>
+                <a:cs typeface="楷体" panose="02010609060101010101" charset="-122"/>
+              </a:rPr>
+              <a:t>节点类型由定义在 Node 类型上的 12 个数值常量表示：</a:t>
             </a:r>
             <a:endParaRPr lang="zh-CN" altLang="en-US" sz="1400">
               <a:latin typeface="楷体" panose="02010609060101010101" charset="-122"/>
@@ -4701,7 +9846,7 @@
                   </a:outerShdw>
                 </a:effectLst>
               </a:rPr>
-              <a:t>1</a:t>
+              <a:t>2</a:t>
             </a:r>
             <a:r>
               <a:rPr lang="zh-CN" sz="2800" b="1">
@@ -4814,8 +9959,8 @@
         </p:nvSpPr>
         <p:spPr>
           <a:xfrm>
-            <a:off x="3504565" y="3272790"/>
-            <a:ext cx="5366385" cy="1635760"/>
+            <a:off x="3231515" y="3272790"/>
+            <a:ext cx="5639435" cy="1635760"/>
           </a:xfrm>
           <a:prstGeom prst="roundRect">
             <a:avLst/>
@@ -4859,9 +10004,29 @@
             </a:pPr>
             <a:r>
               <a:rPr lang="zh-CN" altLang="en-US" sz="1600"/>
-              <a:t> value = someNode.nodeName; // 会显示元素的标签名</a:t>
-            </a:r>
-            <a:endParaRPr lang="zh-CN" altLang="en-US" sz="1600"/>
+              <a:t> </a:t>
+            </a:r>
+            <a:r>
+              <a:rPr lang="en-US" altLang="zh-CN" sz="1600"/>
+              <a:t>    </a:t>
+            </a:r>
+            <a:r>
+              <a:rPr lang="zh-CN" altLang="en-US" sz="1600"/>
+              <a:t>value = someNode.nodeName;</a:t>
+            </a:r>
+            <a:r>
+              <a:rPr lang="en-US" altLang="zh-CN" sz="1600"/>
+              <a:t> </a:t>
+            </a:r>
+            <a:r>
+              <a:rPr lang="zh-CN" altLang="en-US" sz="1600"/>
+              <a:t> </a:t>
+            </a:r>
+            <a:r>
+              <a:rPr lang="zh-CN" altLang="en-US" sz="1400"/>
+              <a:t>// 会显示元素的标签名</a:t>
+            </a:r>
+            <a:endParaRPr lang="zh-CN" altLang="en-US" sz="1400"/>
           </a:p>
           <a:p>
             <a:pPr indent="0" algn="l">
@@ -4933,7 +10098,7 @@
                   </a:outerShdw>
                 </a:effectLst>
               </a:rPr>
-              <a:t>1</a:t>
+              <a:t>2</a:t>
             </a:r>
             <a:r>
               <a:rPr lang="zh-CN" sz="2800" b="1">
@@ -5032,7 +10197,23 @@
                 <a:ea typeface="楷体" panose="02010609060101010101" charset="-122"/>
                 <a:cs typeface="楷体" panose="02010609060101010101" charset="-122"/>
               </a:rPr>
-              <a:t>文档中的所有节点都与其他节点有关系。这些关系可以形容为家族关系，相当于把文档树比作家谱。每个节点都有一个 childNodes 属性，其中包含一个 NodeList 的实例。NodeList 是一个类数组对象，用于存储可以按位置存取的有序节点。</a:t>
+              <a:t>文档中的所有节点都与其他节点有关系。这些关系可以形容为家族关系，相当于把文档树比作家谱。</a:t>
+            </a:r>
+            <a:r>
+              <a:rPr sz="1600" b="1">
+                <a:latin typeface="楷体" panose="02010609060101010101" charset="-122"/>
+                <a:ea typeface="楷体" panose="02010609060101010101" charset="-122"/>
+                <a:cs typeface="楷体" panose="02010609060101010101" charset="-122"/>
+              </a:rPr>
+              <a:t>每个节点都有一个 childNodes 属性，其中包含一个 NodeList 的实例。</a:t>
+            </a:r>
+            <a:r>
+              <a:rPr sz="1600">
+                <a:latin typeface="楷体" panose="02010609060101010101" charset="-122"/>
+                <a:ea typeface="楷体" panose="02010609060101010101" charset="-122"/>
+                <a:cs typeface="楷体" panose="02010609060101010101" charset="-122"/>
+              </a:rPr>
+              <a:t>NodeList 是一个类数组对象，用于存储可以按位置存取的有序节点。</a:t>
             </a:r>
             <a:endParaRPr sz="1600">
               <a:latin typeface="楷体" panose="02010609060101010101" charset="-122"/>
@@ -5059,12 +10240,20 @@
               </a:lnSpc>
             </a:pPr>
             <a:r>
+              <a:rPr sz="1600" b="1">
+                <a:latin typeface="楷体" panose="02010609060101010101" charset="-122"/>
+                <a:ea typeface="楷体" panose="02010609060101010101" charset="-122"/>
+                <a:cs typeface="楷体" panose="02010609060101010101" charset="-122"/>
+              </a:rPr>
+              <a:t>注意，NodeList 并不是 Array 的实例，</a:t>
+            </a:r>
+            <a:r>
               <a:rPr sz="1600">
                 <a:latin typeface="楷体" panose="02010609060101010101" charset="-122"/>
                 <a:ea typeface="楷体" panose="02010609060101010101" charset="-122"/>
                 <a:cs typeface="楷体" panose="02010609060101010101" charset="-122"/>
               </a:rPr>
-              <a:t>注意，NodeList 并不是 Array 的实例，但可以使用中括号访问它的值，而且它也有 length 属性。</a:t>
+              <a:t>但可以使用中括号访问它的值，而且它也有 length 属性。</a:t>
             </a:r>
             <a:r>
               <a:rPr sz="1600" b="1">
@@ -5080,7 +10269,23 @@
                 <a:ea typeface="楷体" panose="02010609060101010101" charset="-122"/>
                 <a:cs typeface="楷体" panose="02010609060101010101" charset="-122"/>
               </a:rPr>
-              <a:t>我们通常说 NodeList 是实时的活动对象，而不是第一次访问时所获得内容的快照。</a:t>
+              <a:t>我们通常说 </a:t>
+            </a:r>
+            <a:r>
+              <a:rPr sz="1600" b="1">
+                <a:latin typeface="楷体" panose="02010609060101010101" charset="-122"/>
+                <a:ea typeface="楷体" panose="02010609060101010101" charset="-122"/>
+                <a:cs typeface="楷体" panose="02010609060101010101" charset="-122"/>
+              </a:rPr>
+              <a:t>NodeList 是实时的活动对象</a:t>
+            </a:r>
+            <a:r>
+              <a:rPr sz="1600">
+                <a:latin typeface="楷体" panose="02010609060101010101" charset="-122"/>
+                <a:ea typeface="楷体" panose="02010609060101010101" charset="-122"/>
+                <a:cs typeface="楷体" panose="02010609060101010101" charset="-122"/>
+              </a:rPr>
+              <a:t>，而不是第一次访问时所获得内容的快照。</a:t>
             </a:r>
             <a:endParaRPr sz="1600">
               <a:latin typeface="楷体" panose="02010609060101010101" charset="-122"/>
@@ -5407,7 +10612,7 @@
                   </a:outerShdw>
                 </a:effectLst>
               </a:rPr>
-              <a:t>1</a:t>
+              <a:t>2</a:t>
             </a:r>
             <a:r>
               <a:rPr lang="zh-CN" sz="2800" b="1">
@@ -5494,49 +10699,38 @@
       </p:sp>
       <p:grpSp>
         <p:nvGrpSpPr>
-          <p:cNvPr id="8" name="组合 7"/>
+          <p:cNvPr id="24" name="组合 23"/>
           <p:cNvGrpSpPr/>
           <p:nvPr/>
         </p:nvGrpSpPr>
         <p:grpSpPr>
           <a:xfrm>
-            <a:off x="1077595" y="1410970"/>
-            <a:ext cx="4765040" cy="2265680"/>
-            <a:chOff x="434" y="5216"/>
-            <a:chExt cx="7504" cy="3568"/>
+            <a:off x="1369060" y="1410970"/>
+            <a:ext cx="9759315" cy="5199380"/>
+            <a:chOff x="2156" y="2222"/>
+            <a:chExt cx="15369" cy="8188"/>
           </a:xfrm>
         </p:grpSpPr>
         <p:sp>
           <p:nvSpPr>
-            <p:cNvPr id="4" name="圆角矩形 3"/>
-            <p:cNvSpPr/>
+            <p:cNvPr id="12" name="文本框 11"/>
+            <p:cNvSpPr txBox="1"/>
             <p:nvPr/>
           </p:nvSpPr>
           <p:spPr>
             <a:xfrm>
-              <a:off x="746" y="5216"/>
-              <a:ext cx="6879" cy="1264"/>
+              <a:off x="2156" y="2222"/>
+              <a:ext cx="9407" cy="798"/>
             </a:xfrm>
-            <a:prstGeom prst="roundRect">
+            <a:prstGeom prst="rect">
               <a:avLst/>
             </a:prstGeom>
+            <a:noFill/>
           </p:spPr>
-          <p:style>
-            <a:lnRef idx="3">
-              <a:schemeClr val="lt1"/>
-            </a:lnRef>
-            <a:fillRef idx="1">
-              <a:schemeClr val="accent6"/>
-            </a:fillRef>
-            <a:effectRef idx="1">
-              <a:schemeClr val="accent6"/>
-            </a:effectRef>
-            <a:fontRef idx="minor">
-              <a:schemeClr val="lt1"/>
-            </a:fontRef>
-          </p:style>
           <p:txBody>
-            <a:bodyPr rtlCol="0" anchor="ctr"/>
+            <a:bodyPr wrap="none" rtlCol="0" anchor="t">
+              <a:spAutoFit/>
+            </a:bodyPr>
             <a:p>
               <a:pPr algn="l">
                 <a:lnSpc>
@@ -5544,44 +10738,47 @@
                 </a:lnSpc>
               </a:pPr>
               <a:r>
-                <a:rPr lang="zh-CN" altLang="en-US" sz="1400"/>
-                <a:t>appendChild()，用于在 childNodes 列表末尾添加节点。</a:t>
+                <a:rPr lang="en-US" altLang="zh-CN" b="1">
+                  <a:sym typeface="+mn-ea"/>
+                </a:rPr>
+                <a:t>1</a:t>
               </a:r>
-              <a:endParaRPr lang="zh-CN" altLang="en-US" sz="1400"/>
+              <a:r>
+                <a:rPr lang="zh-CN" altLang="en-US" b="1">
+                  <a:sym typeface="+mn-ea"/>
+                </a:rPr>
+                <a:t>、appendChild()</a:t>
+              </a:r>
+              <a:r>
+                <a:rPr lang="zh-CN" altLang="en-US">
+                  <a:sym typeface="+mn-ea"/>
+                </a:rPr>
+                <a:t>，用于在 childNodes 列表末尾添加节点。</a:t>
+              </a:r>
+              <a:endParaRPr lang="zh-CN" altLang="en-US"/>
             </a:p>
           </p:txBody>
         </p:sp>
         <p:sp>
           <p:nvSpPr>
-            <p:cNvPr id="7" name="矩形 6"/>
-            <p:cNvSpPr/>
+            <p:cNvPr id="19" name="文本框 18"/>
+            <p:cNvSpPr txBox="1"/>
             <p:nvPr/>
           </p:nvSpPr>
           <p:spPr>
             <a:xfrm>
-              <a:off x="434" y="6480"/>
-              <a:ext cx="7504" cy="2304"/>
+              <a:off x="2195" y="3452"/>
+              <a:ext cx="9368" cy="798"/>
             </a:xfrm>
             <a:prstGeom prst="rect">
               <a:avLst/>
             </a:prstGeom>
+            <a:noFill/>
           </p:spPr>
-          <p:style>
-            <a:lnRef idx="2">
-              <a:schemeClr val="accent6"/>
-            </a:lnRef>
-            <a:fillRef idx="1">
-              <a:schemeClr val="lt1"/>
-            </a:fillRef>
-            <a:effectRef idx="0">
-              <a:schemeClr val="accent6"/>
-            </a:effectRef>
-            <a:fontRef idx="minor">
-              <a:schemeClr val="dk1"/>
-            </a:fontRef>
-          </p:style>
           <p:txBody>
-            <a:bodyPr rtlCol="0" anchor="ctr"/>
+            <a:bodyPr wrap="none" rtlCol="0" anchor="t">
+              <a:spAutoFit/>
+            </a:bodyPr>
             <a:p>
               <a:pPr algn="l">
                 <a:lnSpc>
@@ -5589,11 +10786,47 @@
                 </a:lnSpc>
               </a:pPr>
               <a:r>
-                <a:rPr lang="zh-CN" altLang="en-US" sz="1600"/>
-                <a:t>let returnedNode = someNode.appendChild(newNode);</a:t>
+                <a:rPr lang="en-US" altLang="zh-CN" b="1">
+                  <a:sym typeface="+mn-ea"/>
+                </a:rPr>
+                <a:t>2</a:t>
               </a:r>
-              <a:endParaRPr lang="zh-CN" altLang="en-US" sz="1600"/>
+              <a:r>
+                <a:rPr lang="zh-CN" altLang="en-US" b="1">
+                  <a:sym typeface="+mn-ea"/>
+                </a:rPr>
+                <a:t>、insertBefore()</a:t>
+              </a:r>
+              <a:r>
+                <a:rPr lang="zh-CN" altLang="en-US">
+                  <a:sym typeface="+mn-ea"/>
+                </a:rPr>
+                <a:t>，把节点放到 childNodes 中的特定位置。</a:t>
+              </a:r>
+              <a:endParaRPr lang="zh-CN" altLang="en-US"/>
             </a:p>
+          </p:txBody>
+        </p:sp>
+        <p:sp>
+          <p:nvSpPr>
+            <p:cNvPr id="20" name="文本框 19"/>
+            <p:cNvSpPr txBox="1"/>
+            <p:nvPr/>
+          </p:nvSpPr>
+          <p:spPr>
+            <a:xfrm>
+              <a:off x="2195" y="4629"/>
+              <a:ext cx="10822" cy="798"/>
+            </a:xfrm>
+            <a:prstGeom prst="rect">
+              <a:avLst/>
+            </a:prstGeom>
+            <a:noFill/>
+          </p:spPr>
+          <p:txBody>
+            <a:bodyPr wrap="none" rtlCol="0" anchor="t">
+              <a:spAutoFit/>
+            </a:bodyPr>
             <a:p>
               <a:pPr algn="l">
                 <a:lnSpc>
@@ -5601,11 +10834,47 @@
                 </a:lnSpc>
               </a:pPr>
               <a:r>
-                <a:rPr lang="zh-CN" altLang="en-US" sz="1600"/>
-                <a:t>alert(returnedNode == newNode); // true</a:t>
+                <a:rPr lang="en-US" altLang="zh-CN" b="1">
+                  <a:sym typeface="+mn-ea"/>
+                </a:rPr>
+                <a:t>3</a:t>
               </a:r>
-              <a:endParaRPr lang="zh-CN" altLang="en-US" sz="1600"/>
+              <a:r>
+                <a:rPr lang="zh-CN" altLang="en-US" b="1">
+                  <a:sym typeface="+mn-ea"/>
+                </a:rPr>
+                <a:t>、replaceChild()，</a:t>
+              </a:r>
+              <a:r>
+                <a:rPr lang="zh-CN" altLang="en-US">
+                  <a:sym typeface="+mn-ea"/>
+                </a:rPr>
+                <a:t>接收两个参数：要插入的节点和要替换的节点。</a:t>
+              </a:r>
+              <a:endParaRPr lang="zh-CN" altLang="en-US"/>
             </a:p>
+          </p:txBody>
+        </p:sp>
+        <p:sp>
+          <p:nvSpPr>
+            <p:cNvPr id="21" name="文本框 20"/>
+            <p:cNvSpPr txBox="1"/>
+            <p:nvPr/>
+          </p:nvSpPr>
+          <p:spPr>
+            <a:xfrm>
+              <a:off x="2156" y="5806"/>
+              <a:ext cx="4743" cy="798"/>
+            </a:xfrm>
+            <a:prstGeom prst="rect">
+              <a:avLst/>
+            </a:prstGeom>
+            <a:noFill/>
+          </p:spPr>
+          <p:txBody>
+            <a:bodyPr wrap="none" rtlCol="0" anchor="t">
+              <a:spAutoFit/>
+            </a:bodyPr>
             <a:p>
               <a:pPr algn="l">
                 <a:lnSpc>
@@ -5613,59 +10882,47 @@
                 </a:lnSpc>
               </a:pPr>
               <a:r>
-                <a:rPr lang="zh-CN" altLang="en-US" sz="1600"/>
-                <a:t>alert(someNode.lastChild == newNode); // true</a:t>
+                <a:rPr lang="en-US" altLang="zh-CN" b="1">
+                  <a:sym typeface="+mn-ea"/>
+                </a:rPr>
+                <a:t>4</a:t>
               </a:r>
-              <a:endParaRPr lang="zh-CN" altLang="en-US" sz="1600"/>
+              <a:r>
+                <a:rPr lang="zh-CN" altLang="en-US" b="1">
+                  <a:sym typeface="+mn-ea"/>
+                </a:rPr>
+                <a:t>、removeChild()，</a:t>
+              </a:r>
+              <a:r>
+                <a:rPr lang="zh-CN" altLang="en-US">
+                  <a:sym typeface="+mn-ea"/>
+                </a:rPr>
+                <a:t>移除节点</a:t>
+              </a:r>
+              <a:endParaRPr lang="zh-CN" altLang="en-US"/>
             </a:p>
           </p:txBody>
         </p:sp>
-      </p:grpSp>
-      <p:grpSp>
-        <p:nvGrpSpPr>
-          <p:cNvPr id="9" name="组合 8"/>
-          <p:cNvGrpSpPr/>
-          <p:nvPr/>
-        </p:nvGrpSpPr>
-        <p:grpSpPr>
-          <a:xfrm>
-            <a:off x="6543675" y="1076960"/>
-            <a:ext cx="4765040" cy="2997200"/>
-            <a:chOff x="434" y="5216"/>
-            <a:chExt cx="7504" cy="4720"/>
-          </a:xfrm>
-        </p:grpSpPr>
         <p:sp>
           <p:nvSpPr>
-            <p:cNvPr id="10" name="圆角矩形 9"/>
-            <p:cNvSpPr/>
+            <p:cNvPr id="22" name="文本框 21"/>
+            <p:cNvSpPr txBox="1"/>
             <p:nvPr/>
           </p:nvSpPr>
           <p:spPr>
             <a:xfrm>
-              <a:off x="746" y="5216"/>
-              <a:ext cx="6879" cy="1264"/>
+              <a:off x="2195" y="6983"/>
+              <a:ext cx="9506" cy="798"/>
             </a:xfrm>
-            <a:prstGeom prst="roundRect">
+            <a:prstGeom prst="rect">
               <a:avLst/>
             </a:prstGeom>
+            <a:noFill/>
           </p:spPr>
-          <p:style>
-            <a:lnRef idx="3">
-              <a:schemeClr val="lt1"/>
-            </a:lnRef>
-            <a:fillRef idx="1">
-              <a:schemeClr val="accent6"/>
-            </a:fillRef>
-            <a:effectRef idx="1">
-              <a:schemeClr val="accent6"/>
-            </a:effectRef>
-            <a:fontRef idx="minor">
-              <a:schemeClr val="lt1"/>
-            </a:fontRef>
-          </p:style>
           <p:txBody>
-            <a:bodyPr rtlCol="0" anchor="ctr"/>
+            <a:bodyPr wrap="none" rtlCol="0" anchor="t">
+              <a:spAutoFit/>
+            </a:bodyPr>
             <a:p>
               <a:pPr algn="l">
                 <a:lnSpc>
@@ -5673,44 +10930,47 @@
                 </a:lnSpc>
               </a:pPr>
               <a:r>
-                <a:rPr lang="zh-CN" altLang="en-US" sz="1400"/>
-                <a:t>insertBefore()，把节点放到 childNodes 中的特定位置。</a:t>
+                <a:rPr lang="en-US" altLang="zh-CN" b="1">
+                  <a:sym typeface="+mn-ea"/>
+                </a:rPr>
+                <a:t>5</a:t>
               </a:r>
-              <a:endParaRPr lang="zh-CN" altLang="en-US" sz="1400"/>
+              <a:r>
+                <a:rPr lang="zh-CN" altLang="en-US" b="1">
+                  <a:sym typeface="+mn-ea"/>
+                </a:rPr>
+                <a:t>、cloneNode()，</a:t>
+              </a:r>
+              <a:r>
+                <a:rPr lang="zh-CN" altLang="en-US">
+                  <a:sym typeface="+mn-ea"/>
+                </a:rPr>
+                <a:t>会返回与调用它的节点一模一样的节点。</a:t>
+              </a:r>
+              <a:endParaRPr lang="zh-CN" altLang="en-US"/>
             </a:p>
           </p:txBody>
         </p:sp>
         <p:sp>
           <p:nvSpPr>
-            <p:cNvPr id="11" name="矩形 10"/>
-            <p:cNvSpPr/>
+            <p:cNvPr id="23" name="文本框 22"/>
+            <p:cNvSpPr txBox="1"/>
             <p:nvPr/>
           </p:nvSpPr>
           <p:spPr>
             <a:xfrm>
-              <a:off x="434" y="6480"/>
-              <a:ext cx="7504" cy="3456"/>
+              <a:off x="2195" y="8303"/>
+              <a:ext cx="15330" cy="2107"/>
             </a:xfrm>
             <a:prstGeom prst="rect">
               <a:avLst/>
             </a:prstGeom>
+            <a:noFill/>
           </p:spPr>
-          <p:style>
-            <a:lnRef idx="2">
-              <a:schemeClr val="accent6"/>
-            </a:lnRef>
-            <a:fillRef idx="1">
-              <a:schemeClr val="lt1"/>
-            </a:fillRef>
-            <a:effectRef idx="0">
-              <a:schemeClr val="accent6"/>
-            </a:effectRef>
-            <a:fontRef idx="minor">
-              <a:schemeClr val="dk1"/>
-            </a:fontRef>
-          </p:style>
           <p:txBody>
-            <a:bodyPr rtlCol="0" anchor="ctr"/>
+            <a:bodyPr wrap="square" rtlCol="0" anchor="t">
+              <a:spAutoFit/>
+            </a:bodyPr>
             <a:p>
               <a:pPr algn="l">
                 <a:lnSpc>
@@ -5718,280 +10978,24 @@
                 </a:lnSpc>
               </a:pPr>
               <a:r>
-                <a:rPr lang="zh-CN" altLang="en-US" sz="1600"/>
-                <a:t>// 作为新的第一个子节点插入</a:t>
+                <a:rPr lang="en-US" altLang="zh-CN" b="1">
+                  <a:sym typeface="+mn-ea"/>
+                </a:rPr>
+                <a:t>6</a:t>
               </a:r>
-              <a:endParaRPr lang="zh-CN" altLang="en-US" sz="1600"/>
-            </a:p>
-            <a:p>
-              <a:pPr algn="l">
-                <a:lnSpc>
-                  <a:spcPct val="150000"/>
-                </a:lnSpc>
-              </a:pPr>
               <a:r>
-                <a:rPr lang="zh-CN" altLang="en-US" sz="1600"/>
-                <a:t>returnedNode = someNode.insertBefore(newNode, someNode.firstChild);</a:t>
+                <a:rPr lang="zh-CN" altLang="en-US" b="1">
+                  <a:sym typeface="+mn-ea"/>
+                </a:rPr>
+                <a:t>、normalize()，</a:t>
               </a:r>
-              <a:endParaRPr lang="zh-CN" altLang="en-US" sz="1600"/>
-            </a:p>
-            <a:p>
-              <a:pPr algn="l">
-                <a:lnSpc>
-                  <a:spcPct val="150000"/>
-                </a:lnSpc>
-              </a:pPr>
               <a:r>
-                <a:rPr lang="zh-CN" altLang="en-US" sz="1600"/>
-                <a:t>alert(returnedNode == newNode); // true</a:t>
+                <a:rPr lang="zh-CN" altLang="en-US">
+                  <a:sym typeface="+mn-ea"/>
+                </a:rPr>
+                <a:t>这个方法唯一的任务就是处理文档子树中的文本节点。在节点上调用 normalize()方法会检测这个节点的所有后代，从中搜索上述两种情形。如果发现空文本节点，则将其删除；如果两个同胞节点是相邻的，则将其合并为一个文本节点。</a:t>
               </a:r>
-              <a:endParaRPr lang="zh-CN" altLang="en-US" sz="1600"/>
-            </a:p>
-            <a:p>
-              <a:pPr algn="l">
-                <a:lnSpc>
-                  <a:spcPct val="150000"/>
-                </a:lnSpc>
-              </a:pPr>
-              <a:r>
-                <a:rPr lang="zh-CN" altLang="en-US" sz="1600"/>
-                <a:t>alert(newNode == someNode.firstChild); // true</a:t>
-              </a:r>
-              <a:endParaRPr lang="zh-CN" altLang="en-US" sz="1600"/>
-            </a:p>
-          </p:txBody>
-        </p:sp>
-      </p:grpSp>
-      <p:grpSp>
-        <p:nvGrpSpPr>
-          <p:cNvPr id="13" name="组合 12"/>
-          <p:cNvGrpSpPr/>
-          <p:nvPr/>
-        </p:nvGrpSpPr>
-        <p:grpSpPr>
-          <a:xfrm>
-            <a:off x="1077595" y="4389120"/>
-            <a:ext cx="4765040" cy="2023745"/>
-            <a:chOff x="434" y="5216"/>
-            <a:chExt cx="7504" cy="3187"/>
-          </a:xfrm>
-        </p:grpSpPr>
-        <p:sp>
-          <p:nvSpPr>
-            <p:cNvPr id="14" name="圆角矩形 13"/>
-            <p:cNvSpPr/>
-            <p:nvPr/>
-          </p:nvSpPr>
-          <p:spPr>
-            <a:xfrm>
-              <a:off x="746" y="5216"/>
-              <a:ext cx="6879" cy="1264"/>
-            </a:xfrm>
-            <a:prstGeom prst="roundRect">
-              <a:avLst/>
-            </a:prstGeom>
-          </p:spPr>
-          <p:style>
-            <a:lnRef idx="3">
-              <a:schemeClr val="lt1"/>
-            </a:lnRef>
-            <a:fillRef idx="1">
-              <a:schemeClr val="accent6"/>
-            </a:fillRef>
-            <a:effectRef idx="1">
-              <a:schemeClr val="accent6"/>
-            </a:effectRef>
-            <a:fontRef idx="minor">
-              <a:schemeClr val="lt1"/>
-            </a:fontRef>
-          </p:style>
-          <p:txBody>
-            <a:bodyPr rtlCol="0" anchor="ctr"/>
-            <a:p>
-              <a:pPr algn="l">
-                <a:lnSpc>
-                  <a:spcPct val="150000"/>
-                </a:lnSpc>
-              </a:pPr>
-              <a:r>
-                <a:rPr lang="zh-CN" altLang="en-US" sz="1400"/>
-                <a:t>replaceChild()方法接收两个参数：要插入的节点和要替换的节点。</a:t>
-              </a:r>
-              <a:endParaRPr lang="zh-CN" altLang="en-US" sz="1400"/>
-            </a:p>
-          </p:txBody>
-        </p:sp>
-        <p:sp>
-          <p:nvSpPr>
-            <p:cNvPr id="15" name="矩形 14"/>
-            <p:cNvSpPr/>
-            <p:nvPr/>
-          </p:nvSpPr>
-          <p:spPr>
-            <a:xfrm>
-              <a:off x="434" y="6480"/>
-              <a:ext cx="7504" cy="1923"/>
-            </a:xfrm>
-            <a:prstGeom prst="rect">
-              <a:avLst/>
-            </a:prstGeom>
-          </p:spPr>
-          <p:style>
-            <a:lnRef idx="2">
-              <a:schemeClr val="accent6"/>
-            </a:lnRef>
-            <a:fillRef idx="1">
-              <a:schemeClr val="lt1"/>
-            </a:fillRef>
-            <a:effectRef idx="0">
-              <a:schemeClr val="accent6"/>
-            </a:effectRef>
-            <a:fontRef idx="minor">
-              <a:schemeClr val="dk1"/>
-            </a:fontRef>
-          </p:style>
-          <p:txBody>
-            <a:bodyPr rtlCol="0" anchor="ctr"/>
-            <a:p>
-              <a:pPr algn="l">
-                <a:lnSpc>
-                  <a:spcPct val="150000"/>
-                </a:lnSpc>
-              </a:pPr>
-              <a:r>
-                <a:rPr lang="zh-CN" altLang="en-US" sz="1600"/>
-                <a:t>// 替换第一个子节点</a:t>
-              </a:r>
-              <a:endParaRPr lang="zh-CN" altLang="en-US" sz="1600"/>
-            </a:p>
-            <a:p>
-              <a:pPr algn="l">
-                <a:lnSpc>
-                  <a:spcPct val="150000"/>
-                </a:lnSpc>
-              </a:pPr>
-              <a:r>
-                <a:rPr lang="zh-CN" altLang="en-US" sz="1600"/>
-                <a:t>let returnedNode = someNode.replaceChild(newNode, someNode.firstChild);</a:t>
-              </a:r>
-              <a:endParaRPr lang="zh-CN" altLang="en-US" sz="1600"/>
-            </a:p>
-          </p:txBody>
-        </p:sp>
-      </p:grpSp>
-      <p:grpSp>
-        <p:nvGrpSpPr>
-          <p:cNvPr id="16" name="组合 15"/>
-          <p:cNvGrpSpPr/>
-          <p:nvPr/>
-        </p:nvGrpSpPr>
-        <p:grpSpPr>
-          <a:xfrm>
-            <a:off x="6543675" y="4389120"/>
-            <a:ext cx="4765040" cy="2023745"/>
-            <a:chOff x="434" y="5216"/>
-            <a:chExt cx="7504" cy="3187"/>
-          </a:xfrm>
-        </p:grpSpPr>
-        <p:sp>
-          <p:nvSpPr>
-            <p:cNvPr id="17" name="圆角矩形 16"/>
-            <p:cNvSpPr/>
-            <p:nvPr/>
-          </p:nvSpPr>
-          <p:spPr>
-            <a:xfrm>
-              <a:off x="746" y="5216"/>
-              <a:ext cx="6879" cy="1264"/>
-            </a:xfrm>
-            <a:prstGeom prst="roundRect">
-              <a:avLst/>
-            </a:prstGeom>
-          </p:spPr>
-          <p:style>
-            <a:lnRef idx="3">
-              <a:schemeClr val="lt1"/>
-            </a:lnRef>
-            <a:fillRef idx="1">
-              <a:schemeClr val="accent6"/>
-            </a:fillRef>
-            <a:effectRef idx="1">
-              <a:schemeClr val="accent6"/>
-            </a:effectRef>
-            <a:fontRef idx="minor">
-              <a:schemeClr val="lt1"/>
-            </a:fontRef>
-          </p:style>
-          <p:txBody>
-            <a:bodyPr rtlCol="0" anchor="ctr"/>
-            <a:p>
-              <a:pPr algn="l">
-                <a:lnSpc>
-                  <a:spcPct val="150000"/>
-                </a:lnSpc>
-              </a:pPr>
-              <a:r>
-                <a:rPr lang="zh-CN" altLang="en-US" sz="1400"/>
-                <a:t>removeChild()方法移除节点</a:t>
-              </a:r>
-              <a:endParaRPr lang="zh-CN" altLang="en-US" sz="1400"/>
-            </a:p>
-          </p:txBody>
-        </p:sp>
-        <p:sp>
-          <p:nvSpPr>
-            <p:cNvPr id="18" name="矩形 17"/>
-            <p:cNvSpPr/>
-            <p:nvPr/>
-          </p:nvSpPr>
-          <p:spPr>
-            <a:xfrm>
-              <a:off x="434" y="6480"/>
-              <a:ext cx="7504" cy="1923"/>
-            </a:xfrm>
-            <a:prstGeom prst="rect">
-              <a:avLst/>
-            </a:prstGeom>
-          </p:spPr>
-          <p:style>
-            <a:lnRef idx="2">
-              <a:schemeClr val="accent6"/>
-            </a:lnRef>
-            <a:fillRef idx="1">
-              <a:schemeClr val="lt1"/>
-            </a:fillRef>
-            <a:effectRef idx="0">
-              <a:schemeClr val="accent6"/>
-            </a:effectRef>
-            <a:fontRef idx="minor">
-              <a:schemeClr val="dk1"/>
-            </a:fontRef>
-          </p:style>
-          <p:txBody>
-            <a:bodyPr rtlCol="0" anchor="ctr"/>
-            <a:p>
-              <a:pPr algn="l">
-                <a:lnSpc>
-                  <a:spcPct val="150000"/>
-                </a:lnSpc>
-              </a:pPr>
-              <a:r>
-                <a:rPr lang="zh-CN" altLang="en-US" sz="1600"/>
-                <a:t>// 删除第一个子节点</a:t>
-              </a:r>
-              <a:endParaRPr lang="zh-CN" altLang="en-US" sz="1600"/>
-            </a:p>
-            <a:p>
-              <a:pPr algn="l">
-                <a:lnSpc>
-                  <a:spcPct val="150000"/>
-                </a:lnSpc>
-              </a:pPr>
-              <a:r>
-                <a:rPr lang="zh-CN" altLang="en-US" sz="1600"/>
-                <a:t>let formerFirstChild = someNode.removeChild(someNode.firstChild);</a:t>
-              </a:r>
-              <a:endParaRPr lang="zh-CN" altLang="en-US" sz="1600"/>
+              <a:endParaRPr lang="zh-CN" altLang="en-US"/>
             </a:p>
           </p:txBody>
         </p:sp>
@@ -6052,7 +11056,103 @@
 </p:tagLst>
 </file>
 
+<file path=ppt/tags/tag13.xml><?xml version="1.0" encoding="utf-8"?>
+<p:tagLst xmlns:p="http://schemas.openxmlformats.org/presentationml/2006/main">
+  <p:tag name="KSO_WM_BEAUTIFY_FLAG" val="#wm#"/>
+  <p:tag name="KSO_WM_TEMPLATE_CATEGORY" val="custom"/>
+  <p:tag name="KSO_WM_TEMPLATE_INDEX" val="20205081"/>
+</p:tagLst>
+</file>
+
+<file path=ppt/tags/tag14.xml><?xml version="1.0" encoding="utf-8"?>
+<p:tagLst xmlns:p="http://schemas.openxmlformats.org/presentationml/2006/main">
+  <p:tag name="KSO_WM_BEAUTIFY_FLAG" val="#wm#"/>
+  <p:tag name="KSO_WM_TEMPLATE_CATEGORY" val="custom"/>
+  <p:tag name="KSO_WM_TEMPLATE_INDEX" val="20205081"/>
+</p:tagLst>
+</file>
+
+<file path=ppt/tags/tag15.xml><?xml version="1.0" encoding="utf-8"?>
+<p:tagLst xmlns:p="http://schemas.openxmlformats.org/presentationml/2006/main">
+  <p:tag name="KSO_WM_UNIT_TABLE_BEAUTIFY" val="smartTable{952ef219-c127-4c6c-b64c-040baed56067}"/>
+  <p:tag name="TABLE_ENDDRAG_ORIGIN_RECT" val="801*319"/>
+  <p:tag name="TABLE_ENDDRAG_RECT" val="66*181*801*319"/>
+</p:tagLst>
+</file>
+
+<file path=ppt/tags/tag16.xml><?xml version="1.0" encoding="utf-8"?>
+<p:tagLst xmlns:p="http://schemas.openxmlformats.org/presentationml/2006/main">
+  <p:tag name="KSO_WM_BEAUTIFY_FLAG" val="#wm#"/>
+  <p:tag name="KSO_WM_TEMPLATE_CATEGORY" val="custom"/>
+  <p:tag name="KSO_WM_TEMPLATE_INDEX" val="20205081"/>
+</p:tagLst>
+</file>
+
+<file path=ppt/tags/tag17.xml><?xml version="1.0" encoding="utf-8"?>
+<p:tagLst xmlns:p="http://schemas.openxmlformats.org/presentationml/2006/main">
+  <p:tag name="KSO_WM_UNIT_TABLE_BEAUTIFY" val="smartTable{952ef219-c127-4c6c-b64c-040baed56067}"/>
+  <p:tag name="TABLE_ENDDRAG_ORIGIN_RECT" val="801*319"/>
+  <p:tag name="TABLE_ENDDRAG_RECT" val="66*181*801*319"/>
+</p:tagLst>
+</file>
+
+<file path=ppt/tags/tag18.xml><?xml version="1.0" encoding="utf-8"?>
+<p:tagLst xmlns:p="http://schemas.openxmlformats.org/presentationml/2006/main">
+  <p:tag name="KSO_WM_BEAUTIFY_FLAG" val="#wm#"/>
+  <p:tag name="KSO_WM_TEMPLATE_CATEGORY" val="custom"/>
+  <p:tag name="KSO_WM_TEMPLATE_INDEX" val="20205081"/>
+</p:tagLst>
+</file>
+
+<file path=ppt/tags/tag19.xml><?xml version="1.0" encoding="utf-8"?>
+<p:tagLst xmlns:p="http://schemas.openxmlformats.org/presentationml/2006/main">
+  <p:tag name="KSO_WM_BEAUTIFY_FLAG" val="#wm#"/>
+  <p:tag name="KSO_WM_TEMPLATE_CATEGORY" val="custom"/>
+  <p:tag name="KSO_WM_TEMPLATE_INDEX" val="20205081"/>
+</p:tagLst>
+</file>
+
 <file path=ppt/tags/tag2.xml><?xml version="1.0" encoding="utf-8"?>
+<p:tagLst xmlns:p="http://schemas.openxmlformats.org/presentationml/2006/main">
+  <p:tag name="KSO_WM_BEAUTIFY_FLAG" val="#wm#"/>
+  <p:tag name="KSO_WM_TEMPLATE_CATEGORY" val="custom"/>
+  <p:tag name="KSO_WM_TEMPLATE_INDEX" val="20205081"/>
+</p:tagLst>
+</file>
+
+<file path=ppt/tags/tag20.xml><?xml version="1.0" encoding="utf-8"?>
+<p:tagLst xmlns:p="http://schemas.openxmlformats.org/presentationml/2006/main">
+  <p:tag name="KSO_WM_UNIT_TABLE_BEAUTIFY" val="smartTable{952ef219-c127-4c6c-b64c-040baed56067}"/>
+  <p:tag name="TABLE_ENDDRAG_ORIGIN_RECT" val="455*277"/>
+  <p:tag name="TABLE_ENDDRAG_RECT" val="26*165*455*277"/>
+</p:tagLst>
+</file>
+
+<file path=ppt/tags/tag21.xml><?xml version="1.0" encoding="utf-8"?>
+<p:tagLst xmlns:p="http://schemas.openxmlformats.org/presentationml/2006/main">
+  <p:tag name="KSO_WM_BEAUTIFY_FLAG" val="#wm#"/>
+  <p:tag name="KSO_WM_TEMPLATE_CATEGORY" val="custom"/>
+  <p:tag name="KSO_WM_TEMPLATE_INDEX" val="20205081"/>
+</p:tagLst>
+</file>
+
+<file path=ppt/tags/tag22.xml><?xml version="1.0" encoding="utf-8"?>
+<p:tagLst xmlns:p="http://schemas.openxmlformats.org/presentationml/2006/main">
+  <p:tag name="KSO_WM_UNIT_TABLE_BEAUTIFY" val="smartTable{952ef219-c127-4c6c-b64c-040baed56067}"/>
+  <p:tag name="TABLE_ENDDRAG_ORIGIN_RECT" val="858*277"/>
+  <p:tag name="TABLE_ENDDRAG_RECT" val="26*165*858*277"/>
+</p:tagLst>
+</file>
+
+<file path=ppt/tags/tag23.xml><?xml version="1.0" encoding="utf-8"?>
+<p:tagLst xmlns:p="http://schemas.openxmlformats.org/presentationml/2006/main">
+  <p:tag name="KSO_WM_BEAUTIFY_FLAG" val="#wm#"/>
+  <p:tag name="KSO_WM_TEMPLATE_CATEGORY" val="custom"/>
+  <p:tag name="KSO_WM_TEMPLATE_INDEX" val="20205081"/>
+</p:tagLst>
+</file>
+
+<file path=ppt/tags/tag24.xml><?xml version="1.0" encoding="utf-8"?>
 <p:tagLst xmlns:p="http://schemas.openxmlformats.org/presentationml/2006/main">
   <p:tag name="KSO_WM_BEAUTIFY_FLAG" val="#wm#"/>
   <p:tag name="KSO_WM_TEMPLATE_CATEGORY" val="custom"/>
@@ -6371,4 +11471,263 @@
     </a:ext>
   </a:extLst>
 </a:theme>
+</file>
+
+<file path=ppt/theme/theme2.xml><?xml version="1.0" encoding="utf-8"?>
+<a:theme xmlns:a="http://schemas.openxmlformats.org/drawingml/2006/main" name="Office 主题">
+  <a:themeElements>
+    <a:clrScheme name="Office">
+      <a:dk1>
+        <a:sysClr val="windowText" lastClr="000000"/>
+      </a:dk1>
+      <a:lt1>
+        <a:sysClr val="window" lastClr="FFFFFF"/>
+      </a:lt1>
+      <a:dk2>
+        <a:srgbClr val="44546A"/>
+      </a:dk2>
+      <a:lt2>
+        <a:srgbClr val="E7E6E6"/>
+      </a:lt2>
+      <a:accent1>
+        <a:srgbClr val="5B9BD5"/>
+      </a:accent1>
+      <a:accent2>
+        <a:srgbClr val="ED7D31"/>
+      </a:accent2>
+      <a:accent3>
+        <a:srgbClr val="A5A5A5"/>
+      </a:accent3>
+      <a:accent4>
+        <a:srgbClr val="FFC000"/>
+      </a:accent4>
+      <a:accent5>
+        <a:srgbClr val="4472C4"/>
+      </a:accent5>
+      <a:accent6>
+        <a:srgbClr val="70AD47"/>
+      </a:accent6>
+      <a:hlink>
+        <a:srgbClr val="0563C1"/>
+      </a:hlink>
+      <a:folHlink>
+        <a:srgbClr val="954F72"/>
+      </a:folHlink>
+    </a:clrScheme>
+    <a:fontScheme name="Office">
+      <a:majorFont>
+        <a:latin typeface="Calibri Light"/>
+        <a:ea typeface=""/>
+        <a:cs typeface=""/>
+        <a:font script="Jpan" typeface="ＭＳ Ｐゴシック"/>
+        <a:font script="Hang" typeface="맑은 고딕"/>
+        <a:font script="Hans" typeface="宋体"/>
+        <a:font script="Hant" typeface="新細明體"/>
+        <a:font script="Arab" typeface="Times New Roman"/>
+        <a:font script="Hebr" typeface="Times New Roman"/>
+        <a:font script="Thai" typeface="Angsana New"/>
+        <a:font script="Ethi" typeface="Nyala"/>
+        <a:font script="Beng" typeface="Vrinda"/>
+        <a:font script="Gujr" typeface="Shruti"/>
+        <a:font script="Khmr" typeface="MoolBoran"/>
+        <a:font script="Knda" typeface="Tunga"/>
+        <a:font script="Guru" typeface="Raavi"/>
+        <a:font script="Cans" typeface="Euphemia"/>
+        <a:font script="Cher" typeface="Plantagenet Cherokee"/>
+        <a:font script="Yiii" typeface="Microsoft Yi Baiti"/>
+        <a:font script="Tibt" typeface="Microsoft Himalaya"/>
+        <a:font script="Thaa" typeface="MV Boli"/>
+        <a:font script="Deva" typeface="Mangal"/>
+        <a:font script="Telu" typeface="Gautami"/>
+        <a:font script="Taml" typeface="Latha"/>
+        <a:font script="Syrc" typeface="Estrangelo Edessa"/>
+        <a:font script="Orya" typeface="Kalinga"/>
+        <a:font script="Mlym" typeface="Kartika"/>
+        <a:font script="Laoo" typeface="DokChampa"/>
+        <a:font script="Sinh" typeface="Iskoola Pota"/>
+        <a:font script="Mong" typeface="Mongolian Baiti"/>
+        <a:font script="Viet" typeface="Times New Roman"/>
+        <a:font script="Uigh" typeface="Microsoft Uighur"/>
+        <a:font script="Geor" typeface="Sylfaen"/>
+      </a:majorFont>
+      <a:minorFont>
+        <a:latin typeface="Calibri"/>
+        <a:ea typeface=""/>
+        <a:cs typeface=""/>
+        <a:font script="Jpan" typeface="ＭＳ Ｐゴシック"/>
+        <a:font script="Hang" typeface="맑은 고딕"/>
+        <a:font script="Hans" typeface="宋体"/>
+        <a:font script="Hant" typeface="新細明體"/>
+        <a:font script="Arab" typeface="Arial"/>
+        <a:font script="Hebr" typeface="Arial"/>
+        <a:font script="Thai" typeface="Cordia New"/>
+        <a:font script="Ethi" typeface="Nyala"/>
+        <a:font script="Beng" typeface="Vrinda"/>
+        <a:font script="Gujr" typeface="Shruti"/>
+        <a:font script="Khmr" typeface="DaunPenh"/>
+        <a:font script="Knda" typeface="Tunga"/>
+        <a:font script="Guru" typeface="Raavi"/>
+        <a:font script="Cans" typeface="Euphemia"/>
+        <a:font script="Cher" typeface="Plantagenet Cherokee"/>
+        <a:font script="Yiii" typeface="Microsoft Yi Baiti"/>
+        <a:font script="Tibt" typeface="Microsoft Himalaya"/>
+        <a:font script="Thaa" typeface="MV Boli"/>
+        <a:font script="Deva" typeface="Mangal"/>
+        <a:font script="Telu" typeface="Gautami"/>
+        <a:font script="Taml" typeface="Latha"/>
+        <a:font script="Syrc" typeface="Estrangelo Edessa"/>
+        <a:font script="Orya" typeface="Kalinga"/>
+        <a:font script="Mlym" typeface="Kartika"/>
+        <a:font script="Laoo" typeface="DokChampa"/>
+        <a:font script="Sinh" typeface="Iskoola Pota"/>
+        <a:font script="Mong" typeface="Mongolian Baiti"/>
+        <a:font script="Viet" typeface="Arial"/>
+        <a:font script="Uigh" typeface="Microsoft Uighur"/>
+        <a:font script="Geor" typeface="Sylfaen"/>
+      </a:minorFont>
+    </a:fontScheme>
+    <a:fmtScheme name="Office">
+      <a:fillStyleLst>
+        <a:solidFill>
+          <a:schemeClr val="phClr"/>
+        </a:solidFill>
+        <a:gradFill rotWithShape="1">
+          <a:gsLst>
+            <a:gs pos="0">
+              <a:schemeClr val="phClr">
+                <a:lumMod val="110000"/>
+                <a:satMod val="105000"/>
+                <a:tint val="67000"/>
+              </a:schemeClr>
+            </a:gs>
+            <a:gs pos="50000">
+              <a:schemeClr val="phClr">
+                <a:lumMod val="105000"/>
+                <a:satMod val="103000"/>
+                <a:tint val="73000"/>
+              </a:schemeClr>
+            </a:gs>
+            <a:gs pos="100000">
+              <a:schemeClr val="phClr">
+                <a:lumMod val="105000"/>
+                <a:satMod val="109000"/>
+                <a:tint val="81000"/>
+              </a:schemeClr>
+            </a:gs>
+          </a:gsLst>
+          <a:lin ang="5400000" scaled="0"/>
+        </a:gradFill>
+        <a:gradFill rotWithShape="1">
+          <a:gsLst>
+            <a:gs pos="0">
+              <a:schemeClr val="phClr">
+                <a:satMod val="103000"/>
+                <a:lumMod val="102000"/>
+                <a:tint val="94000"/>
+              </a:schemeClr>
+            </a:gs>
+            <a:gs pos="50000">
+              <a:schemeClr val="phClr">
+                <a:satMod val="110000"/>
+                <a:lumMod val="100000"/>
+                <a:shade val="100000"/>
+              </a:schemeClr>
+            </a:gs>
+            <a:gs pos="100000">
+              <a:schemeClr val="phClr">
+                <a:lumMod val="99000"/>
+                <a:satMod val="120000"/>
+                <a:shade val="78000"/>
+              </a:schemeClr>
+            </a:gs>
+          </a:gsLst>
+          <a:lin ang="5400000" scaled="0"/>
+        </a:gradFill>
+      </a:fillStyleLst>
+      <a:lnStyleLst>
+        <a:ln w="6350" cap="flat" cmpd="sng" algn="ctr">
+          <a:solidFill>
+            <a:schemeClr val="phClr"/>
+          </a:solidFill>
+          <a:prstDash val="solid"/>
+          <a:miter lim="800000"/>
+        </a:ln>
+        <a:ln w="12700" cap="flat" cmpd="sng" algn="ctr">
+          <a:solidFill>
+            <a:schemeClr val="phClr"/>
+          </a:solidFill>
+          <a:prstDash val="solid"/>
+          <a:miter lim="800000"/>
+        </a:ln>
+        <a:ln w="19050" cap="flat" cmpd="sng" algn="ctr">
+          <a:solidFill>
+            <a:schemeClr val="phClr"/>
+          </a:solidFill>
+          <a:prstDash val="solid"/>
+          <a:miter lim="800000"/>
+        </a:ln>
+      </a:lnStyleLst>
+      <a:effectStyleLst>
+        <a:effectStyle>
+          <a:effectLst/>
+        </a:effectStyle>
+        <a:effectStyle>
+          <a:effectLst/>
+        </a:effectStyle>
+        <a:effectStyle>
+          <a:effectLst>
+            <a:outerShdw blurRad="57150" dist="19050" dir="5400000" algn="ctr" rotWithShape="0">
+              <a:srgbClr val="000000">
+                <a:alpha val="63000"/>
+              </a:srgbClr>
+            </a:outerShdw>
+          </a:effectLst>
+        </a:effectStyle>
+      </a:effectStyleLst>
+      <a:bgFillStyleLst>
+        <a:solidFill>
+          <a:schemeClr val="phClr"/>
+        </a:solidFill>
+        <a:solidFill>
+          <a:schemeClr val="phClr">
+            <a:tint val="95000"/>
+            <a:satMod val="170000"/>
+          </a:schemeClr>
+        </a:solidFill>
+        <a:gradFill rotWithShape="1">
+          <a:gsLst>
+            <a:gs pos="0">
+              <a:schemeClr val="phClr">
+                <a:tint val="93000"/>
+                <a:satMod val="150000"/>
+                <a:shade val="98000"/>
+                <a:lumMod val="102000"/>
+              </a:schemeClr>
+            </a:gs>
+            <a:gs pos="50000">
+              <a:schemeClr val="phClr">
+                <a:tint val="98000"/>
+                <a:satMod val="130000"/>
+                <a:shade val="90000"/>
+                <a:lumMod val="103000"/>
+              </a:schemeClr>
+            </a:gs>
+            <a:gs pos="100000">
+              <a:schemeClr val="phClr">
+                <a:shade val="63000"/>
+                <a:satMod val="120000"/>
+              </a:schemeClr>
+            </a:gs>
+          </a:gsLst>
+          <a:lin ang="5400000" scaled="0"/>
+        </a:gradFill>
+      </a:bgFillStyleLst>
+    </a:fmtScheme>
+  </a:themeElements>
+  <a:extLst>
+    <a:ext uri="{05A4C25C-085E-4340-85A3-A5531E510DB2}">
+      <thm15:themeFamily xmlns:thm15="http://schemas.microsoft.com/office/thememl/2012/main" name="Office Theme" id="{62F939B6-93AF-4DB8-9C6B-D6C7DFDC589F}" vid="{4A3C46E8-61CC-4603-A589-7422A47A8E4A}"/>
+    </a:ext>
+  </a:extLst>
+</a:theme>
 </file>
--- a/读书笔记/JavaScript高级程序设计第四版 ppt版本/第十四章 DOM.pptx
+++ b/读书笔记/JavaScript高级程序设计第四版 ppt版本/第十四章 DOM.pptx
@@ -27,6 +27,9 @@
     <p:sldId id="272" r:id="rId20"/>
     <p:sldId id="274" r:id="rId21"/>
     <p:sldId id="275" r:id="rId22"/>
+    <p:sldId id="280" r:id="rId23"/>
+    <p:sldId id="281" r:id="rId24"/>
+    <p:sldId id="282" r:id="rId25"/>
   </p:sldIdLst>
   <p:sldSz cx="12192000" cy="6858000"/>
   <p:notesSz cx="6858000" cy="9144000"/>
@@ -476,6 +479,138 @@
 </file>
 
 <file path=ppt/notesSlides/notesSlide1.xml><?xml version="1.0" encoding="utf-8"?>
+<p:notes xmlns:a="http://schemas.openxmlformats.org/drawingml/2006/main" xmlns:r="http://schemas.openxmlformats.org/officeDocument/2006/relationships" xmlns:p="http://schemas.openxmlformats.org/presentationml/2006/main">
+  <p:cSld>
+    <p:spTree>
+      <p:nvGrpSpPr>
+        <p:cNvPr id="1" name=""/>
+        <p:cNvGrpSpPr/>
+        <p:nvPr/>
+      </p:nvGrpSpPr>
+      <p:grpSpPr/>
+      <p:sp>
+        <p:nvSpPr>
+          <p:cNvPr id="2" name="幻灯片图像占位符 1"/>
+          <p:cNvSpPr/>
+          <p:nvPr>
+            <p:ph type="sldImg" idx="2"/>
+          </p:nvPr>
+        </p:nvSpPr>
+        <p:spPr/>
+      </p:sp>
+      <p:sp>
+        <p:nvSpPr>
+          <p:cNvPr id="3" name="文本占位符 2"/>
+          <p:cNvSpPr/>
+          <p:nvPr>
+            <p:ph type="body" idx="3"/>
+          </p:nvPr>
+        </p:nvSpPr>
+        <p:spPr/>
+        <p:txBody>
+          <a:bodyPr/>
+          <a:p>
+            <a:endParaRPr lang="zh-CN" altLang="en-US"/>
+          </a:p>
+        </p:txBody>
+      </p:sp>
+    </p:spTree>
+  </p:cSld>
+  <p:clrMapOvr>
+    <a:masterClrMapping/>
+  </p:clrMapOvr>
+</p:notes>
+</file>
+
+<file path=ppt/notesSlides/notesSlide10.xml><?xml version="1.0" encoding="utf-8"?>
+<p:notes xmlns:a="http://schemas.openxmlformats.org/drawingml/2006/main" xmlns:r="http://schemas.openxmlformats.org/officeDocument/2006/relationships" xmlns:p="http://schemas.openxmlformats.org/presentationml/2006/main">
+  <p:cSld>
+    <p:spTree>
+      <p:nvGrpSpPr>
+        <p:cNvPr id="1" name=""/>
+        <p:cNvGrpSpPr/>
+        <p:nvPr/>
+      </p:nvGrpSpPr>
+      <p:grpSpPr/>
+      <p:sp>
+        <p:nvSpPr>
+          <p:cNvPr id="2" name="幻灯片图像占位符 1"/>
+          <p:cNvSpPr/>
+          <p:nvPr>
+            <p:ph type="sldImg" idx="2"/>
+          </p:nvPr>
+        </p:nvSpPr>
+        <p:spPr/>
+      </p:sp>
+      <p:sp>
+        <p:nvSpPr>
+          <p:cNvPr id="3" name="文本占位符 2"/>
+          <p:cNvSpPr/>
+          <p:nvPr>
+            <p:ph type="body" idx="3"/>
+          </p:nvPr>
+        </p:nvSpPr>
+        <p:spPr/>
+        <p:txBody>
+          <a:bodyPr/>
+          <a:p>
+            <a:endParaRPr lang="zh-CN" altLang="en-US"/>
+          </a:p>
+        </p:txBody>
+      </p:sp>
+    </p:spTree>
+  </p:cSld>
+  <p:clrMapOvr>
+    <a:masterClrMapping/>
+  </p:clrMapOvr>
+</p:notes>
+</file>
+
+<file path=ppt/notesSlides/notesSlide11.xml><?xml version="1.0" encoding="utf-8"?>
+<p:notes xmlns:a="http://schemas.openxmlformats.org/drawingml/2006/main" xmlns:r="http://schemas.openxmlformats.org/officeDocument/2006/relationships" xmlns:p="http://schemas.openxmlformats.org/presentationml/2006/main">
+  <p:cSld>
+    <p:spTree>
+      <p:nvGrpSpPr>
+        <p:cNvPr id="1" name=""/>
+        <p:cNvGrpSpPr/>
+        <p:nvPr/>
+      </p:nvGrpSpPr>
+      <p:grpSpPr/>
+      <p:sp>
+        <p:nvSpPr>
+          <p:cNvPr id="2" name="幻灯片图像占位符 1"/>
+          <p:cNvSpPr/>
+          <p:nvPr>
+            <p:ph type="sldImg" idx="2"/>
+          </p:nvPr>
+        </p:nvSpPr>
+        <p:spPr/>
+      </p:sp>
+      <p:sp>
+        <p:nvSpPr>
+          <p:cNvPr id="3" name="文本占位符 2"/>
+          <p:cNvSpPr/>
+          <p:nvPr>
+            <p:ph type="body" idx="3"/>
+          </p:nvPr>
+        </p:nvSpPr>
+        <p:spPr/>
+        <p:txBody>
+          <a:bodyPr/>
+          <a:p>
+            <a:endParaRPr lang="zh-CN" altLang="en-US"/>
+          </a:p>
+        </p:txBody>
+      </p:sp>
+    </p:spTree>
+  </p:cSld>
+  <p:clrMapOvr>
+    <a:masterClrMapping/>
+  </p:clrMapOvr>
+</p:notes>
+</file>
+
+<file path=ppt/notesSlides/notesSlide12.xml><?xml version="1.0" encoding="utf-8"?>
 <p:notes xmlns:a="http://schemas.openxmlformats.org/drawingml/2006/main" xmlns:r="http://schemas.openxmlformats.org/officeDocument/2006/relationships" xmlns:p="http://schemas.openxmlformats.org/presentationml/2006/main">
   <p:cSld>
     <p:spTree>
@@ -8957,6 +9092,1085 @@
 </p:sld>
 </file>
 
+<file path=ppt/slides/slide20.xml><?xml version="1.0" encoding="utf-8"?>
+<p:sld xmlns:a="http://schemas.openxmlformats.org/drawingml/2006/main" xmlns:r="http://schemas.openxmlformats.org/officeDocument/2006/relationships" xmlns:p="http://schemas.openxmlformats.org/presentationml/2006/main">
+  <p:cSld>
+    <p:spTree>
+      <p:nvGrpSpPr>
+        <p:cNvPr id="1" name=""/>
+        <p:cNvGrpSpPr/>
+        <p:nvPr/>
+      </p:nvGrpSpPr>
+      <p:grpSpPr/>
+      <p:sp>
+        <p:nvSpPr>
+          <p:cNvPr id="3" name="文本框 2"/>
+          <p:cNvSpPr txBox="1"/>
+          <p:nvPr/>
+        </p:nvSpPr>
+        <p:spPr>
+          <a:xfrm>
+            <a:off x="463550" y="125730"/>
+            <a:ext cx="7962265" cy="521970"/>
+          </a:xfrm>
+          <a:prstGeom prst="rect">
+            <a:avLst/>
+          </a:prstGeom>
+          <a:noFill/>
+        </p:spPr>
+        <p:txBody>
+          <a:bodyPr wrap="square" rtlCol="0">
+            <a:spAutoFit/>
+          </a:bodyPr>
+          <a:p>
+            <a:r>
+              <a:rPr lang="en-US" altLang="zh-CN" sz="2800" b="1">
+                <a:solidFill>
+                  <a:schemeClr val="tx1"/>
+                </a:solidFill>
+                <a:effectLst>
+                  <a:outerShdw blurRad="38100" dist="19050" dir="2700000" algn="tl" rotWithShape="0">
+                    <a:schemeClr val="dk1">
+                      <a:alpha val="40000"/>
+                    </a:schemeClr>
+                  </a:outerShdw>
+                </a:effectLst>
+              </a:rPr>
+              <a:t>5</a:t>
+            </a:r>
+            <a:r>
+              <a:rPr lang="zh-CN" sz="2800" b="1">
+                <a:solidFill>
+                  <a:schemeClr val="tx1"/>
+                </a:solidFill>
+                <a:effectLst>
+                  <a:outerShdw blurRad="38100" dist="19050" dir="2700000" algn="tl" rotWithShape="0">
+                    <a:schemeClr val="dk1">
+                      <a:alpha val="40000"/>
+                    </a:schemeClr>
+                  </a:outerShdw>
+                </a:effectLst>
+              </a:rPr>
+              <a:t>、</a:t>
+            </a:r>
+            <a:r>
+              <a:rPr lang="en-US" altLang="zh-CN" sz="2800" b="1">
+                <a:latin typeface="方正舒体" panose="02010601030101010101" charset="-122"/>
+                <a:ea typeface="方正舒体" panose="02010601030101010101" charset="-122"/>
+                <a:cs typeface="方正舒体" panose="02010601030101010101" charset="-122"/>
+                <a:sym typeface="+mn-ea"/>
+              </a:rPr>
+              <a:t>Text</a:t>
+            </a:r>
+            <a:r>
+              <a:rPr lang="zh-CN" sz="2800" b="1">
+                <a:latin typeface="方正舒体" panose="02010601030101010101" charset="-122"/>
+                <a:ea typeface="方正舒体" panose="02010601030101010101" charset="-122"/>
+                <a:cs typeface="方正舒体" panose="02010601030101010101" charset="-122"/>
+                <a:sym typeface="+mn-ea"/>
+              </a:rPr>
+              <a:t>类型</a:t>
+            </a:r>
+            <a:endParaRPr lang="zh-CN" sz="2800" b="1">
+              <a:latin typeface="方正舒体" panose="02010601030101010101" charset="-122"/>
+              <a:ea typeface="方正舒体" panose="02010601030101010101" charset="-122"/>
+              <a:cs typeface="方正舒体" panose="02010601030101010101" charset="-122"/>
+              <a:sym typeface="+mn-ea"/>
+            </a:endParaRPr>
+          </a:p>
+        </p:txBody>
+      </p:sp>
+      <p:sp>
+        <p:nvSpPr>
+          <p:cNvPr id="2" name="文本框 1"/>
+          <p:cNvSpPr txBox="1"/>
+          <p:nvPr/>
+        </p:nvSpPr>
+        <p:spPr>
+          <a:xfrm>
+            <a:off x="840740" y="871220"/>
+            <a:ext cx="10511155" cy="829945"/>
+          </a:xfrm>
+          <a:prstGeom prst="rect">
+            <a:avLst/>
+          </a:prstGeom>
+          <a:noFill/>
+        </p:spPr>
+        <p:txBody>
+          <a:bodyPr wrap="square" rtlCol="0">
+            <a:spAutoFit/>
+          </a:bodyPr>
+          <a:p>
+            <a:pPr algn="l">
+              <a:lnSpc>
+                <a:spcPct val="150000"/>
+              </a:lnSpc>
+            </a:pPr>
+            <a:r>
+              <a:rPr lang="zh-CN" altLang="en-US" sz="1600">
+                <a:latin typeface="楷体" panose="02010609060101010101" charset="-122"/>
+                <a:ea typeface="楷体" panose="02010609060101010101" charset="-122"/>
+                <a:cs typeface="楷体" panose="02010609060101010101" charset="-122"/>
+              </a:rPr>
+              <a:t>Text 节点由 Text 类型表示，包含按字面解释的纯文本，也可能包含转义后的 HTML 字符，但不</a:t>
+            </a:r>
+            <a:endParaRPr lang="zh-CN" altLang="en-US" sz="1600">
+              <a:latin typeface="楷体" panose="02010609060101010101" charset="-122"/>
+              <a:ea typeface="楷体" panose="02010609060101010101" charset="-122"/>
+              <a:cs typeface="楷体" panose="02010609060101010101" charset="-122"/>
+            </a:endParaRPr>
+          </a:p>
+          <a:p>
+            <a:pPr algn="l">
+              <a:lnSpc>
+                <a:spcPct val="150000"/>
+              </a:lnSpc>
+            </a:pPr>
+            <a:r>
+              <a:rPr lang="zh-CN" altLang="en-US" sz="1600">
+                <a:latin typeface="楷体" panose="02010609060101010101" charset="-122"/>
+                <a:ea typeface="楷体" panose="02010609060101010101" charset="-122"/>
+                <a:cs typeface="楷体" panose="02010609060101010101" charset="-122"/>
+              </a:rPr>
+              <a:t>含 HTML 代码。Text 类型的节点具有以下特征：</a:t>
+            </a:r>
+            <a:endParaRPr lang="zh-CN" altLang="en-US" sz="1600">
+              <a:latin typeface="楷体" panose="02010609060101010101" charset="-122"/>
+              <a:ea typeface="楷体" panose="02010609060101010101" charset="-122"/>
+              <a:cs typeface="楷体" panose="02010609060101010101" charset="-122"/>
+            </a:endParaRPr>
+          </a:p>
+        </p:txBody>
+      </p:sp>
+      <p:sp>
+        <p:nvSpPr>
+          <p:cNvPr id="4" name="文本框 3"/>
+          <p:cNvSpPr txBox="1"/>
+          <p:nvPr/>
+        </p:nvSpPr>
+        <p:spPr>
+          <a:xfrm>
+            <a:off x="1948815" y="2143125"/>
+            <a:ext cx="8523605" cy="1706880"/>
+          </a:xfrm>
+          <a:prstGeom prst="rect">
+            <a:avLst/>
+          </a:prstGeom>
+          <a:noFill/>
+        </p:spPr>
+        <p:txBody>
+          <a:bodyPr wrap="square" rtlCol="0" anchor="t">
+            <a:spAutoFit/>
+          </a:bodyPr>
+          <a:p>
+            <a:pPr marL="285750" indent="-285750" algn="l">
+              <a:lnSpc>
+                <a:spcPct val="150000"/>
+              </a:lnSpc>
+              <a:buFont typeface="Arial" panose="020B0604020202020204" pitchFamily="34" charset="0"/>
+              <a:buChar char="•"/>
+            </a:pPr>
+            <a:r>
+              <a:rPr lang="zh-CN" altLang="en-US" sz="1400">
+                <a:sym typeface="+mn-ea"/>
+              </a:rPr>
+              <a:t> nodeType 等于 3；</a:t>
+            </a:r>
+            <a:endParaRPr lang="zh-CN" altLang="en-US" sz="1400">
+              <a:sym typeface="+mn-ea"/>
+            </a:endParaRPr>
+          </a:p>
+          <a:p>
+            <a:pPr marL="285750" indent="-285750" algn="l">
+              <a:lnSpc>
+                <a:spcPct val="150000"/>
+              </a:lnSpc>
+              <a:buFont typeface="Arial" panose="020B0604020202020204" pitchFamily="34" charset="0"/>
+              <a:buChar char="•"/>
+            </a:pPr>
+            <a:r>
+              <a:rPr lang="zh-CN" altLang="en-US" sz="1400">
+                <a:sym typeface="+mn-ea"/>
+              </a:rPr>
+              <a:t>nodeName 值为"#text"；</a:t>
+            </a:r>
+            <a:endParaRPr lang="zh-CN" altLang="en-US" sz="1400">
+              <a:sym typeface="+mn-ea"/>
+            </a:endParaRPr>
+          </a:p>
+          <a:p>
+            <a:pPr marL="285750" indent="-285750" algn="l">
+              <a:lnSpc>
+                <a:spcPct val="150000"/>
+              </a:lnSpc>
+              <a:buFont typeface="Arial" panose="020B0604020202020204" pitchFamily="34" charset="0"/>
+              <a:buChar char="•"/>
+            </a:pPr>
+            <a:r>
+              <a:rPr lang="zh-CN" altLang="en-US" sz="1400">
+                <a:sym typeface="+mn-ea"/>
+              </a:rPr>
+              <a:t>nodeValue 值为节点中包含的文本；</a:t>
+            </a:r>
+            <a:endParaRPr lang="zh-CN" altLang="en-US" sz="1400">
+              <a:sym typeface="+mn-ea"/>
+            </a:endParaRPr>
+          </a:p>
+          <a:p>
+            <a:pPr marL="285750" indent="-285750" algn="l">
+              <a:lnSpc>
+                <a:spcPct val="150000"/>
+              </a:lnSpc>
+              <a:buFont typeface="Arial" panose="020B0604020202020204" pitchFamily="34" charset="0"/>
+              <a:buChar char="•"/>
+            </a:pPr>
+            <a:r>
+              <a:rPr lang="zh-CN" altLang="en-US" sz="1400">
+                <a:sym typeface="+mn-ea"/>
+              </a:rPr>
+              <a:t>parentNode 值为 Element 对象；</a:t>
+            </a:r>
+            <a:endParaRPr lang="zh-CN" altLang="en-US" sz="1400">
+              <a:sym typeface="+mn-ea"/>
+            </a:endParaRPr>
+          </a:p>
+          <a:p>
+            <a:pPr marL="285750" indent="-285750" algn="l">
+              <a:lnSpc>
+                <a:spcPct val="150000"/>
+              </a:lnSpc>
+              <a:buFont typeface="Arial" panose="020B0604020202020204" pitchFamily="34" charset="0"/>
+              <a:buChar char="•"/>
+            </a:pPr>
+            <a:r>
+              <a:rPr lang="zh-CN" altLang="en-US" sz="1400">
+                <a:solidFill>
+                  <a:srgbClr val="FF0000"/>
+                </a:solidFill>
+                <a:sym typeface="+mn-ea"/>
+              </a:rPr>
+              <a:t>不支持子节点。</a:t>
+            </a:r>
+            <a:endParaRPr lang="zh-CN" altLang="en-US" sz="1400">
+              <a:solidFill>
+                <a:srgbClr val="FF0000"/>
+              </a:solidFill>
+              <a:sym typeface="+mn-ea"/>
+            </a:endParaRPr>
+          </a:p>
+        </p:txBody>
+      </p:sp>
+      <p:sp>
+        <p:nvSpPr>
+          <p:cNvPr id="5" name="文本框 4"/>
+          <p:cNvSpPr txBox="1"/>
+          <p:nvPr/>
+        </p:nvSpPr>
+        <p:spPr>
+          <a:xfrm>
+            <a:off x="840740" y="4291965"/>
+            <a:ext cx="9789160" cy="337185"/>
+          </a:xfrm>
+          <a:prstGeom prst="rect">
+            <a:avLst/>
+          </a:prstGeom>
+          <a:noFill/>
+        </p:spPr>
+        <p:txBody>
+          <a:bodyPr wrap="square" rtlCol="0" anchor="t">
+            <a:spAutoFit/>
+          </a:bodyPr>
+          <a:p>
+            <a:r>
+              <a:rPr lang="zh-CN" altLang="en-US" sz="1600"/>
+              <a:t>Text 节点中包含的文本可以通过 nodeValue 属性访问，也可以通过 data 属性访问，这两个属性包含相同的值。</a:t>
+            </a:r>
+            <a:endParaRPr lang="zh-CN" altLang="en-US" sz="1600"/>
+          </a:p>
+        </p:txBody>
+      </p:sp>
+    </p:spTree>
+    <p:custDataLst>
+      <p:tags r:id="rId1"/>
+    </p:custDataLst>
+  </p:cSld>
+  <p:clrMapOvr>
+    <a:masterClrMapping/>
+  </p:clrMapOvr>
+</p:sld>
+</file>
+
+<file path=ppt/slides/slide21.xml><?xml version="1.0" encoding="utf-8"?>
+<p:sld xmlns:a="http://schemas.openxmlformats.org/drawingml/2006/main" xmlns:r="http://schemas.openxmlformats.org/officeDocument/2006/relationships" xmlns:p="http://schemas.openxmlformats.org/presentationml/2006/main">
+  <p:cSld>
+    <p:spTree>
+      <p:nvGrpSpPr>
+        <p:cNvPr id="1" name=""/>
+        <p:cNvGrpSpPr/>
+        <p:nvPr/>
+      </p:nvGrpSpPr>
+      <p:grpSpPr/>
+      <p:sp>
+        <p:nvSpPr>
+          <p:cNvPr id="3" name="文本框 2"/>
+          <p:cNvSpPr txBox="1"/>
+          <p:nvPr/>
+        </p:nvSpPr>
+        <p:spPr>
+          <a:xfrm>
+            <a:off x="463550" y="125730"/>
+            <a:ext cx="7962265" cy="521970"/>
+          </a:xfrm>
+          <a:prstGeom prst="rect">
+            <a:avLst/>
+          </a:prstGeom>
+          <a:noFill/>
+        </p:spPr>
+        <p:txBody>
+          <a:bodyPr wrap="square" rtlCol="0">
+            <a:spAutoFit/>
+          </a:bodyPr>
+          <a:p>
+            <a:r>
+              <a:rPr lang="en-US" altLang="zh-CN" sz="2800" b="1">
+                <a:solidFill>
+                  <a:schemeClr val="tx1"/>
+                </a:solidFill>
+                <a:effectLst>
+                  <a:outerShdw blurRad="38100" dist="19050" dir="2700000" algn="tl" rotWithShape="0">
+                    <a:schemeClr val="dk1">
+                      <a:alpha val="40000"/>
+                    </a:schemeClr>
+                  </a:outerShdw>
+                </a:effectLst>
+              </a:rPr>
+              <a:t>5</a:t>
+            </a:r>
+            <a:r>
+              <a:rPr lang="zh-CN" sz="2800" b="1">
+                <a:solidFill>
+                  <a:schemeClr val="tx1"/>
+                </a:solidFill>
+                <a:effectLst>
+                  <a:outerShdw blurRad="38100" dist="19050" dir="2700000" algn="tl" rotWithShape="0">
+                    <a:schemeClr val="dk1">
+                      <a:alpha val="40000"/>
+                    </a:schemeClr>
+                  </a:outerShdw>
+                </a:effectLst>
+              </a:rPr>
+              <a:t>、</a:t>
+            </a:r>
+            <a:r>
+              <a:rPr lang="en-US" altLang="zh-CN" sz="2800" b="1">
+                <a:latin typeface="方正舒体" panose="02010601030101010101" charset="-122"/>
+                <a:ea typeface="方正舒体" panose="02010601030101010101" charset="-122"/>
+                <a:cs typeface="方正舒体" panose="02010601030101010101" charset="-122"/>
+                <a:sym typeface="+mn-ea"/>
+              </a:rPr>
+              <a:t>Text</a:t>
+            </a:r>
+            <a:r>
+              <a:rPr lang="zh-CN" sz="2800" b="1">
+                <a:latin typeface="方正舒体" panose="02010601030101010101" charset="-122"/>
+                <a:ea typeface="方正舒体" panose="02010601030101010101" charset="-122"/>
+                <a:cs typeface="方正舒体" panose="02010601030101010101" charset="-122"/>
+                <a:sym typeface="+mn-ea"/>
+              </a:rPr>
+              <a:t>类型</a:t>
+            </a:r>
+            <a:endParaRPr lang="zh-CN" sz="2800" b="1">
+              <a:latin typeface="方正舒体" panose="02010601030101010101" charset="-122"/>
+              <a:ea typeface="方正舒体" panose="02010601030101010101" charset="-122"/>
+              <a:cs typeface="方正舒体" panose="02010601030101010101" charset="-122"/>
+              <a:sym typeface="+mn-ea"/>
+            </a:endParaRPr>
+          </a:p>
+        </p:txBody>
+      </p:sp>
+      <p:graphicFrame>
+        <p:nvGraphicFramePr>
+          <p:cNvPr id="6" name="表格 5"/>
+          <p:cNvGraphicFramePr/>
+          <p:nvPr>
+            <p:custDataLst>
+              <p:tags r:id="rId1"/>
+            </p:custDataLst>
+          </p:nvPr>
+        </p:nvGraphicFramePr>
+        <p:xfrm>
+          <a:off x="900430" y="882015"/>
+          <a:ext cx="10800080" cy="3993515"/>
+        </p:xfrm>
+        <a:graphic>
+          <a:graphicData uri="http://schemas.openxmlformats.org/drawingml/2006/table">
+            <a:tbl>
+              <a:tblPr firstRow="1" bandRow="1">
+                <a:tableStyleId>{5C22544A-7EE6-4342-B048-85BDC9FD1C3A}</a:tableStyleId>
+              </a:tblPr>
+              <a:tblGrid>
+                <a:gridCol w="3964305"/>
+                <a:gridCol w="6835775"/>
+              </a:tblGrid>
+              <a:tr h="469900">
+                <a:tc>
+                  <a:txBody>
+                    <a:bodyPr/>
+                    <a:p>
+                      <a:pPr>
+                        <a:buNone/>
+                      </a:pPr>
+                      <a:r>
+                        <a:rPr lang="zh-CN" altLang="en-US"/>
+                        <a:t>方法</a:t>
+                      </a:r>
+                      <a:endParaRPr lang="zh-CN" altLang="en-US"/>
+                    </a:p>
+                  </a:txBody>
+                  <a:tcPr/>
+                </a:tc>
+                <a:tc>
+                  <a:txBody>
+                    <a:bodyPr/>
+                    <a:p>
+                      <a:pPr>
+                        <a:buNone/>
+                      </a:pPr>
+                      <a:r>
+                        <a:rPr lang="zh-CN" altLang="en-US"/>
+                        <a:t>说明</a:t>
+                      </a:r>
+                      <a:endParaRPr lang="zh-CN" altLang="en-US"/>
+                    </a:p>
+                  </a:txBody>
+                  <a:tcPr/>
+                </a:tc>
+              </a:tr>
+              <a:tr h="518160">
+                <a:tc>
+                  <a:txBody>
+                    <a:bodyPr/>
+                    <a:p>
+                      <a:pPr>
+                        <a:buNone/>
+                      </a:pPr>
+                      <a:r>
+                        <a:rPr lang="en-US" altLang="zh-CN"/>
+                        <a:t>appendData(text)</a:t>
+                      </a:r>
+                      <a:endParaRPr lang="en-US" altLang="zh-CN"/>
+                    </a:p>
+                  </a:txBody>
+                  <a:tcPr/>
+                </a:tc>
+                <a:tc>
+                  <a:txBody>
+                    <a:bodyPr/>
+                    <a:p>
+                      <a:pPr>
+                        <a:lnSpc>
+                          <a:spcPct val="150000"/>
+                        </a:lnSpc>
+                        <a:buNone/>
+                      </a:pPr>
+                      <a:r>
+                        <a:rPr lang="zh-CN" altLang="en-US" sz="1200"/>
+                        <a:t>向节点末尾添加文本 text；</a:t>
+                      </a:r>
+                      <a:endParaRPr lang="zh-CN" altLang="en-US" sz="1200"/>
+                    </a:p>
+                  </a:txBody>
+                  <a:tcPr/>
+                </a:tc>
+              </a:tr>
+              <a:tr h="473075">
+                <a:tc>
+                  <a:txBody>
+                    <a:bodyPr/>
+                    <a:p>
+                      <a:pPr>
+                        <a:buNone/>
+                      </a:pPr>
+                      <a:r>
+                        <a:rPr lang="en-US" altLang="zh-CN"/>
+                        <a:t>deleteData(offset, count)</a:t>
+                      </a:r>
+                      <a:endParaRPr lang="en-US" altLang="zh-CN"/>
+                    </a:p>
+                  </a:txBody>
+                  <a:tcPr/>
+                </a:tc>
+                <a:tc>
+                  <a:txBody>
+                    <a:bodyPr/>
+                    <a:p>
+                      <a:pPr>
+                        <a:lnSpc>
+                          <a:spcPct val="150000"/>
+                        </a:lnSpc>
+                        <a:buNone/>
+                      </a:pPr>
+                      <a:r>
+                        <a:rPr lang="zh-CN" altLang="en-US" sz="1200"/>
+                        <a:t>从位置 offset 开始删除 count 个字符；</a:t>
+                      </a:r>
+                      <a:endParaRPr lang="zh-CN" altLang="en-US" sz="1200"/>
+                    </a:p>
+                  </a:txBody>
+                  <a:tcPr/>
+                </a:tc>
+              </a:tr>
+              <a:tr h="473075">
+                <a:tc>
+                  <a:txBody>
+                    <a:bodyPr/>
+                    <a:p>
+                      <a:pPr>
+                        <a:buNone/>
+                      </a:pPr>
+                      <a:r>
+                        <a:rPr lang="en-US" altLang="zh-CN"/>
+                        <a:t>insertData(offset, text)</a:t>
+                      </a:r>
+                      <a:endParaRPr lang="en-US" altLang="zh-CN"/>
+                    </a:p>
+                  </a:txBody>
+                  <a:tcPr/>
+                </a:tc>
+                <a:tc>
+                  <a:txBody>
+                    <a:bodyPr/>
+                    <a:p>
+                      <a:pPr>
+                        <a:lnSpc>
+                          <a:spcPct val="150000"/>
+                        </a:lnSpc>
+                        <a:buNone/>
+                      </a:pPr>
+                      <a:r>
+                        <a:rPr lang="zh-CN" altLang="en-US" sz="1200"/>
+                        <a:t>在位置 offset 插入 text</a:t>
+                      </a:r>
+                      <a:endParaRPr lang="zh-CN" altLang="en-US" sz="1200"/>
+                    </a:p>
+                  </a:txBody>
+                  <a:tcPr/>
+                </a:tc>
+              </a:tr>
+              <a:tr h="640080">
+                <a:tc>
+                  <a:txBody>
+                    <a:bodyPr/>
+                    <a:p>
+                      <a:pPr>
+                        <a:buNone/>
+                      </a:pPr>
+                      <a:r>
+                        <a:rPr lang="en-US" altLang="zh-CN"/>
+                        <a:t>replaceData(offset, count, text)</a:t>
+                      </a:r>
+                      <a:endParaRPr lang="en-US" altLang="zh-CN"/>
+                    </a:p>
+                  </a:txBody>
+                  <a:tcPr/>
+                </a:tc>
+                <a:tc>
+                  <a:txBody>
+                    <a:bodyPr/>
+                    <a:p>
+                      <a:pPr>
+                        <a:lnSpc>
+                          <a:spcPct val="150000"/>
+                        </a:lnSpc>
+                        <a:buNone/>
+                      </a:pPr>
+                      <a:r>
+                        <a:rPr lang="zh-CN" altLang="en-US" sz="1200"/>
+                        <a:t>用 text 替换从位置 offset 到 offset + count 的文本；</a:t>
+                      </a:r>
+                      <a:endParaRPr lang="zh-CN" altLang="en-US" sz="1200"/>
+                    </a:p>
+                  </a:txBody>
+                  <a:tcPr/>
+                </a:tc>
+              </a:tr>
+              <a:tr h="473075">
+                <a:tc>
+                  <a:txBody>
+                    <a:bodyPr/>
+                    <a:p>
+                      <a:pPr>
+                        <a:buNone/>
+                      </a:pPr>
+                      <a:r>
+                        <a:rPr lang="en-US" altLang="zh-CN"/>
+                        <a:t>splitText(offset)</a:t>
+                      </a:r>
+                      <a:endParaRPr lang="en-US" altLang="zh-CN"/>
+                    </a:p>
+                  </a:txBody>
+                  <a:tcPr/>
+                </a:tc>
+                <a:tc>
+                  <a:txBody>
+                    <a:bodyPr/>
+                    <a:p>
+                      <a:pPr>
+                        <a:lnSpc>
+                          <a:spcPct val="150000"/>
+                        </a:lnSpc>
+                        <a:buNone/>
+                      </a:pPr>
+                      <a:r>
+                        <a:rPr lang="zh-CN" altLang="en-US" sz="1200"/>
+                        <a:t>在位置 offset 将当前文本节点拆分为两个文本节点</a:t>
+                      </a:r>
+                      <a:endParaRPr lang="zh-CN" altLang="en-US" sz="1200"/>
+                    </a:p>
+                  </a:txBody>
+                  <a:tcPr/>
+                </a:tc>
+              </a:tr>
+              <a:tr h="473075">
+                <a:tc>
+                  <a:txBody>
+                    <a:bodyPr/>
+                    <a:p>
+                      <a:pPr>
+                        <a:buNone/>
+                      </a:pPr>
+                      <a:r>
+                        <a:rPr lang="en-US" altLang="zh-CN"/>
+                        <a:t>substringData(offset, count)</a:t>
+                      </a:r>
+                      <a:endParaRPr lang="en-US" altLang="zh-CN"/>
+                    </a:p>
+                  </a:txBody>
+                  <a:tcPr/>
+                </a:tc>
+                <a:tc>
+                  <a:txBody>
+                    <a:bodyPr/>
+                    <a:p>
+                      <a:pPr>
+                        <a:lnSpc>
+                          <a:spcPct val="150000"/>
+                        </a:lnSpc>
+                        <a:buNone/>
+                      </a:pPr>
+                      <a:r>
+                        <a:rPr lang="zh-CN" altLang="en-US" sz="1200"/>
+                        <a:t>提取从位置 offset 到 offset + count 的文本</a:t>
+                      </a:r>
+                      <a:endParaRPr lang="zh-CN" altLang="en-US" sz="1200"/>
+                    </a:p>
+                  </a:txBody>
+                  <a:tcPr/>
+                </a:tc>
+              </a:tr>
+              <a:tr h="473075">
+                <a:tc>
+                  <a:txBody>
+                    <a:bodyPr/>
+                    <a:p>
+                      <a:pPr>
+                        <a:buNone/>
+                      </a:pPr>
+                      <a:r>
+                        <a:rPr lang="en-US" altLang="zh-CN"/>
+                        <a:t>document.createTextNode()</a:t>
+                      </a:r>
+                      <a:endParaRPr lang="en-US" altLang="zh-CN"/>
+                    </a:p>
+                  </a:txBody>
+                  <a:tcPr/>
+                </a:tc>
+                <a:tc>
+                  <a:txBody>
+                    <a:bodyPr/>
+                    <a:p>
+                      <a:pPr>
+                        <a:lnSpc>
+                          <a:spcPct val="150000"/>
+                        </a:lnSpc>
+                        <a:buNone/>
+                      </a:pPr>
+                      <a:r>
+                        <a:rPr lang="zh-CN" altLang="en-US" sz="1200"/>
+                        <a:t>创建文本</a:t>
+                      </a:r>
+                      <a:r>
+                        <a:rPr lang="zh-CN" altLang="en-US" sz="1200"/>
+                        <a:t>节点</a:t>
+                      </a:r>
+                      <a:endParaRPr lang="zh-CN" altLang="en-US" sz="1200"/>
+                    </a:p>
+                  </a:txBody>
+                  <a:tcPr/>
+                </a:tc>
+              </a:tr>
+            </a:tbl>
+          </a:graphicData>
+        </a:graphic>
+      </p:graphicFrame>
+      <p:sp>
+        <p:nvSpPr>
+          <p:cNvPr id="7" name="文本框 6"/>
+          <p:cNvSpPr txBox="1"/>
+          <p:nvPr/>
+        </p:nvSpPr>
+        <p:spPr>
+          <a:xfrm>
+            <a:off x="900430" y="5411470"/>
+            <a:ext cx="9752330" cy="583565"/>
+          </a:xfrm>
+          <a:prstGeom prst="rect">
+            <a:avLst/>
+          </a:prstGeom>
+          <a:noFill/>
+        </p:spPr>
+        <p:txBody>
+          <a:bodyPr wrap="square" rtlCol="0" anchor="t">
+            <a:spAutoFit/>
+          </a:bodyPr>
+          <a:p>
+            <a:r>
+              <a:rPr lang="zh-CN" altLang="en-US" sz="1600"/>
+              <a:t>除了这些方法，还可以通过 length 属性获取文本节点中包含的字符数量。这个值等于 nodeValue.length 和data.length。</a:t>
+            </a:r>
+            <a:endParaRPr lang="zh-CN" altLang="en-US" sz="1600"/>
+          </a:p>
+        </p:txBody>
+      </p:sp>
+    </p:spTree>
+    <p:custDataLst>
+      <p:tags r:id="rId2"/>
+    </p:custDataLst>
+  </p:cSld>
+  <p:clrMapOvr>
+    <a:masterClrMapping/>
+  </p:clrMapOvr>
+</p:sld>
+</file>
+
+<file path=ppt/slides/slide22.xml><?xml version="1.0" encoding="utf-8"?>
+<p:sld xmlns:a="http://schemas.openxmlformats.org/drawingml/2006/main" xmlns:r="http://schemas.openxmlformats.org/officeDocument/2006/relationships" xmlns:p="http://schemas.openxmlformats.org/presentationml/2006/main">
+  <p:cSld>
+    <p:spTree>
+      <p:nvGrpSpPr>
+        <p:cNvPr id="1" name=""/>
+        <p:cNvGrpSpPr/>
+        <p:nvPr/>
+      </p:nvGrpSpPr>
+      <p:grpSpPr/>
+      <p:sp>
+        <p:nvSpPr>
+          <p:cNvPr id="3" name="文本框 2"/>
+          <p:cNvSpPr txBox="1"/>
+          <p:nvPr/>
+        </p:nvSpPr>
+        <p:spPr>
+          <a:xfrm>
+            <a:off x="463550" y="125730"/>
+            <a:ext cx="7962265" cy="521970"/>
+          </a:xfrm>
+          <a:prstGeom prst="rect">
+            <a:avLst/>
+          </a:prstGeom>
+          <a:noFill/>
+        </p:spPr>
+        <p:txBody>
+          <a:bodyPr wrap="square" rtlCol="0">
+            <a:spAutoFit/>
+          </a:bodyPr>
+          <a:p>
+            <a:r>
+              <a:rPr lang="en-US" altLang="zh-CN" sz="2800" b="1">
+                <a:solidFill>
+                  <a:schemeClr val="tx1"/>
+                </a:solidFill>
+                <a:effectLst>
+                  <a:outerShdw blurRad="38100" dist="19050" dir="2700000" algn="tl" rotWithShape="0">
+                    <a:schemeClr val="dk1">
+                      <a:alpha val="40000"/>
+                    </a:schemeClr>
+                  </a:outerShdw>
+                </a:effectLst>
+              </a:rPr>
+              <a:t>5</a:t>
+            </a:r>
+            <a:r>
+              <a:rPr lang="zh-CN" sz="2800" b="1">
+                <a:solidFill>
+                  <a:schemeClr val="tx1"/>
+                </a:solidFill>
+                <a:effectLst>
+                  <a:outerShdw blurRad="38100" dist="19050" dir="2700000" algn="tl" rotWithShape="0">
+                    <a:schemeClr val="dk1">
+                      <a:alpha val="40000"/>
+                    </a:schemeClr>
+                  </a:outerShdw>
+                </a:effectLst>
+              </a:rPr>
+              <a:t>、</a:t>
+            </a:r>
+            <a:r>
+              <a:rPr lang="en-US" altLang="zh-CN" sz="2800" b="1">
+                <a:latin typeface="方正舒体" panose="02010601030101010101" charset="-122"/>
+                <a:ea typeface="方正舒体" panose="02010601030101010101" charset="-122"/>
+                <a:cs typeface="方正舒体" panose="02010601030101010101" charset="-122"/>
+                <a:sym typeface="+mn-ea"/>
+              </a:rPr>
+              <a:t>Text</a:t>
+            </a:r>
+            <a:r>
+              <a:rPr lang="zh-CN" sz="2800" b="1">
+                <a:latin typeface="方正舒体" panose="02010601030101010101" charset="-122"/>
+                <a:ea typeface="方正舒体" panose="02010601030101010101" charset="-122"/>
+                <a:cs typeface="方正舒体" panose="02010601030101010101" charset="-122"/>
+                <a:sym typeface="+mn-ea"/>
+              </a:rPr>
+              <a:t>类型</a:t>
+            </a:r>
+            <a:endParaRPr lang="zh-CN" sz="2800" b="1">
+              <a:latin typeface="方正舒体" panose="02010601030101010101" charset="-122"/>
+              <a:ea typeface="方正舒体" panose="02010601030101010101" charset="-122"/>
+              <a:cs typeface="方正舒体" panose="02010601030101010101" charset="-122"/>
+              <a:sym typeface="+mn-ea"/>
+            </a:endParaRPr>
+          </a:p>
+        </p:txBody>
+      </p:sp>
+      <p:sp>
+        <p:nvSpPr>
+          <p:cNvPr id="7" name="文本框 6"/>
+          <p:cNvSpPr txBox="1"/>
+          <p:nvPr/>
+        </p:nvSpPr>
+        <p:spPr>
+          <a:xfrm>
+            <a:off x="654050" y="848360"/>
+            <a:ext cx="11063605" cy="1322070"/>
+          </a:xfrm>
+          <a:prstGeom prst="rect">
+            <a:avLst/>
+          </a:prstGeom>
+          <a:noFill/>
+        </p:spPr>
+        <p:txBody>
+          <a:bodyPr wrap="square" rtlCol="0" anchor="t">
+            <a:spAutoFit/>
+          </a:bodyPr>
+          <a:p>
+            <a:r>
+              <a:rPr lang="zh-CN" altLang="en-US" sz="1600" b="1"/>
+              <a:t>规范化文本节点</a:t>
+            </a:r>
+            <a:endParaRPr lang="zh-CN" altLang="en-US" sz="1600" b="1"/>
+          </a:p>
+          <a:p>
+            <a:endParaRPr lang="zh-CN" altLang="en-US" sz="1600"/>
+          </a:p>
+          <a:p>
+            <a:pPr>
+              <a:lnSpc>
+                <a:spcPct val="150000"/>
+              </a:lnSpc>
+            </a:pPr>
+            <a:r>
+              <a:rPr lang="zh-CN" altLang="en-US" sz="1600"/>
+              <a:t>在包含两个或多个相邻文本节点的父节点上调用 normalize()时，所有同胞文本节点会被合并为一个文本节点，这个文本节点的 nodeValue 就等于之前所有同胞节点 nodeValue 拼接在一起得到的字符串。</a:t>
+            </a:r>
+            <a:endParaRPr lang="zh-CN" altLang="en-US" sz="1600"/>
+          </a:p>
+        </p:txBody>
+      </p:sp>
+      <p:sp>
+        <p:nvSpPr>
+          <p:cNvPr id="2" name="文本框 1"/>
+          <p:cNvSpPr txBox="1"/>
+          <p:nvPr/>
+        </p:nvSpPr>
+        <p:spPr>
+          <a:xfrm>
+            <a:off x="2932430" y="2371090"/>
+            <a:ext cx="6101080" cy="4154170"/>
+          </a:xfrm>
+          <a:prstGeom prst="rect">
+            <a:avLst/>
+          </a:prstGeom>
+        </p:spPr>
+        <p:style>
+          <a:lnRef idx="2">
+            <a:schemeClr val="accent6"/>
+          </a:lnRef>
+          <a:fillRef idx="1">
+            <a:schemeClr val="lt1"/>
+          </a:fillRef>
+          <a:effectRef idx="0">
+            <a:schemeClr val="accent6"/>
+          </a:effectRef>
+          <a:fontRef idx="minor">
+            <a:schemeClr val="dk1"/>
+          </a:fontRef>
+        </p:style>
+        <p:txBody>
+          <a:bodyPr wrap="square" rtlCol="0" anchor="t">
+            <a:spAutoFit/>
+          </a:bodyPr>
+          <a:p>
+            <a:pPr>
+              <a:lnSpc>
+                <a:spcPct val="150000"/>
+              </a:lnSpc>
+            </a:pPr>
+            <a:r>
+              <a:rPr lang="zh-CN" altLang="en-US" sz="1600"/>
+              <a:t>let element = document.createElement("div");</a:t>
+            </a:r>
+            <a:endParaRPr lang="zh-CN" altLang="en-US" sz="1600"/>
+          </a:p>
+          <a:p>
+            <a:pPr>
+              <a:lnSpc>
+                <a:spcPct val="150000"/>
+              </a:lnSpc>
+            </a:pPr>
+            <a:r>
+              <a:rPr lang="zh-CN" altLang="en-US" sz="1600"/>
+              <a:t>element.className = "message";</a:t>
+            </a:r>
+            <a:endParaRPr lang="zh-CN" altLang="en-US" sz="1600"/>
+          </a:p>
+          <a:p>
+            <a:pPr>
+              <a:lnSpc>
+                <a:spcPct val="150000"/>
+              </a:lnSpc>
+            </a:pPr>
+            <a:r>
+              <a:rPr lang="zh-CN" altLang="en-US" sz="1600"/>
+              <a:t>let textNode = document.createTextNode("Hello world!");</a:t>
+            </a:r>
+            <a:endParaRPr lang="zh-CN" altLang="en-US" sz="1600"/>
+          </a:p>
+          <a:p>
+            <a:pPr>
+              <a:lnSpc>
+                <a:spcPct val="150000"/>
+              </a:lnSpc>
+            </a:pPr>
+            <a:r>
+              <a:rPr lang="zh-CN" altLang="en-US" sz="1600"/>
+              <a:t>element.appendChild(textNode);</a:t>
+            </a:r>
+            <a:endParaRPr lang="zh-CN" altLang="en-US" sz="1600"/>
+          </a:p>
+          <a:p>
+            <a:pPr>
+              <a:lnSpc>
+                <a:spcPct val="150000"/>
+              </a:lnSpc>
+            </a:pPr>
+            <a:r>
+              <a:rPr lang="zh-CN" altLang="en-US" sz="1600"/>
+              <a:t>let anotherTextNode = document.createTextNode("Yippee!");</a:t>
+            </a:r>
+            <a:endParaRPr lang="zh-CN" altLang="en-US" sz="1600"/>
+          </a:p>
+          <a:p>
+            <a:pPr>
+              <a:lnSpc>
+                <a:spcPct val="150000"/>
+              </a:lnSpc>
+            </a:pPr>
+            <a:r>
+              <a:rPr lang="zh-CN" altLang="en-US" sz="1600"/>
+              <a:t>element.appendChild(anotherTextNode);</a:t>
+            </a:r>
+            <a:endParaRPr lang="zh-CN" altLang="en-US" sz="1600"/>
+          </a:p>
+          <a:p>
+            <a:pPr>
+              <a:lnSpc>
+                <a:spcPct val="150000"/>
+              </a:lnSpc>
+            </a:pPr>
+            <a:r>
+              <a:rPr lang="zh-CN" altLang="en-US" sz="1600"/>
+              <a:t>document.body.appendChild(element);</a:t>
+            </a:r>
+            <a:endParaRPr lang="zh-CN" altLang="en-US" sz="1600"/>
+          </a:p>
+          <a:p>
+            <a:pPr>
+              <a:lnSpc>
+                <a:spcPct val="150000"/>
+              </a:lnSpc>
+            </a:pPr>
+            <a:r>
+              <a:rPr lang="zh-CN" altLang="en-US" sz="1600"/>
+              <a:t>alert(element.childNodes.length); // 2</a:t>
+            </a:r>
+            <a:endParaRPr lang="zh-CN" altLang="en-US" sz="1600"/>
+          </a:p>
+          <a:p>
+            <a:pPr>
+              <a:lnSpc>
+                <a:spcPct val="150000"/>
+              </a:lnSpc>
+            </a:pPr>
+            <a:r>
+              <a:rPr lang="zh-CN" altLang="en-US" sz="1600" b="1">
+                <a:solidFill>
+                  <a:srgbClr val="FF0000"/>
+                </a:solidFill>
+              </a:rPr>
+              <a:t>element.normalize();</a:t>
+            </a:r>
+            <a:endParaRPr lang="zh-CN" altLang="en-US" sz="1600" b="1">
+              <a:solidFill>
+                <a:srgbClr val="FF0000"/>
+              </a:solidFill>
+            </a:endParaRPr>
+          </a:p>
+          <a:p>
+            <a:pPr>
+              <a:lnSpc>
+                <a:spcPct val="150000"/>
+              </a:lnSpc>
+            </a:pPr>
+            <a:r>
+              <a:rPr lang="zh-CN" altLang="en-US" sz="1600"/>
+              <a:t>alert(element.childNodes.length); // 1</a:t>
+            </a:r>
+            <a:endParaRPr lang="zh-CN" altLang="en-US" sz="1600"/>
+          </a:p>
+          <a:p>
+            <a:pPr>
+              <a:lnSpc>
+                <a:spcPct val="150000"/>
+              </a:lnSpc>
+            </a:pPr>
+            <a:r>
+              <a:rPr lang="zh-CN" altLang="en-US" sz="1600"/>
+              <a:t>alert(element.firstChild.nodeValue); // "Hello world!Yippee!"</a:t>
+            </a:r>
+            <a:endParaRPr lang="zh-CN" altLang="en-US" sz="1600"/>
+          </a:p>
+        </p:txBody>
+      </p:sp>
+    </p:spTree>
+    <p:custDataLst>
+      <p:tags r:id="rId1"/>
+    </p:custDataLst>
+  </p:cSld>
+  <p:clrMapOvr>
+    <a:masterClrMapping/>
+  </p:clrMapOvr>
+</p:sld>
+</file>
+
 <file path=ppt/slides/slide3.xml><?xml version="1.0" encoding="utf-8"?>
 <p:sld xmlns:a="http://schemas.openxmlformats.org/drawingml/2006/main" xmlns:r="http://schemas.openxmlformats.org/officeDocument/2006/relationships" xmlns:p="http://schemas.openxmlformats.org/presentationml/2006/main">
   <p:cSld>
@@ -10303,7 +11517,7 @@
         </p:nvSpPr>
         <p:spPr>
           <a:xfrm>
-            <a:off x="3849370" y="4177030"/>
+            <a:off x="3849370" y="4213225"/>
             <a:ext cx="4493260" cy="1635760"/>
           </a:xfrm>
           <a:prstGeom prst="roundRect">
@@ -10705,10 +11919,10 @@
         </p:nvGrpSpPr>
         <p:grpSpPr>
           <a:xfrm>
-            <a:off x="1369060" y="1410970"/>
-            <a:ext cx="9759315" cy="5199380"/>
-            <a:chOff x="2156" y="2222"/>
-            <a:chExt cx="15369" cy="8188"/>
+            <a:off x="1369060" y="1444625"/>
+            <a:ext cx="9759315" cy="5165725"/>
+            <a:chOff x="2156" y="2275"/>
+            <a:chExt cx="15369" cy="8135"/>
           </a:xfrm>
         </p:grpSpPr>
         <p:sp>
@@ -10719,7 +11933,7 @@
           </p:nvSpPr>
           <p:spPr>
             <a:xfrm>
-              <a:off x="2156" y="2222"/>
+              <a:off x="2195" y="2275"/>
               <a:ext cx="9407" cy="798"/>
             </a:xfrm>
             <a:prstGeom prst="rect">
@@ -11153,6 +12367,38 @@
 </file>
 
 <file path=ppt/tags/tag24.xml><?xml version="1.0" encoding="utf-8"?>
+<p:tagLst xmlns:p="http://schemas.openxmlformats.org/presentationml/2006/main">
+  <p:tag name="KSO_WM_BEAUTIFY_FLAG" val="#wm#"/>
+  <p:tag name="KSO_WM_TEMPLATE_CATEGORY" val="custom"/>
+  <p:tag name="KSO_WM_TEMPLATE_INDEX" val="20205081"/>
+</p:tagLst>
+</file>
+
+<file path=ppt/tags/tag25.xml><?xml version="1.0" encoding="utf-8"?>
+<p:tagLst xmlns:p="http://schemas.openxmlformats.org/presentationml/2006/main">
+  <p:tag name="KSO_WM_BEAUTIFY_FLAG" val="#wm#"/>
+  <p:tag name="KSO_WM_TEMPLATE_CATEGORY" val="custom"/>
+  <p:tag name="KSO_WM_TEMPLATE_INDEX" val="20205081"/>
+</p:tagLst>
+</file>
+
+<file path=ppt/tags/tag26.xml><?xml version="1.0" encoding="utf-8"?>
+<p:tagLst xmlns:p="http://schemas.openxmlformats.org/presentationml/2006/main">
+  <p:tag name="KSO_WM_UNIT_TABLE_BEAUTIFY" val="smartTable{952ef219-c127-4c6c-b64c-040baed56067}"/>
+  <p:tag name="TABLE_ENDDRAG_ORIGIN_RECT" val="858*277"/>
+  <p:tag name="TABLE_ENDDRAG_RECT" val="26*165*858*277"/>
+</p:tagLst>
+</file>
+
+<file path=ppt/tags/tag27.xml><?xml version="1.0" encoding="utf-8"?>
+<p:tagLst xmlns:p="http://schemas.openxmlformats.org/presentationml/2006/main">
+  <p:tag name="KSO_WM_BEAUTIFY_FLAG" val="#wm#"/>
+  <p:tag name="KSO_WM_TEMPLATE_CATEGORY" val="custom"/>
+  <p:tag name="KSO_WM_TEMPLATE_INDEX" val="20205081"/>
+</p:tagLst>
+</file>
+
+<file path=ppt/tags/tag28.xml><?xml version="1.0" encoding="utf-8"?>
 <p:tagLst xmlns:p="http://schemas.openxmlformats.org/presentationml/2006/main">
   <p:tag name="KSO_WM_BEAUTIFY_FLAG" val="#wm#"/>
   <p:tag name="KSO_WM_TEMPLATE_CATEGORY" val="custom"/>
